--- a/presentation/EMSEC_Blockseminar_Template_Corporate_WS1314.pptx
+++ b/presentation/EMSEC_Blockseminar_Template_Corporate_WS1314.pptx
@@ -267,7 +267,7 @@
             <a:fld id="{BB93A34B-99EF-4508-AC98-725F0CC829C5}" type="datetimeFigureOut">
               <a:rPr lang="de-DE"/>
               <a:pPr/>
-              <a:t>10.07.16</a:t>
+              <a:t>12.07.16</a:t>
             </a:fld>
             <a:endParaRPr lang="de-DE"/>
           </a:p>
@@ -2662,8 +2662,8 @@
           <a:chExt cx="0" cy="0"/>
         </a:xfrm>
       </p:grpSpPr>
-      <mc:AlternateContent xmlns:mc="http://schemas.openxmlformats.org/markup-compatibility/2006">
-        <mc:Choice xmlns:a14="http://schemas.microsoft.com/office/drawing/2010/main" Requires="a14">
+      <mc:AlternateContent xmlns:mc="http://schemas.openxmlformats.org/markup-compatibility/2006" xmlns:a14="http://schemas.microsoft.com/office/drawing/2010/main">
+        <mc:Choice Requires="a14">
           <p:sp>
             <p:nvSpPr>
               <p:cNvPr id="2" name="Textplatzhalter 1"/>
@@ -3384,7 +3384,7 @@
             </p:txBody>
           </p:sp>
         </mc:Choice>
-        <mc:Fallback>
+        <mc:Fallback xmlns="">
           <p:sp>
             <p:nvSpPr>
               <p:cNvPr id="2" name="Textplatzhalter 1"/>
@@ -3487,8 +3487,8 @@
           <a:chExt cx="0" cy="0"/>
         </a:xfrm>
       </p:grpSpPr>
-      <mc:AlternateContent xmlns:mc="http://schemas.openxmlformats.org/markup-compatibility/2006">
-        <mc:Choice xmlns:a14="http://schemas.microsoft.com/office/drawing/2010/main" Requires="a14">
+      <mc:AlternateContent xmlns:mc="http://schemas.openxmlformats.org/markup-compatibility/2006" xmlns:a14="http://schemas.microsoft.com/office/drawing/2010/main">
+        <mc:Choice Requires="a14">
           <p:sp>
             <p:nvSpPr>
               <p:cNvPr id="2" name="Textplatzhalter 1"/>
@@ -4324,7 +4324,6 @@
                 <a:endParaRPr lang="de-DE" dirty="0"/>
               </a:p>
               <a:p>
-                <a:pPr/>
                 <a:r>
                   <a:rPr lang="de-DE" b="1" dirty="0" smtClean="0"/>
                   <a:t>Output:</a:t>
@@ -4348,7 +4347,7 @@
             </p:txBody>
           </p:sp>
         </mc:Choice>
-        <mc:Fallback>
+        <mc:Fallback xmlns="">
           <p:sp>
             <p:nvSpPr>
               <p:cNvPr id="2" name="Textplatzhalter 1"/>
@@ -5508,7 +5507,6 @@
               <a:rPr lang="en-US" dirty="0" smtClean="0"/>
               <a:t>Ring-LWE Encryption Scheme</a:t>
             </a:r>
-            <a:endParaRPr lang="en-US" dirty="0" smtClean="0"/>
           </a:p>
           <a:p>
             <a:pPr lvl="1"/>
@@ -5688,8 +5686,8 @@
           <a:chExt cx="0" cy="0"/>
         </a:xfrm>
       </p:grpSpPr>
-      <mc:AlternateContent xmlns:mc="http://schemas.openxmlformats.org/markup-compatibility/2006">
-        <mc:Choice xmlns:a14="http://schemas.microsoft.com/office/drawing/2010/main" Requires="a14">
+      <mc:AlternateContent xmlns:mc="http://schemas.openxmlformats.org/markup-compatibility/2006" xmlns:a14="http://schemas.microsoft.com/office/drawing/2010/main">
+        <mc:Choice Requires="a14">
           <p:sp>
             <p:nvSpPr>
               <p:cNvPr id="2" name="Textplatzhalter 1"/>
@@ -6269,7 +6267,6 @@
                 <a:endParaRPr lang="en-US" dirty="0" smtClean="0"/>
               </a:p>
               <a:p>
-                <a:pPr/>
                 <a:r>
                   <a:rPr lang="en-US" dirty="0" smtClean="0"/>
                   <a:t>Base of a lattice represented by matrix </a:t>
@@ -6379,7 +6376,6 @@
                 <a:endParaRPr lang="en-US" dirty="0"/>
               </a:p>
               <a:p>
-                <a:pPr/>
                 <a:r>
                   <a:rPr lang="en-US" dirty="0" smtClean="0"/>
                   <a:t>Ideal lattice corresponds to ideals in a ring </a:t>
@@ -6513,7 +6509,6 @@
                 <a:endParaRPr lang="en-US" dirty="0" smtClean="0"/>
               </a:p>
               <a:p>
-                <a:pPr/>
                 <a:r>
                   <a:rPr lang="en-US" dirty="0" smtClean="0"/>
                   <a:t>Enables us to use </a:t>
@@ -6538,7 +6533,7 @@
             </p:txBody>
           </p:sp>
         </mc:Choice>
-        <mc:Fallback>
+        <mc:Fallback xmlns="">
           <p:sp>
             <p:nvSpPr>
               <p:cNvPr id="2" name="Textplatzhalter 1"/>
@@ -6648,10 +6643,6 @@
           <a:bodyPr/>
           <a:lstStyle/>
           <a:p>
-            <a:r>
-              <a:rPr lang="de-DE" dirty="0" err="1" smtClean="0"/>
-              <a:t>blub</a:t>
-            </a:r>
             <a:endParaRPr lang="de-DE" dirty="0"/>
           </a:p>
         </p:txBody>
@@ -6741,8 +6732,8 @@
           <a:chExt cx="0" cy="0"/>
         </a:xfrm>
       </p:grpSpPr>
-      <mc:AlternateContent xmlns:mc="http://schemas.openxmlformats.org/markup-compatibility/2006">
-        <mc:Choice xmlns:a14="http://schemas.microsoft.com/office/drawing/2010/main" Requires="a14">
+      <mc:AlternateContent xmlns:mc="http://schemas.openxmlformats.org/markup-compatibility/2006" xmlns:a14="http://schemas.microsoft.com/office/drawing/2010/main">
+        <mc:Choice Requires="a14">
           <p:sp>
             <p:nvSpPr>
               <p:cNvPr id="2" name="Textplatzhalter 1"/>
@@ -7515,7 +7506,7 @@
             </p:txBody>
           </p:sp>
         </mc:Choice>
-        <mc:Fallback>
+        <mc:Fallback xmlns="">
           <p:sp>
             <p:nvSpPr>
               <p:cNvPr id="2" name="Textplatzhalter 1"/>
@@ -7646,10 +7637,47 @@
           <a:lstStyle/>
           <a:p>
             <a:r>
-              <a:rPr lang="de-DE" dirty="0" err="1" smtClean="0"/>
-              <a:t>bla</a:t>
-            </a:r>
-            <a:endParaRPr lang="de-DE" dirty="0"/>
+              <a:rPr lang="en-US" dirty="0" smtClean="0"/>
+              <a:t>Conclude secret information with leaked information</a:t>
+            </a:r>
+          </a:p>
+          <a:p>
+            <a:r>
+              <a:rPr lang="en-US" dirty="0" smtClean="0"/>
+              <a:t>One type of attack: </a:t>
+            </a:r>
+            <a:r>
+              <a:rPr lang="en-US" i="1" dirty="0" smtClean="0"/>
+              <a:t>Differential Power Analysis </a:t>
+            </a:r>
+            <a:r>
+              <a:rPr lang="en-US" dirty="0" smtClean="0"/>
+              <a:t>(DPA)</a:t>
+            </a:r>
+          </a:p>
+          <a:p>
+            <a:pPr lvl="1"/>
+            <a:r>
+              <a:rPr lang="en-US" i="1" dirty="0" smtClean="0"/>
+              <a:t>Sensitive variable</a:t>
+            </a:r>
+            <a:r>
+              <a:rPr lang="en-US" dirty="0" smtClean="0"/>
+              <a:t>: Value that depends on the secret key and the plaintext</a:t>
+            </a:r>
+          </a:p>
+          <a:p>
+            <a:pPr lvl="1"/>
+            <a:r>
+              <a:rPr lang="en-US" dirty="0" smtClean="0"/>
+              <a:t>Correlate a leakage with a prediction made on a sensitive variable</a:t>
+            </a:r>
+          </a:p>
+          <a:p>
+            <a:endParaRPr lang="en-US" dirty="0" smtClean="0"/>
+          </a:p>
+          <a:p>
+            <a:endParaRPr lang="en-US" dirty="0"/>
           </a:p>
         </p:txBody>
       </p:sp>
@@ -7694,6 +7722,10 @@
             <a:r>
               <a:rPr lang="de-DE" sz="2800" b="0" dirty="0" err="1" smtClean="0"/>
               <a:t>Terminology</a:t>
+            </a:r>
+            <a:r>
+              <a:rPr lang="de-DE" sz="2800" b="0" dirty="0" smtClean="0"/>
+              <a:t> (DPA)</a:t>
             </a:r>
             <a:endParaRPr lang="de-DE" dirty="0"/>
           </a:p>
@@ -7730,8 +7762,8 @@
           <a:chExt cx="0" cy="0"/>
         </a:xfrm>
       </p:grpSpPr>
-      <mc:AlternateContent xmlns:mc="http://schemas.openxmlformats.org/markup-compatibility/2006">
-        <mc:Choice xmlns:a14="http://schemas.microsoft.com/office/drawing/2010/main" Requires="a14">
+      <mc:AlternateContent xmlns:mc="http://schemas.openxmlformats.org/markup-compatibility/2006" xmlns:a14="http://schemas.microsoft.com/office/drawing/2010/main">
+        <mc:Choice Requires="a14">
           <p:sp>
             <p:nvSpPr>
               <p:cNvPr id="2" name="Textplatzhalter 1"/>
@@ -8092,7 +8124,7 @@
             </p:txBody>
           </p:sp>
         </mc:Choice>
-        <mc:Fallback>
+        <mc:Fallback xmlns="">
           <p:sp>
             <p:nvSpPr>
               <p:cNvPr id="2" name="Textplatzhalter 1"/>
@@ -8195,8 +8227,8 @@
           <a:chExt cx="0" cy="0"/>
         </a:xfrm>
       </p:grpSpPr>
-      <mc:AlternateContent xmlns:mc="http://schemas.openxmlformats.org/markup-compatibility/2006">
-        <mc:Choice xmlns:a14="http://schemas.microsoft.com/office/drawing/2010/main" Requires="a14">
+      <mc:AlternateContent xmlns:mc="http://schemas.openxmlformats.org/markup-compatibility/2006" xmlns:a14="http://schemas.microsoft.com/office/drawing/2010/main">
+        <mc:Choice Requires="a14">
           <p:sp>
             <p:nvSpPr>
               <p:cNvPr id="2" name="Textplatzhalter 1"/>
@@ -8429,7 +8461,7 @@
             </p:txBody>
           </p:sp>
         </mc:Choice>
-        <mc:Fallback>
+        <mc:Fallback xmlns="">
           <p:sp>
             <p:nvSpPr>
               <p:cNvPr id="2" name="Textplatzhalter 1"/>

--- a/presentation/EMSEC_Blockseminar_Template_Corporate_WS1314.pptx
+++ b/presentation/EMSEC_Blockseminar_Template_Corporate_WS1314.pptx
@@ -6,22 +6,26 @@
     <p:sldMasterId id="2147483661" r:id="rId2"/>
   </p:sldMasterIdLst>
   <p:notesMasterIdLst>
-    <p:notesMasterId r:id="rId16"/>
+    <p:notesMasterId r:id="rId17"/>
   </p:notesMasterIdLst>
+  <p:handoutMasterIdLst>
+    <p:handoutMasterId r:id="rId18"/>
+  </p:handoutMasterIdLst>
   <p:sldIdLst>
     <p:sldId id="256" r:id="rId3"/>
     <p:sldId id="312" r:id="rId4"/>
     <p:sldId id="310" r:id="rId5"/>
     <p:sldId id="313" r:id="rId6"/>
     <p:sldId id="314" r:id="rId7"/>
-    <p:sldId id="315" r:id="rId8"/>
-    <p:sldId id="321" r:id="rId9"/>
-    <p:sldId id="316" r:id="rId10"/>
-    <p:sldId id="317" r:id="rId11"/>
-    <p:sldId id="318" r:id="rId12"/>
-    <p:sldId id="319" r:id="rId13"/>
-    <p:sldId id="320" r:id="rId14"/>
-    <p:sldId id="311" r:id="rId15"/>
+    <p:sldId id="321" r:id="rId8"/>
+    <p:sldId id="316" r:id="rId9"/>
+    <p:sldId id="317" r:id="rId10"/>
+    <p:sldId id="318" r:id="rId11"/>
+    <p:sldId id="319" r:id="rId12"/>
+    <p:sldId id="320" r:id="rId13"/>
+    <p:sldId id="322" r:id="rId14"/>
+    <p:sldId id="323" r:id="rId15"/>
+    <p:sldId id="311" r:id="rId16"/>
   </p:sldIdLst>
   <p:sldSz cx="10080625" cy="7561263"/>
   <p:notesSz cx="6858000" cy="9144000"/>
@@ -172,6 +176,171 @@
 </p:presentation>
 </file>
 
+<file path=ppt/handoutMasters/handoutMaster1.xml><?xml version="1.0" encoding="utf-8"?>
+<p:handoutMaster xmlns:a="http://schemas.openxmlformats.org/drawingml/2006/main" xmlns:r="http://schemas.openxmlformats.org/officeDocument/2006/relationships" xmlns:p="http://schemas.openxmlformats.org/presentationml/2006/main">
+  <p:cSld>
+    <p:bg>
+      <p:bgRef idx="1001">
+        <a:schemeClr val="bg1"/>
+      </p:bgRef>
+    </p:bg>
+    <p:spTree>
+      <p:nvGrpSpPr>
+        <p:cNvPr id="1" name=""/>
+        <p:cNvGrpSpPr/>
+        <p:nvPr/>
+      </p:nvGrpSpPr>
+      <p:grpSpPr>
+        <a:xfrm>
+          <a:off x="0" y="0"/>
+          <a:ext cx="0" cy="0"/>
+          <a:chOff x="0" y="0"/>
+          <a:chExt cx="0" cy="0"/>
+        </a:xfrm>
+      </p:grpSpPr>
+      <p:sp>
+        <p:nvSpPr>
+          <p:cNvPr id="2" name="Kopfzeilenplatzhalter 1"/>
+          <p:cNvSpPr>
+            <a:spLocks noGrp="1"/>
+          </p:cNvSpPr>
+          <p:nvPr>
+            <p:ph type="hdr" sz="quarter"/>
+          </p:nvPr>
+        </p:nvSpPr>
+        <p:spPr>
+          <a:xfrm>
+            <a:off x="0" y="0"/>
+            <a:ext cx="2971800" cy="458788"/>
+          </a:xfrm>
+          <a:prstGeom prst="rect">
+            <a:avLst/>
+          </a:prstGeom>
+        </p:spPr>
+        <p:txBody>
+          <a:bodyPr vert="horz" lIns="91440" tIns="45720" rIns="91440" bIns="45720" rtlCol="0"/>
+          <a:lstStyle>
+            <a:lvl1pPr algn="l">
+              <a:defRPr sz="1200"/>
+            </a:lvl1pPr>
+          </a:lstStyle>
+          <a:p>
+            <a:endParaRPr lang="de-DE"/>
+          </a:p>
+        </p:txBody>
+      </p:sp>
+      <p:sp>
+        <p:nvSpPr>
+          <p:cNvPr id="3" name="Datumsplatzhalter 2"/>
+          <p:cNvSpPr>
+            <a:spLocks noGrp="1"/>
+          </p:cNvSpPr>
+          <p:nvPr>
+            <p:ph type="dt" sz="quarter" idx="1"/>
+          </p:nvPr>
+        </p:nvSpPr>
+        <p:spPr>
+          <a:xfrm>
+            <a:off x="3884613" y="0"/>
+            <a:ext cx="2971800" cy="458788"/>
+          </a:xfrm>
+          <a:prstGeom prst="rect">
+            <a:avLst/>
+          </a:prstGeom>
+        </p:spPr>
+        <p:txBody>
+          <a:bodyPr vert="horz" lIns="91440" tIns="45720" rIns="91440" bIns="45720" rtlCol="0"/>
+          <a:lstStyle>
+            <a:lvl1pPr algn="r">
+              <a:defRPr sz="1200"/>
+            </a:lvl1pPr>
+          </a:lstStyle>
+          <a:p>
+            <a:fld id="{B602ADCE-79F3-4149-97EB-E4B2C723408B}" type="datetimeFigureOut">
+              <a:rPr lang="de-DE" smtClean="0"/>
+              <a:t>19.07.16</a:t>
+            </a:fld>
+            <a:endParaRPr lang="de-DE"/>
+          </a:p>
+        </p:txBody>
+      </p:sp>
+      <p:sp>
+        <p:nvSpPr>
+          <p:cNvPr id="4" name="Fußzeilenplatzhalter 3"/>
+          <p:cNvSpPr>
+            <a:spLocks noGrp="1"/>
+          </p:cNvSpPr>
+          <p:nvPr>
+            <p:ph type="ftr" sz="quarter" idx="2"/>
+          </p:nvPr>
+        </p:nvSpPr>
+        <p:spPr>
+          <a:xfrm>
+            <a:off x="0" y="8685213"/>
+            <a:ext cx="2971800" cy="458787"/>
+          </a:xfrm>
+          <a:prstGeom prst="rect">
+            <a:avLst/>
+          </a:prstGeom>
+        </p:spPr>
+        <p:txBody>
+          <a:bodyPr vert="horz" lIns="91440" tIns="45720" rIns="91440" bIns="45720" rtlCol="0" anchor="b"/>
+          <a:lstStyle>
+            <a:lvl1pPr algn="l">
+              <a:defRPr sz="1200"/>
+            </a:lvl1pPr>
+          </a:lstStyle>
+          <a:p>
+            <a:endParaRPr lang="de-DE"/>
+          </a:p>
+        </p:txBody>
+      </p:sp>
+      <p:sp>
+        <p:nvSpPr>
+          <p:cNvPr id="5" name="Foliennummernplatzhalter 4"/>
+          <p:cNvSpPr>
+            <a:spLocks noGrp="1"/>
+          </p:cNvSpPr>
+          <p:nvPr>
+            <p:ph type="sldNum" sz="quarter" idx="3"/>
+          </p:nvPr>
+        </p:nvSpPr>
+        <p:spPr>
+          <a:xfrm>
+            <a:off x="3884613" y="8685213"/>
+            <a:ext cx="2971800" cy="458787"/>
+          </a:xfrm>
+          <a:prstGeom prst="rect">
+            <a:avLst/>
+          </a:prstGeom>
+        </p:spPr>
+        <p:txBody>
+          <a:bodyPr vert="horz" lIns="91440" tIns="45720" rIns="91440" bIns="45720" rtlCol="0" anchor="b"/>
+          <a:lstStyle>
+            <a:lvl1pPr algn="r">
+              <a:defRPr sz="1200"/>
+            </a:lvl1pPr>
+          </a:lstStyle>
+          <a:p>
+            <a:fld id="{51D8A849-8FE3-B148-B511-E78AC0838B2C}" type="slidenum">
+              <a:rPr lang="de-DE" smtClean="0"/>
+              <a:t>‹Nr.›</a:t>
+            </a:fld>
+            <a:endParaRPr lang="de-DE"/>
+          </a:p>
+        </p:txBody>
+      </p:sp>
+    </p:spTree>
+    <p:extLst>
+      <p:ext uri="{BB962C8B-B14F-4D97-AF65-F5344CB8AC3E}">
+        <p14:creationId xmlns:p14="http://schemas.microsoft.com/office/powerpoint/2010/main" val="1345621306"/>
+      </p:ext>
+    </p:extLst>
+  </p:cSld>
+  <p:clrMap bg1="lt1" tx1="dk1" bg2="lt2" tx2="dk2" accent1="accent1" accent2="accent2" accent3="accent3" accent4="accent4" accent5="accent5" accent6="accent6" hlink="hlink" folHlink="folHlink"/>
+</p:handoutMaster>
+</file>
+
 <file path=ppt/notesMasters/notesMaster1.xml><?xml version="1.0" encoding="utf-8"?>
 <p:notesMaster xmlns:a="http://schemas.openxmlformats.org/drawingml/2006/main" xmlns:r="http://schemas.openxmlformats.org/officeDocument/2006/relationships" xmlns:p="http://schemas.openxmlformats.org/presentationml/2006/main">
   <p:cSld>
@@ -267,7 +436,7 @@
             <a:fld id="{BB93A34B-99EF-4508-AC98-725F0CC829C5}" type="datetimeFigureOut">
               <a:rPr lang="de-DE"/>
               <a:pPr/>
-              <a:t>12.07.16</a:t>
+              <a:t>19.07.16</a:t>
             </a:fld>
             <a:endParaRPr lang="de-DE"/>
           </a:p>
@@ -581,6 +750,91 @@
 </p:notesMaster>
 </file>
 
+<file path=ppt/notesSlides/notesSlide1.xml><?xml version="1.0" encoding="utf-8"?>
+<p:notes xmlns:a="http://schemas.openxmlformats.org/drawingml/2006/main" xmlns:r="http://schemas.openxmlformats.org/officeDocument/2006/relationships" xmlns:p="http://schemas.openxmlformats.org/presentationml/2006/main">
+  <p:cSld>
+    <p:spTree>
+      <p:nvGrpSpPr>
+        <p:cNvPr id="1" name=""/>
+        <p:cNvGrpSpPr/>
+        <p:nvPr/>
+      </p:nvGrpSpPr>
+      <p:grpSpPr>
+        <a:xfrm>
+          <a:off x="0" y="0"/>
+          <a:ext cx="0" cy="0"/>
+          <a:chOff x="0" y="0"/>
+          <a:chExt cx="0" cy="0"/>
+        </a:xfrm>
+      </p:grpSpPr>
+      <p:sp>
+        <p:nvSpPr>
+          <p:cNvPr id="2" name="Folienbildplatzhalter 1"/>
+          <p:cNvSpPr>
+            <a:spLocks noGrp="1" noRot="1" noChangeAspect="1"/>
+          </p:cNvSpPr>
+          <p:nvPr>
+            <p:ph type="sldImg"/>
+          </p:nvPr>
+        </p:nvSpPr>
+        <p:spPr/>
+      </p:sp>
+      <p:sp>
+        <p:nvSpPr>
+          <p:cNvPr id="3" name="Notizenplatzhalter 2"/>
+          <p:cNvSpPr>
+            <a:spLocks noGrp="1"/>
+          </p:cNvSpPr>
+          <p:nvPr>
+            <p:ph type="body" idx="1"/>
+          </p:nvPr>
+        </p:nvSpPr>
+        <p:spPr/>
+        <p:txBody>
+          <a:bodyPr/>
+          <a:lstStyle/>
+          <a:p>
+            <a:endParaRPr lang="de-DE"/>
+          </a:p>
+        </p:txBody>
+      </p:sp>
+      <p:sp>
+        <p:nvSpPr>
+          <p:cNvPr id="4" name="Foliennummernplatzhalter 3"/>
+          <p:cNvSpPr>
+            <a:spLocks noGrp="1"/>
+          </p:cNvSpPr>
+          <p:nvPr>
+            <p:ph type="sldNum" sz="quarter" idx="10"/>
+          </p:nvPr>
+        </p:nvSpPr>
+        <p:spPr/>
+        <p:txBody>
+          <a:bodyPr/>
+          <a:lstStyle/>
+          <a:p>
+            <a:fld id="{328D1D4A-2710-4318-9B97-C9C00052F9D2}" type="slidenum">
+              <a:rPr lang="de-DE" smtClean="0"/>
+              <a:pPr/>
+              <a:t>2</a:t>
+            </a:fld>
+            <a:endParaRPr lang="de-DE"/>
+          </a:p>
+        </p:txBody>
+      </p:sp>
+    </p:spTree>
+    <p:extLst>
+      <p:ext uri="{BB962C8B-B14F-4D97-AF65-F5344CB8AC3E}">
+        <p14:creationId xmlns:p14="http://schemas.microsoft.com/office/powerpoint/2010/main" val="155733896"/>
+      </p:ext>
+    </p:extLst>
+  </p:cSld>
+  <p:clrMapOvr>
+    <a:masterClrMapping/>
+  </p:clrMapOvr>
+</p:notes>
+</file>
+
 <file path=ppt/slideLayouts/slideLayout1.xml><?xml version="1.0" encoding="utf-8"?>
 <p:sldLayout xmlns:a="http://schemas.openxmlformats.org/drawingml/2006/main" xmlns:r="http://schemas.openxmlformats.org/officeDocument/2006/relationships" xmlns:p="http://schemas.openxmlformats.org/presentationml/2006/main" preserve="1" userDrawn="1">
   <p:cSld name="Leer">
@@ -840,6 +1094,7 @@
       </p:par>
     </p:tnLst>
   </p:timing>
+  <p:hf sldNum="0" hdr="0" dt="0"/>
   <p:txStyles>
     <p:titleStyle>
       <a:lvl1pPr algn="ctr" defTabSz="1006475" rtl="0" eaLnBrk="0" fontAlgn="base" hangingPunct="0">
@@ -1745,6 +2000,7 @@
       </p:par>
     </p:tnLst>
   </p:timing>
+  <p:hf sldNum="0" hdr="0" dt="0"/>
   <p:txStyles>
     <p:titleStyle>
       <a:lvl1pPr algn="ctr" defTabSz="1006475" rtl="0" eaLnBrk="0" fontAlgn="base" hangingPunct="0">
@@ -2680,831 +2936,6 @@
               <a:lstStyle/>
               <a:p>
                 <a:r>
-                  <a:rPr lang="en-US" b="1" dirty="0" smtClean="0"/>
-                  <a:t>Input: </a:t>
-                </a:r>
-                <a14:m>
-                  <m:oMath xmlns:m="http://schemas.openxmlformats.org/officeDocument/2006/math">
-                    <m:r>
-                      <a:rPr lang="en-US" b="0" i="1" smtClean="0">
-                        <a:latin typeface="Cambria Math" charset="0"/>
-                      </a:rPr>
-                      <m:t>𝑛</m:t>
-                    </m:r>
-                  </m:oMath>
-                </a14:m>
-                <a:r>
-                  <a:rPr lang="en-US" dirty="0" smtClean="0"/>
-                  <a:t>-bit message </a:t>
-                </a:r>
-                <a14:m>
-                  <m:oMath xmlns:m="http://schemas.openxmlformats.org/officeDocument/2006/math">
-                    <m:r>
-                      <a:rPr lang="en-US" b="1" i="1" smtClean="0">
-                        <a:latin typeface="Cambria Math" charset="0"/>
-                      </a:rPr>
-                      <m:t>𝒎</m:t>
-                    </m:r>
-                  </m:oMath>
-                </a14:m>
-                <a:r>
-                  <a:rPr lang="en-US" dirty="0" smtClean="0"/>
-                  <a:t>, public key </a:t>
-                </a:r>
-                <a14:m>
-                  <m:oMath xmlns:m="http://schemas.openxmlformats.org/officeDocument/2006/math">
-                    <m:r>
-                      <a:rPr lang="en-US" b="1" i="1">
-                        <a:latin typeface="Cambria Math" charset="0"/>
-                      </a:rPr>
-                      <m:t>𝒑</m:t>
-                    </m:r>
-                  </m:oMath>
-                </a14:m>
-                <a:endParaRPr lang="en-US" b="1" dirty="0" smtClean="0"/>
-              </a:p>
-              <a:p>
-                <a:r>
-                  <a:rPr lang="en-US" dirty="0" smtClean="0"/>
-                  <a:t>Encode </a:t>
-                </a:r>
-                <a14:m>
-                  <m:oMath xmlns:m="http://schemas.openxmlformats.org/officeDocument/2006/math">
-                    <m:r>
-                      <a:rPr lang="en-US" b="1" i="1">
-                        <a:latin typeface="Cambria Math" charset="0"/>
-                      </a:rPr>
-                      <m:t>𝒎</m:t>
-                    </m:r>
-                  </m:oMath>
-                </a14:m>
-                <a:r>
-                  <a:rPr lang="en-US" dirty="0" smtClean="0"/>
-                  <a:t> as an element of </a:t>
-                </a:r>
-                <a14:m>
-                  <m:oMath xmlns:m="http://schemas.openxmlformats.org/officeDocument/2006/math">
-                    <m:sSub>
-                      <m:sSubPr>
-                        <m:ctrlPr>
-                          <a:rPr lang="en-US" i="1">
-                            <a:latin typeface="Cambria Math" charset="0"/>
-                            <a:ea typeface="Cambria Math" charset="0"/>
-                            <a:cs typeface="Cambria Math" charset="0"/>
-                          </a:rPr>
-                        </m:ctrlPr>
-                      </m:sSubPr>
-                      <m:e>
-                        <m:r>
-                          <a:rPr lang="en-US" i="1">
-                            <a:latin typeface="Cambria Math" charset="0"/>
-                            <a:ea typeface="Cambria Math" charset="0"/>
-                            <a:cs typeface="Cambria Math" charset="0"/>
-                          </a:rPr>
-                          <m:t>𝑅</m:t>
-                        </m:r>
-                      </m:e>
-                      <m:sub>
-                        <m:r>
-                          <a:rPr lang="en-US" i="1">
-                            <a:latin typeface="Cambria Math" charset="0"/>
-                            <a:ea typeface="Cambria Math" charset="0"/>
-                            <a:cs typeface="Cambria Math" charset="0"/>
-                          </a:rPr>
-                          <m:t>𝑞</m:t>
-                        </m:r>
-                      </m:sub>
-                    </m:sSub>
-                  </m:oMath>
-                </a14:m>
-                <a:r>
-                  <a:rPr lang="en-US" dirty="0" smtClean="0"/>
-                  <a:t> by multiplying each bit with </a:t>
-                </a:r>
-                <a14:m>
-                  <m:oMath xmlns:m="http://schemas.openxmlformats.org/officeDocument/2006/math">
-                    <m:f>
-                      <m:fPr>
-                        <m:ctrlPr>
-                          <a:rPr lang="en-US" i="1" smtClean="0">
-                            <a:latin typeface="Cambria Math" charset="0"/>
-                          </a:rPr>
-                        </m:ctrlPr>
-                      </m:fPr>
-                      <m:num>
-                        <m:r>
-                          <a:rPr lang="en-US" b="0" i="1" smtClean="0">
-                            <a:latin typeface="Cambria Math" charset="0"/>
-                          </a:rPr>
-                          <m:t>𝑞</m:t>
-                        </m:r>
-                      </m:num>
-                      <m:den>
-                        <m:r>
-                          <a:rPr lang="en-US" b="0" i="1" smtClean="0">
-                            <a:latin typeface="Cambria Math" charset="0"/>
-                          </a:rPr>
-                          <m:t>2</m:t>
-                        </m:r>
-                      </m:den>
-                    </m:f>
-                  </m:oMath>
-                </a14:m>
-                <a:endParaRPr lang="en-US" dirty="0" smtClean="0"/>
-              </a:p>
-              <a:p>
-                <a:pPr lvl="1"/>
-                <a:r>
-                  <a:rPr lang="en-US" dirty="0" smtClean="0"/>
-                  <a:t>Encoded message is denoted as </a:t>
-                </a:r>
-                <a14:m>
-                  <m:oMath xmlns:m="http://schemas.openxmlformats.org/officeDocument/2006/math">
-                    <m:sSub>
-                      <m:sSubPr>
-                        <m:ctrlPr>
-                          <a:rPr lang="en-US" i="1" smtClean="0">
-                            <a:latin typeface="Cambria Math" charset="0"/>
-                          </a:rPr>
-                        </m:ctrlPr>
-                      </m:sSubPr>
-                      <m:e>
-                        <m:r>
-                          <a:rPr lang="en-US" b="1" i="1">
-                            <a:latin typeface="Cambria Math" charset="0"/>
-                          </a:rPr>
-                          <m:t>𝒎</m:t>
-                        </m:r>
-                      </m:e>
-                      <m:sub>
-                        <m:r>
-                          <a:rPr lang="en-US" b="0" i="1" smtClean="0">
-                            <a:latin typeface="Cambria Math" charset="0"/>
-                          </a:rPr>
-                          <m:t>𝑒𝑛𝑐</m:t>
-                        </m:r>
-                      </m:sub>
-                    </m:sSub>
-                  </m:oMath>
-                </a14:m>
-                <a:endParaRPr lang="en-US" dirty="0" smtClean="0"/>
-              </a:p>
-              <a:p>
-                <a:r>
-                  <a:rPr lang="en-US" dirty="0" smtClean="0"/>
-                  <a:t>Sample error polynomials </a:t>
-                </a:r>
-                <a14:m>
-                  <m:oMath xmlns:m="http://schemas.openxmlformats.org/officeDocument/2006/math">
-                    <m:sSub>
-                      <m:sSubPr>
-                        <m:ctrlPr>
-                          <a:rPr lang="en-US" i="1">
-                            <a:latin typeface="Cambria Math" charset="0"/>
-                          </a:rPr>
-                        </m:ctrlPr>
-                      </m:sSubPr>
-                      <m:e>
-                        <m:r>
-                          <a:rPr lang="en-US" b="1" i="1">
-                            <a:latin typeface="Cambria Math" charset="0"/>
-                          </a:rPr>
-                          <m:t>𝒆</m:t>
-                        </m:r>
-                      </m:e>
-                      <m:sub>
-                        <m:r>
-                          <a:rPr lang="en-US" b="0" i="1" smtClean="0">
-                            <a:latin typeface="Cambria Math" charset="0"/>
-                          </a:rPr>
-                          <m:t>1</m:t>
-                        </m:r>
-                      </m:sub>
-                    </m:sSub>
-                    <m:r>
-                      <a:rPr lang="en-US" b="0" i="1" smtClean="0">
-                        <a:latin typeface="Cambria Math" charset="0"/>
-                      </a:rPr>
-                      <m:t>,</m:t>
-                    </m:r>
-                    <m:sSub>
-                      <m:sSubPr>
-                        <m:ctrlPr>
-                          <a:rPr lang="en-US" i="1">
-                            <a:latin typeface="Cambria Math" charset="0"/>
-                          </a:rPr>
-                        </m:ctrlPr>
-                      </m:sSubPr>
-                      <m:e>
-                        <m:r>
-                          <a:rPr lang="en-US" b="1" i="1">
-                            <a:latin typeface="Cambria Math" charset="0"/>
-                          </a:rPr>
-                          <m:t>𝒆</m:t>
-                        </m:r>
-                      </m:e>
-                      <m:sub>
-                        <m:r>
-                          <a:rPr lang="en-US" b="0" i="1" smtClean="0">
-                            <a:latin typeface="Cambria Math" charset="0"/>
-                          </a:rPr>
-                          <m:t>2</m:t>
-                        </m:r>
-                      </m:sub>
-                    </m:sSub>
-                    <m:r>
-                      <a:rPr lang="en-US" b="0" i="1" smtClean="0">
-                        <a:latin typeface="Cambria Math" charset="0"/>
-                      </a:rPr>
-                      <m:t>,</m:t>
-                    </m:r>
-                    <m:sSub>
-                      <m:sSubPr>
-                        <m:ctrlPr>
-                          <a:rPr lang="en-US" i="1">
-                            <a:latin typeface="Cambria Math" charset="0"/>
-                          </a:rPr>
-                        </m:ctrlPr>
-                      </m:sSubPr>
-                      <m:e>
-                        <m:r>
-                          <a:rPr lang="en-US" b="1" i="1">
-                            <a:latin typeface="Cambria Math" charset="0"/>
-                          </a:rPr>
-                          <m:t>𝒆</m:t>
-                        </m:r>
-                      </m:e>
-                      <m:sub>
-                        <m:r>
-                          <a:rPr lang="en-US" b="0" i="1" smtClean="0">
-                            <a:latin typeface="Cambria Math" charset="0"/>
-                          </a:rPr>
-                          <m:t>3</m:t>
-                        </m:r>
-                      </m:sub>
-                    </m:sSub>
-                  </m:oMath>
-                </a14:m>
-                <a:r>
-                  <a:rPr lang="en-US" dirty="0" smtClean="0"/>
-                  <a:t> according to </a:t>
-                </a:r>
-                <a14:m>
-                  <m:oMath xmlns:m="http://schemas.openxmlformats.org/officeDocument/2006/math">
-                    <m:sSubSup>
-                      <m:sSubSupPr>
-                        <m:ctrlPr>
-                          <a:rPr lang="en-US" i="1">
-                            <a:latin typeface="Cambria Math" charset="0"/>
-                            <a:ea typeface="Cambria Math" charset="0"/>
-                            <a:cs typeface="Cambria Math" charset="0"/>
-                          </a:rPr>
-                        </m:ctrlPr>
-                      </m:sSubSupPr>
-                      <m:e>
-                        <m:r>
-                          <a:rPr lang="en-US" i="1">
-                            <a:latin typeface="Cambria Math" charset="0"/>
-                            <a:ea typeface="Cambria Math" charset="0"/>
-                            <a:cs typeface="Cambria Math" charset="0"/>
-                          </a:rPr>
-                          <m:t>𝒩</m:t>
-                        </m:r>
-                      </m:e>
-                      <m:sub>
-                        <m:r>
-                          <a:rPr lang="en-US" i="1">
-                            <a:latin typeface="Cambria Math" charset="0"/>
-                            <a:ea typeface="Cambria Math" charset="0"/>
-                            <a:cs typeface="Cambria Math" charset="0"/>
-                          </a:rPr>
-                          <m:t>ℤ</m:t>
-                        </m:r>
-                      </m:sub>
-                      <m:sup>
-                        <m:r>
-                          <a:rPr lang="en-US" i="1">
-                            <a:latin typeface="Cambria Math" charset="0"/>
-                            <a:ea typeface="Cambria Math" charset="0"/>
-                            <a:cs typeface="Cambria Math" charset="0"/>
-                          </a:rPr>
-                          <m:t>𝑛</m:t>
-                        </m:r>
-                      </m:sup>
-                    </m:sSubSup>
-                    <m:d>
-                      <m:dPr>
-                        <m:ctrlPr>
-                          <a:rPr lang="en-US" i="1">
-                            <a:latin typeface="Cambria Math" charset="0"/>
-                            <a:ea typeface="Cambria Math" charset="0"/>
-                            <a:cs typeface="Cambria Math" charset="0"/>
-                          </a:rPr>
-                        </m:ctrlPr>
-                      </m:dPr>
-                      <m:e>
-                        <m:r>
-                          <a:rPr lang="en-US" i="1">
-                            <a:latin typeface="Cambria Math" charset="0"/>
-                            <a:ea typeface="Cambria Math" charset="0"/>
-                            <a:cs typeface="Cambria Math" charset="0"/>
-                          </a:rPr>
-                          <m:t>0,</m:t>
-                        </m:r>
-                        <m:sSup>
-                          <m:sSupPr>
-                            <m:ctrlPr>
-                              <a:rPr lang="en-US" i="1">
-                                <a:latin typeface="Cambria Math" charset="0"/>
-                                <a:ea typeface="Cambria Math" charset="0"/>
-                                <a:cs typeface="Cambria Math" charset="0"/>
-                              </a:rPr>
-                            </m:ctrlPr>
-                          </m:sSupPr>
-                          <m:e>
-                            <m:r>
-                              <a:rPr lang="en-US" i="1">
-                                <a:latin typeface="Cambria Math" charset="0"/>
-                                <a:ea typeface="Cambria Math" charset="0"/>
-                                <a:cs typeface="Cambria Math" charset="0"/>
-                              </a:rPr>
-                              <m:t>𝜎</m:t>
-                            </m:r>
-                          </m:e>
-                          <m:sup>
-                            <m:r>
-                              <a:rPr lang="en-US" i="1">
-                                <a:latin typeface="Cambria Math" charset="0"/>
-                                <a:ea typeface="Cambria Math" charset="0"/>
-                                <a:cs typeface="Cambria Math" charset="0"/>
-                              </a:rPr>
-                              <m:t>2</m:t>
-                            </m:r>
-                          </m:sup>
-                        </m:sSup>
-                      </m:e>
-                    </m:d>
-                  </m:oMath>
-                </a14:m>
-                <a:endParaRPr lang="en-US" dirty="0" smtClean="0"/>
-              </a:p>
-              <a:p>
-                <a:pPr lvl="1"/>
-                <a:r>
-                  <a:rPr lang="en-US" dirty="0" smtClean="0"/>
-                  <a:t>Will be used as noise</a:t>
-                </a:r>
-              </a:p>
-              <a:p>
-                <a:r>
-                  <a:rPr lang="en-US" dirty="0" smtClean="0"/>
-                  <a:t>Compute </a:t>
-                </a:r>
-                <a14:m>
-                  <m:oMath xmlns:m="http://schemas.openxmlformats.org/officeDocument/2006/math">
-                    <m:sSub>
-                      <m:sSubPr>
-                        <m:ctrlPr>
-                          <a:rPr lang="en-US" i="1" smtClean="0">
-                            <a:latin typeface="Cambria Math" charset="0"/>
-                          </a:rPr>
-                        </m:ctrlPr>
-                      </m:sSubPr>
-                      <m:e>
-                        <m:r>
-                          <a:rPr lang="en-US" b="1" i="1" smtClean="0">
-                            <a:latin typeface="Cambria Math" charset="0"/>
-                          </a:rPr>
-                          <m:t>𝒄</m:t>
-                        </m:r>
-                      </m:e>
-                      <m:sub>
-                        <m:r>
-                          <a:rPr lang="en-US" b="0" i="1" smtClean="0">
-                            <a:latin typeface="Cambria Math" charset="0"/>
-                          </a:rPr>
-                          <m:t>1</m:t>
-                        </m:r>
-                      </m:sub>
-                    </m:sSub>
-                    <m:r>
-                      <a:rPr lang="en-US" b="0" i="1" smtClean="0">
-                        <a:latin typeface="Cambria Math" charset="0"/>
-                      </a:rPr>
-                      <m:t>=</m:t>
-                    </m:r>
-                    <m:r>
-                      <a:rPr lang="en-US" b="1" i="1" smtClean="0">
-                        <a:latin typeface="Cambria Math" charset="0"/>
-                      </a:rPr>
-                      <m:t>𝒈</m:t>
-                    </m:r>
-                    <m:sSub>
-                      <m:sSubPr>
-                        <m:ctrlPr>
-                          <a:rPr lang="en-US" b="0" i="1" smtClean="0">
-                            <a:latin typeface="Cambria Math" charset="0"/>
-                          </a:rPr>
-                        </m:ctrlPr>
-                      </m:sSubPr>
-                      <m:e>
-                        <m:r>
-                          <a:rPr lang="en-US" b="1" i="1" smtClean="0">
-                            <a:latin typeface="Cambria Math" charset="0"/>
-                          </a:rPr>
-                          <m:t>𝒆</m:t>
-                        </m:r>
-                      </m:e>
-                      <m:sub>
-                        <m:r>
-                          <a:rPr lang="en-US" b="0" i="1" smtClean="0">
-                            <a:latin typeface="Cambria Math" charset="0"/>
-                          </a:rPr>
-                          <m:t>1</m:t>
-                        </m:r>
-                      </m:sub>
-                    </m:sSub>
-                    <m:r>
-                      <a:rPr lang="en-US" b="0" i="1" smtClean="0">
-                        <a:latin typeface="Cambria Math" charset="0"/>
-                      </a:rPr>
-                      <m:t>+</m:t>
-                    </m:r>
-                    <m:sSub>
-                      <m:sSubPr>
-                        <m:ctrlPr>
-                          <a:rPr lang="en-US" b="0" i="1" smtClean="0">
-                            <a:latin typeface="Cambria Math" charset="0"/>
-                          </a:rPr>
-                        </m:ctrlPr>
-                      </m:sSubPr>
-                      <m:e>
-                        <m:r>
-                          <a:rPr lang="en-US" b="1" i="1" smtClean="0">
-                            <a:latin typeface="Cambria Math" charset="0"/>
-                          </a:rPr>
-                          <m:t>𝒆</m:t>
-                        </m:r>
-                      </m:e>
-                      <m:sub>
-                        <m:r>
-                          <a:rPr lang="en-US" b="0" i="1" smtClean="0">
-                            <a:latin typeface="Cambria Math" charset="0"/>
-                          </a:rPr>
-                          <m:t>2</m:t>
-                        </m:r>
-                      </m:sub>
-                    </m:sSub>
-                  </m:oMath>
-                </a14:m>
-                <a:r>
-                  <a:rPr lang="en-US" dirty="0" smtClean="0"/>
-                  <a:t> and </a:t>
-                </a:r>
-                <a14:m>
-                  <m:oMath xmlns:m="http://schemas.openxmlformats.org/officeDocument/2006/math">
-                    <m:sSub>
-                      <m:sSubPr>
-                        <m:ctrlPr>
-                          <a:rPr lang="en-US" i="1" smtClean="0">
-                            <a:latin typeface="Cambria Math" charset="0"/>
-                          </a:rPr>
-                        </m:ctrlPr>
-                      </m:sSubPr>
-                      <m:e>
-                        <m:r>
-                          <a:rPr lang="en-US" b="1" i="1" smtClean="0">
-                            <a:latin typeface="Cambria Math" charset="0"/>
-                          </a:rPr>
-                          <m:t>𝒄</m:t>
-                        </m:r>
-                      </m:e>
-                      <m:sub>
-                        <m:r>
-                          <a:rPr lang="en-US" b="0" i="1" smtClean="0">
-                            <a:latin typeface="Cambria Math" charset="0"/>
-                          </a:rPr>
-                          <m:t>2</m:t>
-                        </m:r>
-                      </m:sub>
-                    </m:sSub>
-                    <m:r>
-                      <a:rPr lang="en-US" b="0" i="1" smtClean="0">
-                        <a:latin typeface="Cambria Math" charset="0"/>
-                      </a:rPr>
-                      <m:t>=</m:t>
-                    </m:r>
-                    <m:r>
-                      <a:rPr lang="en-US" b="1" i="1" smtClean="0">
-                        <a:latin typeface="Cambria Math" charset="0"/>
-                      </a:rPr>
-                      <m:t>𝒑</m:t>
-                    </m:r>
-                    <m:sSub>
-                      <m:sSubPr>
-                        <m:ctrlPr>
-                          <a:rPr lang="en-US" b="0" i="1" smtClean="0">
-                            <a:latin typeface="Cambria Math" charset="0"/>
-                          </a:rPr>
-                        </m:ctrlPr>
-                      </m:sSubPr>
-                      <m:e>
-                        <m:r>
-                          <a:rPr lang="en-US" b="1" i="1" smtClean="0">
-                            <a:latin typeface="Cambria Math" charset="0"/>
-                          </a:rPr>
-                          <m:t>𝒆</m:t>
-                        </m:r>
-                      </m:e>
-                      <m:sub>
-                        <m:r>
-                          <a:rPr lang="en-US" b="0" i="1" smtClean="0">
-                            <a:latin typeface="Cambria Math" charset="0"/>
-                          </a:rPr>
-                          <m:t>1</m:t>
-                        </m:r>
-                      </m:sub>
-                    </m:sSub>
-                    <m:r>
-                      <a:rPr lang="en-US" b="0" i="1" smtClean="0">
-                        <a:latin typeface="Cambria Math" charset="0"/>
-                      </a:rPr>
-                      <m:t>+</m:t>
-                    </m:r>
-                    <m:sSub>
-                      <m:sSubPr>
-                        <m:ctrlPr>
-                          <a:rPr lang="en-US" b="0" i="1" smtClean="0">
-                            <a:latin typeface="Cambria Math" charset="0"/>
-                          </a:rPr>
-                        </m:ctrlPr>
-                      </m:sSubPr>
-                      <m:e>
-                        <m:r>
-                          <a:rPr lang="en-US" b="1" i="1" smtClean="0">
-                            <a:latin typeface="Cambria Math" charset="0"/>
-                          </a:rPr>
-                          <m:t>𝒆</m:t>
-                        </m:r>
-                      </m:e>
-                      <m:sub>
-                        <m:r>
-                          <a:rPr lang="en-US" b="0" i="1" smtClean="0">
-                            <a:latin typeface="Cambria Math" charset="0"/>
-                          </a:rPr>
-                          <m:t>3</m:t>
-                        </m:r>
-                      </m:sub>
-                    </m:sSub>
-                    <m:r>
-                      <a:rPr lang="en-US" b="0" i="1" smtClean="0">
-                        <a:latin typeface="Cambria Math" charset="0"/>
-                      </a:rPr>
-                      <m:t>+</m:t>
-                    </m:r>
-                    <m:sSub>
-                      <m:sSubPr>
-                        <m:ctrlPr>
-                          <a:rPr lang="en-US" i="1">
-                            <a:latin typeface="Cambria Math" charset="0"/>
-                          </a:rPr>
-                        </m:ctrlPr>
-                      </m:sSubPr>
-                      <m:e>
-                        <m:r>
-                          <a:rPr lang="en-US" b="1" i="1">
-                            <a:latin typeface="Cambria Math" charset="0"/>
-                          </a:rPr>
-                          <m:t>𝒎</m:t>
-                        </m:r>
-                      </m:e>
-                      <m:sub>
-                        <m:r>
-                          <a:rPr lang="en-US" i="1">
-                            <a:latin typeface="Cambria Math" charset="0"/>
-                          </a:rPr>
-                          <m:t>𝑒𝑛𝑐</m:t>
-                        </m:r>
-                      </m:sub>
-                    </m:sSub>
-                  </m:oMath>
-                </a14:m>
-                <a:endParaRPr lang="en-US" dirty="0" smtClean="0"/>
-              </a:p>
-              <a:p>
-                <a:r>
-                  <a:rPr lang="en-US" b="1" dirty="0" smtClean="0"/>
-                  <a:t>Output:</a:t>
-                </a:r>
-                <a:r>
-                  <a:rPr lang="en-US" dirty="0" smtClean="0"/>
-                  <a:t> </a:t>
-                </a:r>
-                <a:r>
-                  <a:rPr lang="en-US" dirty="0" err="1" smtClean="0"/>
-                  <a:t>Ciphertext</a:t>
-                </a:r>
-                <a:r>
-                  <a:rPr lang="en-US" dirty="0" smtClean="0"/>
-                  <a:t> </a:t>
-                </a:r>
-                <a14:m>
-                  <m:oMath xmlns:m="http://schemas.openxmlformats.org/officeDocument/2006/math">
-                    <m:d>
-                      <m:dPr>
-                        <m:ctrlPr>
-                          <a:rPr lang="en-US" i="1" smtClean="0">
-                            <a:latin typeface="Cambria Math" charset="0"/>
-                          </a:rPr>
-                        </m:ctrlPr>
-                      </m:dPr>
-                      <m:e>
-                        <m:sSub>
-                          <m:sSubPr>
-                            <m:ctrlPr>
-                              <a:rPr lang="en-US" i="1">
-                                <a:latin typeface="Cambria Math" charset="0"/>
-                              </a:rPr>
-                            </m:ctrlPr>
-                          </m:sSubPr>
-                          <m:e>
-                            <m:r>
-                              <a:rPr lang="en-US" b="1" i="1">
-                                <a:latin typeface="Cambria Math" charset="0"/>
-                              </a:rPr>
-                              <m:t>𝒄</m:t>
-                            </m:r>
-                          </m:e>
-                          <m:sub>
-                            <m:r>
-                              <a:rPr lang="en-US" i="1">
-                                <a:latin typeface="Cambria Math" charset="0"/>
-                              </a:rPr>
-                              <m:t>1</m:t>
-                            </m:r>
-                          </m:sub>
-                        </m:sSub>
-                        <m:r>
-                          <a:rPr lang="en-US" b="0" i="1" smtClean="0">
-                            <a:latin typeface="Cambria Math" charset="0"/>
-                          </a:rPr>
-                          <m:t>,</m:t>
-                        </m:r>
-                        <m:sSub>
-                          <m:sSubPr>
-                            <m:ctrlPr>
-                              <a:rPr lang="en-US" i="1">
-                                <a:latin typeface="Cambria Math" charset="0"/>
-                              </a:rPr>
-                            </m:ctrlPr>
-                          </m:sSubPr>
-                          <m:e>
-                            <m:r>
-                              <a:rPr lang="en-US" b="1" i="1">
-                                <a:latin typeface="Cambria Math" charset="0"/>
-                              </a:rPr>
-                              <m:t>𝒄</m:t>
-                            </m:r>
-                          </m:e>
-                          <m:sub>
-                            <m:r>
-                              <a:rPr lang="en-US" i="1">
-                                <a:latin typeface="Cambria Math" charset="0"/>
-                              </a:rPr>
-                              <m:t>2</m:t>
-                            </m:r>
-                          </m:sub>
-                        </m:sSub>
-                      </m:e>
-                    </m:d>
-                  </m:oMath>
-                </a14:m>
-                <a:endParaRPr lang="en-US" b="1" dirty="0"/>
-              </a:p>
-            </p:txBody>
-          </p:sp>
-        </mc:Choice>
-        <mc:Fallback xmlns="">
-          <p:sp>
-            <p:nvSpPr>
-              <p:cNvPr id="2" name="Textplatzhalter 1"/>
-              <p:cNvSpPr>
-                <a:spLocks noGrp="1" noRot="1" noChangeAspect="1" noMove="1" noResize="1" noEditPoints="1" noAdjustHandles="1" noChangeArrowheads="1" noChangeShapeType="1" noTextEdit="1"/>
-              </p:cNvSpPr>
-              <p:nvPr>
-                <p:ph type="body" sz="quarter" idx="10"/>
-              </p:nvPr>
-            </p:nvSpPr>
-            <p:spPr>
-              <a:blipFill rotWithShape="0">
-                <a:blip r:embed="rId2"/>
-                <a:stretch>
-                  <a:fillRect l="-944" t="-779"/>
-                </a:stretch>
-              </a:blipFill>
-            </p:spPr>
-            <p:txBody>
-              <a:bodyPr/>
-              <a:lstStyle/>
-              <a:p>
-                <a:r>
-                  <a:rPr lang="de-DE">
-                    <a:noFill/>
-                  </a:rPr>
-                  <a:t> </a:t>
-                </a:r>
-              </a:p>
-            </p:txBody>
-          </p:sp>
-        </mc:Fallback>
-      </mc:AlternateContent>
-      <p:sp>
-        <p:nvSpPr>
-          <p:cNvPr id="3" name="Titel 2"/>
-          <p:cNvSpPr>
-            <a:spLocks noGrp="1"/>
-          </p:cNvSpPr>
-          <p:nvPr>
-            <p:ph type="title"/>
-          </p:nvPr>
-        </p:nvSpPr>
-        <p:spPr/>
-        <p:txBody>
-          <a:bodyPr/>
-          <a:lstStyle/>
-          <a:p>
-            <a:r>
-              <a:rPr lang="de-DE" dirty="0"/>
-              <a:t>Ring-LWE Encryption </a:t>
-            </a:r>
-            <a:r>
-              <a:rPr lang="de-DE" dirty="0" err="1"/>
-              <a:t>Scheme</a:t>
-            </a:r>
-            <a:r>
-              <a:rPr lang="de-DE" dirty="0"/>
-              <a:t/>
-            </a:r>
-            <a:br>
-              <a:rPr lang="de-DE" dirty="0"/>
-            </a:br>
-            <a:r>
-              <a:rPr lang="de-DE" sz="2800" b="0" dirty="0" smtClean="0"/>
-              <a:t>Encryption</a:t>
-            </a:r>
-            <a:endParaRPr lang="de-DE" dirty="0"/>
-          </a:p>
-        </p:txBody>
-      </p:sp>
-    </p:spTree>
-    <p:extLst>
-      <p:ext uri="{BB962C8B-B14F-4D97-AF65-F5344CB8AC3E}">
-        <p14:creationId xmlns:p14="http://schemas.microsoft.com/office/powerpoint/2010/main" val="1107379474"/>
-      </p:ext>
-    </p:extLst>
-  </p:cSld>
-  <p:clrMapOvr>
-    <a:masterClrMapping/>
-  </p:clrMapOvr>
-  <p:transition/>
-</p:sld>
-</file>
-
-<file path=ppt/slides/slide11.xml><?xml version="1.0" encoding="utf-8"?>
-<p:sld xmlns:a="http://schemas.openxmlformats.org/drawingml/2006/main" xmlns:r="http://schemas.openxmlformats.org/officeDocument/2006/relationships" xmlns:p="http://schemas.openxmlformats.org/presentationml/2006/main">
-  <p:cSld>
-    <p:spTree>
-      <p:nvGrpSpPr>
-        <p:cNvPr id="1" name=""/>
-        <p:cNvGrpSpPr/>
-        <p:nvPr/>
-      </p:nvGrpSpPr>
-      <p:grpSpPr>
-        <a:xfrm>
-          <a:off x="0" y="0"/>
-          <a:ext cx="0" cy="0"/>
-          <a:chOff x="0" y="0"/>
-          <a:chExt cx="0" cy="0"/>
-        </a:xfrm>
-      </p:grpSpPr>
-      <mc:AlternateContent xmlns:mc="http://schemas.openxmlformats.org/markup-compatibility/2006" xmlns:a14="http://schemas.microsoft.com/office/drawing/2010/main">
-        <mc:Choice Requires="a14">
-          <p:sp>
-            <p:nvSpPr>
-              <p:cNvPr id="2" name="Textplatzhalter 1"/>
-              <p:cNvSpPr>
-                <a:spLocks noGrp="1"/>
-              </p:cNvSpPr>
-              <p:nvPr>
-                <p:ph type="body" sz="quarter" idx="10"/>
-              </p:nvPr>
-            </p:nvSpPr>
-            <p:spPr/>
-            <p:txBody>
-              <a:bodyPr/>
-              <a:lstStyle/>
-              <a:p>
-                <a:r>
                   <a:rPr lang="de-DE" b="1" dirty="0" smtClean="0"/>
                   <a:t>Input: </a:t>
                 </a:r>
@@ -4430,6 +3861,894 @@
     <a:masterClrMapping/>
   </p:clrMapOvr>
   <p:transition/>
+  <p:timing>
+    <p:tnLst>
+      <p:par>
+        <p:cTn id="1" dur="indefinite" restart="never" nodeType="tmRoot"/>
+      </p:par>
+    </p:tnLst>
+  </p:timing>
+</p:sld>
+</file>
+
+<file path=ppt/slides/slide11.xml><?xml version="1.0" encoding="utf-8"?>
+<p:sld xmlns:a="http://schemas.openxmlformats.org/drawingml/2006/main" xmlns:r="http://schemas.openxmlformats.org/officeDocument/2006/relationships" xmlns:p="http://schemas.openxmlformats.org/presentationml/2006/main">
+  <p:cSld>
+    <p:spTree>
+      <p:nvGrpSpPr>
+        <p:cNvPr id="1" name=""/>
+        <p:cNvGrpSpPr/>
+        <p:nvPr/>
+      </p:nvGrpSpPr>
+      <p:grpSpPr>
+        <a:xfrm>
+          <a:off x="0" y="0"/>
+          <a:ext cx="0" cy="0"/>
+          <a:chOff x="0" y="0"/>
+          <a:chExt cx="0" cy="0"/>
+        </a:xfrm>
+      </p:grpSpPr>
+      <mc:AlternateContent xmlns:mc="http://schemas.openxmlformats.org/markup-compatibility/2006">
+        <mc:Choice xmlns:a14="http://schemas.microsoft.com/office/drawing/2010/main" Requires="a14">
+          <p:sp>
+            <p:nvSpPr>
+              <p:cNvPr id="2" name="Textplatzhalter 1"/>
+              <p:cNvSpPr>
+                <a:spLocks noGrp="1"/>
+              </p:cNvSpPr>
+              <p:nvPr>
+                <p:ph type="body" sz="quarter" idx="10"/>
+              </p:nvPr>
+            </p:nvSpPr>
+            <p:spPr/>
+            <p:txBody>
+              <a:bodyPr/>
+              <a:lstStyle/>
+              <a:p>
+                <a:r>
+                  <a:rPr lang="de-DE" dirty="0" smtClean="0"/>
+                  <a:t>Focus on </a:t>
+                </a:r>
+                <a:r>
+                  <a:rPr lang="de-DE" dirty="0" err="1" smtClean="0"/>
+                  <a:t>decryption</a:t>
+                </a:r>
+                <a:r>
+                  <a:rPr lang="de-DE" dirty="0" smtClean="0"/>
+                  <a:t> </a:t>
+                </a:r>
+                <a:r>
+                  <a:rPr lang="de-DE" dirty="0" err="1" smtClean="0"/>
+                  <a:t>of</a:t>
+                </a:r>
+                <a:r>
+                  <a:rPr lang="de-DE" dirty="0" smtClean="0"/>
+                  <a:t> ring-LWE </a:t>
+                </a:r>
+                <a:r>
+                  <a:rPr lang="de-DE" dirty="0" err="1" smtClean="0"/>
+                  <a:t>scheme</a:t>
+                </a:r>
+                <a:endParaRPr lang="de-DE" dirty="0" smtClean="0"/>
+              </a:p>
+              <a:p>
+                <a:r>
+                  <a:rPr lang="de-DE" dirty="0" smtClean="0"/>
+                  <a:t>All </a:t>
+                </a:r>
+                <a:r>
+                  <a:rPr lang="de-DE" dirty="0" err="1" smtClean="0"/>
+                  <a:t>operations</a:t>
+                </a:r>
+                <a:r>
+                  <a:rPr lang="de-DE" dirty="0" smtClean="0"/>
+                  <a:t> in NTT </a:t>
+                </a:r>
+                <a:r>
+                  <a:rPr lang="de-DE" dirty="0" err="1" smtClean="0"/>
+                  <a:t>domain</a:t>
+                </a:r>
+                <a:r>
+                  <a:rPr lang="de-DE" dirty="0" smtClean="0"/>
+                  <a:t> (</a:t>
+                </a:r>
+                <a:r>
+                  <a:rPr lang="de-DE" b="1" dirty="0" err="1" smtClean="0"/>
+                  <a:t>N</a:t>
+                </a:r>
+                <a:r>
+                  <a:rPr lang="de-DE" dirty="0" err="1" smtClean="0"/>
+                  <a:t>umber</a:t>
+                </a:r>
+                <a:r>
+                  <a:rPr lang="de-DE" dirty="0" smtClean="0"/>
+                  <a:t> </a:t>
+                </a:r>
+                <a:r>
+                  <a:rPr lang="de-DE" b="1" dirty="0" err="1" smtClean="0"/>
+                  <a:t>T</a:t>
+                </a:r>
+                <a:r>
+                  <a:rPr lang="de-DE" dirty="0" err="1" smtClean="0"/>
+                  <a:t>heoretic</a:t>
+                </a:r>
+                <a:r>
+                  <a:rPr lang="de-DE" dirty="0" smtClean="0"/>
+                  <a:t> </a:t>
+                </a:r>
+                <a:r>
+                  <a:rPr lang="de-DE" b="1" dirty="0" smtClean="0"/>
+                  <a:t>T</a:t>
+                </a:r>
+                <a:r>
+                  <a:rPr lang="de-DE" dirty="0" smtClean="0"/>
+                  <a:t>ransform)</a:t>
+                </a:r>
+              </a:p>
+              <a:p>
+                <a:r>
+                  <a:rPr lang="de-DE" dirty="0" smtClean="0"/>
+                  <a:t>Split </a:t>
+                </a:r>
+                <a:r>
+                  <a:rPr lang="de-DE" dirty="0" err="1" smtClean="0"/>
+                  <a:t>the</a:t>
+                </a:r>
+                <a:r>
+                  <a:rPr lang="de-DE" dirty="0" smtClean="0"/>
+                  <a:t> </a:t>
+                </a:r>
+                <a:r>
+                  <a:rPr lang="de-DE" dirty="0" err="1" smtClean="0"/>
+                  <a:t>secret</a:t>
+                </a:r>
+                <a:r>
+                  <a:rPr lang="de-DE" dirty="0" smtClean="0"/>
+                  <a:t> </a:t>
+                </a:r>
+                <a:r>
+                  <a:rPr lang="de-DE" dirty="0" err="1" smtClean="0"/>
+                  <a:t>key</a:t>
+                </a:r>
+                <a:r>
+                  <a:rPr lang="de-DE" b="1" dirty="0" smtClean="0"/>
+                  <a:t> </a:t>
+                </a:r>
+                <a14:m>
+                  <m:oMath xmlns:m="http://schemas.openxmlformats.org/officeDocument/2006/math">
+                    <m:r>
+                      <a:rPr lang="de-DE" b="1" i="1" smtClean="0">
+                        <a:latin typeface="Cambria Math" charset="0"/>
+                      </a:rPr>
+                      <m:t>𝒔</m:t>
+                    </m:r>
+                  </m:oMath>
+                </a14:m>
+                <a:r>
+                  <a:rPr lang="de-DE" dirty="0" smtClean="0"/>
+                  <a:t> into </a:t>
+                </a:r>
+                <a14:m>
+                  <m:oMath xmlns:m="http://schemas.openxmlformats.org/officeDocument/2006/math">
+                    <m:r>
+                      <a:rPr lang="de-DE" b="1" i="1">
+                        <a:latin typeface="Cambria Math" charset="0"/>
+                      </a:rPr>
+                      <m:t>𝒔</m:t>
+                    </m:r>
+                    <m:r>
+                      <a:rPr lang="de-DE" b="1" i="1" smtClean="0">
+                        <a:latin typeface="Cambria Math" charset="0"/>
+                      </a:rPr>
+                      <m:t>′</m:t>
+                    </m:r>
+                  </m:oMath>
+                </a14:m>
+                <a:r>
+                  <a:rPr lang="de-DE" dirty="0" smtClean="0"/>
+                  <a:t> and </a:t>
+                </a:r>
+                <a14:m>
+                  <m:oMath xmlns:m="http://schemas.openxmlformats.org/officeDocument/2006/math">
+                    <m:r>
+                      <a:rPr lang="de-DE" b="1" i="1">
+                        <a:latin typeface="Cambria Math" charset="0"/>
+                      </a:rPr>
+                      <m:t>𝒔</m:t>
+                    </m:r>
+                    <m:r>
+                      <a:rPr lang="de-DE" b="1" i="1" smtClean="0">
+                        <a:latin typeface="Cambria Math" charset="0"/>
+                      </a:rPr>
+                      <m:t>′</m:t>
+                    </m:r>
+                  </m:oMath>
+                </a14:m>
+                <a:r>
+                  <a:rPr lang="de-DE" b="1" dirty="0" smtClean="0"/>
+                  <a:t> </a:t>
+                </a:r>
+                <a:r>
+                  <a:rPr lang="de-DE" dirty="0" smtClean="0"/>
+                  <a:t>such </a:t>
+                </a:r>
+                <a:r>
+                  <a:rPr lang="de-DE" dirty="0" err="1" smtClean="0"/>
+                  <a:t>that</a:t>
+                </a:r>
+                <a:r>
+                  <a:rPr lang="de-DE" dirty="0" smtClean="0"/>
+                  <a:t> </a:t>
+                </a:r>
+                <a14:m>
+                  <m:oMath xmlns:m="http://schemas.openxmlformats.org/officeDocument/2006/math">
+                    <m:r>
+                      <a:rPr lang="de-DE" b="1" i="1" smtClean="0">
+                        <a:latin typeface="Cambria Math" charset="0"/>
+                      </a:rPr>
+                      <m:t>𝒔</m:t>
+                    </m:r>
+                    <m:r>
+                      <a:rPr lang="de-DE" b="0" i="1" smtClean="0">
+                        <a:latin typeface="Cambria Math" charset="0"/>
+                      </a:rPr>
+                      <m:t>=</m:t>
+                    </m:r>
+                    <m:sSup>
+                      <m:sSupPr>
+                        <m:ctrlPr>
+                          <a:rPr lang="de-DE" b="1" i="1" smtClean="0">
+                            <a:latin typeface="Cambria Math" charset="0"/>
+                          </a:rPr>
+                        </m:ctrlPr>
+                      </m:sSupPr>
+                      <m:e>
+                        <m:r>
+                          <a:rPr lang="de-DE" b="1" i="1" smtClean="0">
+                            <a:latin typeface="Cambria Math" charset="0"/>
+                          </a:rPr>
+                          <m:t>𝒔</m:t>
+                        </m:r>
+                      </m:e>
+                      <m:sup>
+                        <m:r>
+                          <a:rPr lang="de-DE" b="1" i="1" smtClean="0">
+                            <a:latin typeface="Cambria Math" charset="0"/>
+                          </a:rPr>
+                          <m:t>′</m:t>
+                        </m:r>
+                      </m:sup>
+                    </m:sSup>
+                    <m:r>
+                      <a:rPr lang="de-DE" b="0" i="1" smtClean="0">
+                        <a:latin typeface="Cambria Math" charset="0"/>
+                      </a:rPr>
+                      <m:t>+</m:t>
+                    </m:r>
+                    <m:r>
+                      <a:rPr lang="de-DE" b="1" i="1" smtClean="0">
+                        <a:latin typeface="Cambria Math" charset="0"/>
+                      </a:rPr>
+                      <m:t>𝒔</m:t>
+                    </m:r>
+                    <m:r>
+                      <a:rPr lang="de-DE" b="1" i="1" smtClean="0">
+                        <a:latin typeface="Cambria Math" charset="0"/>
+                      </a:rPr>
+                      <m:t>′′</m:t>
+                    </m:r>
+                  </m:oMath>
+                </a14:m>
+                <a:endParaRPr lang="de-DE" b="1" dirty="0" smtClean="0"/>
+              </a:p>
+              <a:p>
+                <a:pPr lvl="1"/>
+                <a:endParaRPr lang="de-DE" b="1" dirty="0"/>
+              </a:p>
+              <a:p>
+                <a:pPr marL="63500" indent="0" algn="ctr">
+                  <a:buNone/>
+                </a:pPr>
+                <a14:m>
+                  <m:oMathPara xmlns:m="http://schemas.openxmlformats.org/officeDocument/2006/math">
+                    <m:oMathParaPr>
+                      <m:jc m:val="centerGroup"/>
+                    </m:oMathParaPr>
+                    <m:oMath xmlns:m="http://schemas.openxmlformats.org/officeDocument/2006/math">
+                      <m:r>
+                        <a:rPr lang="de-DE" b="1" i="1" smtClean="0">
+                          <a:latin typeface="Cambria Math" charset="0"/>
+                          <a:ea typeface="Cambria Math" charset="0"/>
+                          <a:cs typeface="Cambria Math" charset="0"/>
+                        </a:rPr>
+                        <m:t>⟹</m:t>
+                      </m:r>
+                      <m:sSub>
+                        <m:sSubPr>
+                          <m:ctrlPr>
+                            <a:rPr lang="en-US" i="1">
+                              <a:latin typeface="Cambria Math" charset="0"/>
+                            </a:rPr>
+                          </m:ctrlPr>
+                        </m:sSubPr>
+                        <m:e>
+                          <m:r>
+                            <a:rPr lang="en-US" b="1" i="1">
+                              <a:latin typeface="Cambria Math" charset="0"/>
+                            </a:rPr>
+                            <m:t>𝒎</m:t>
+                          </m:r>
+                        </m:e>
+                        <m:sub>
+                          <m:r>
+                            <a:rPr lang="en-US" i="1">
+                              <a:latin typeface="Cambria Math" charset="0"/>
+                            </a:rPr>
+                            <m:t>𝑒𝑛𝑐</m:t>
+                          </m:r>
+                        </m:sub>
+                      </m:sSub>
+                      <m:r>
+                        <a:rPr lang="de-DE" b="0" i="0" smtClean="0">
+                          <a:latin typeface="Cambria Math" charset="0"/>
+                        </a:rPr>
+                        <m:t>=</m:t>
+                      </m:r>
+                      <m:r>
+                        <a:rPr lang="de-DE" b="1" i="0" smtClean="0">
+                          <a:latin typeface="Cambria Math" charset="0"/>
+                        </a:rPr>
+                        <m:t>𝐬</m:t>
+                      </m:r>
+                      <m:sSub>
+                        <m:sSubPr>
+                          <m:ctrlPr>
+                            <a:rPr lang="en-US" b="1" i="1" smtClean="0">
+                              <a:latin typeface="Cambria Math" charset="0"/>
+                            </a:rPr>
+                          </m:ctrlPr>
+                        </m:sSubPr>
+                        <m:e>
+                          <m:r>
+                            <a:rPr lang="de-DE" b="1" i="1" smtClean="0">
+                              <a:latin typeface="Cambria Math" charset="0"/>
+                            </a:rPr>
+                            <m:t>𝒄</m:t>
+                          </m:r>
+                        </m:e>
+                        <m:sub>
+                          <m:r>
+                            <a:rPr lang="de-DE" b="0" i="1" smtClean="0">
+                              <a:latin typeface="Cambria Math" charset="0"/>
+                            </a:rPr>
+                            <m:t>1</m:t>
+                          </m:r>
+                        </m:sub>
+                      </m:sSub>
+                      <m:r>
+                        <a:rPr lang="de-DE" b="1" i="1" smtClean="0">
+                          <a:latin typeface="Cambria Math" charset="0"/>
+                        </a:rPr>
+                        <m:t>+</m:t>
+                      </m:r>
+                      <m:sSub>
+                        <m:sSubPr>
+                          <m:ctrlPr>
+                            <a:rPr lang="en-US" b="1" i="1" smtClean="0">
+                              <a:latin typeface="Cambria Math" charset="0"/>
+                            </a:rPr>
+                          </m:ctrlPr>
+                        </m:sSubPr>
+                        <m:e>
+                          <m:r>
+                            <a:rPr lang="de-DE" b="1" i="1" smtClean="0">
+                              <a:latin typeface="Cambria Math" charset="0"/>
+                            </a:rPr>
+                            <m:t>𝒄</m:t>
+                          </m:r>
+                        </m:e>
+                        <m:sub>
+                          <m:r>
+                            <a:rPr lang="de-DE" b="0" i="1" smtClean="0">
+                              <a:latin typeface="Cambria Math" charset="0"/>
+                            </a:rPr>
+                            <m:t>2</m:t>
+                          </m:r>
+                        </m:sub>
+                      </m:sSub>
+                      <m:r>
+                        <a:rPr lang="de-DE" b="0" i="1" smtClean="0">
+                          <a:latin typeface="Cambria Math" charset="0"/>
+                        </a:rPr>
+                        <m:t>=</m:t>
+                      </m:r>
+                      <m:d>
+                        <m:dPr>
+                          <m:ctrlPr>
+                            <a:rPr lang="de-DE" b="1" i="1" smtClean="0">
+                              <a:latin typeface="Cambria Math" charset="0"/>
+                            </a:rPr>
+                          </m:ctrlPr>
+                        </m:dPr>
+                        <m:e>
+                          <m:sSup>
+                            <m:sSupPr>
+                              <m:ctrlPr>
+                                <a:rPr lang="de-DE" b="1" i="1" smtClean="0">
+                                  <a:latin typeface="Cambria Math" charset="0"/>
+                                </a:rPr>
+                              </m:ctrlPr>
+                            </m:sSupPr>
+                            <m:e>
+                              <m:r>
+                                <a:rPr lang="de-DE" b="1" i="1" smtClean="0">
+                                  <a:latin typeface="Cambria Math" charset="0"/>
+                                </a:rPr>
+                                <m:t>𝒔</m:t>
+                              </m:r>
+                            </m:e>
+                            <m:sup>
+                              <m:r>
+                                <a:rPr lang="de-DE" b="1" i="1" smtClean="0">
+                                  <a:latin typeface="Cambria Math" charset="0"/>
+                                </a:rPr>
+                                <m:t>′</m:t>
+                              </m:r>
+                            </m:sup>
+                          </m:sSup>
+                          <m:sSub>
+                            <m:sSubPr>
+                              <m:ctrlPr>
+                                <a:rPr lang="en-US" b="1" i="1" smtClean="0">
+                                  <a:latin typeface="Cambria Math" charset="0"/>
+                                </a:rPr>
+                              </m:ctrlPr>
+                            </m:sSubPr>
+                            <m:e>
+                              <m:r>
+                                <a:rPr lang="de-DE" b="1" i="1" smtClean="0">
+                                  <a:latin typeface="Cambria Math" charset="0"/>
+                                </a:rPr>
+                                <m:t>𝒄</m:t>
+                              </m:r>
+                            </m:e>
+                            <m:sub>
+                              <m:r>
+                                <a:rPr lang="de-DE" b="0" i="1" smtClean="0">
+                                  <a:latin typeface="Cambria Math" charset="0"/>
+                                </a:rPr>
+                                <m:t>1</m:t>
+                              </m:r>
+                            </m:sub>
+                          </m:sSub>
+                          <m:r>
+                            <a:rPr lang="de-DE" b="1" i="1" smtClean="0">
+                              <a:latin typeface="Cambria Math" charset="0"/>
+                            </a:rPr>
+                            <m:t>+</m:t>
+                          </m:r>
+                          <m:sSub>
+                            <m:sSubPr>
+                              <m:ctrlPr>
+                                <a:rPr lang="en-US" b="1" i="1" smtClean="0">
+                                  <a:latin typeface="Cambria Math" charset="0"/>
+                                </a:rPr>
+                              </m:ctrlPr>
+                            </m:sSubPr>
+                            <m:e>
+                              <m:r>
+                                <a:rPr lang="de-DE" b="1" i="1" smtClean="0">
+                                  <a:latin typeface="Cambria Math" charset="0"/>
+                                </a:rPr>
+                                <m:t>𝒄</m:t>
+                              </m:r>
+                            </m:e>
+                            <m:sub>
+                              <m:r>
+                                <a:rPr lang="de-DE" b="0" i="1" smtClean="0">
+                                  <a:latin typeface="Cambria Math" charset="0"/>
+                                </a:rPr>
+                                <m:t>2</m:t>
+                              </m:r>
+                            </m:sub>
+                          </m:sSub>
+                        </m:e>
+                      </m:d>
+                      <m:r>
+                        <a:rPr lang="de-DE" b="1" i="1" smtClean="0">
+                          <a:latin typeface="Cambria Math" charset="0"/>
+                        </a:rPr>
+                        <m:t>+(</m:t>
+                      </m:r>
+                      <m:r>
+                        <a:rPr lang="de-DE" b="1" i="1" smtClean="0">
+                          <a:latin typeface="Cambria Math" charset="0"/>
+                        </a:rPr>
+                        <m:t>𝒔</m:t>
+                      </m:r>
+                      <m:r>
+                        <a:rPr lang="de-DE" b="0" i="1" smtClean="0">
+                          <a:latin typeface="Cambria Math" charset="0"/>
+                        </a:rPr>
+                        <m:t>′′</m:t>
+                      </m:r>
+                      <m:sSub>
+                        <m:sSubPr>
+                          <m:ctrlPr>
+                            <a:rPr lang="en-US" b="0" i="1" smtClean="0">
+                              <a:latin typeface="Cambria Math" charset="0"/>
+                            </a:rPr>
+                          </m:ctrlPr>
+                        </m:sSubPr>
+                        <m:e>
+                          <m:r>
+                            <a:rPr lang="de-DE" b="1" i="1" smtClean="0">
+                              <a:latin typeface="Cambria Math" charset="0"/>
+                            </a:rPr>
+                            <m:t>𝒄</m:t>
+                          </m:r>
+                        </m:e>
+                        <m:sub>
+                          <m:r>
+                            <a:rPr lang="de-DE" b="0" i="1" smtClean="0">
+                              <a:latin typeface="Cambria Math" charset="0"/>
+                            </a:rPr>
+                            <m:t>1</m:t>
+                          </m:r>
+                        </m:sub>
+                      </m:sSub>
+                      <m:r>
+                        <a:rPr lang="de-DE" b="0" i="1" smtClean="0">
+                          <a:latin typeface="Cambria Math" charset="0"/>
+                        </a:rPr>
+                        <m:t>)</m:t>
+                      </m:r>
+                    </m:oMath>
+                  </m:oMathPara>
+                </a14:m>
+                <a:endParaRPr lang="de-DE" dirty="0" smtClean="0"/>
+              </a:p>
+              <a:p>
+                <a:endParaRPr lang="de-DE" dirty="0" smtClean="0"/>
+              </a:p>
+              <a:p>
+                <a:endParaRPr lang="de-DE" dirty="0"/>
+              </a:p>
+              <a:p>
+                <a:endParaRPr lang="de-DE" dirty="0" smtClean="0"/>
+              </a:p>
+              <a:p>
+                <a:endParaRPr lang="de-DE" dirty="0"/>
+              </a:p>
+              <a:p>
+                <a:endParaRPr lang="de-DE" dirty="0" smtClean="0"/>
+              </a:p>
+              <a:p>
+                <a:endParaRPr lang="de-DE" dirty="0"/>
+              </a:p>
+              <a:p>
+                <a:endParaRPr lang="de-DE" dirty="0" smtClean="0"/>
+              </a:p>
+              <a:p>
+                <a:pPr marL="0" indent="0" algn="ctr">
+                  <a:buNone/>
+                </a:pPr>
+                <a14:m>
+                  <m:oMathPara xmlns:m="http://schemas.openxmlformats.org/officeDocument/2006/math">
+                    <m:oMathParaPr>
+                      <m:jc m:val="centerGroup"/>
+                    </m:oMathParaPr>
+                    <m:oMath xmlns:m="http://schemas.openxmlformats.org/officeDocument/2006/math">
+                      <m:r>
+                        <a:rPr lang="de-DE" b="0" i="1" smtClean="0">
+                          <a:latin typeface="Cambria Math" charset="0"/>
+                        </a:rPr>
+                        <m:t>(</m:t>
+                      </m:r>
+                      <m:r>
+                        <a:rPr lang="de-DE" b="0" i="1" smtClean="0">
+                          <a:latin typeface="Cambria Math" charset="0"/>
+                        </a:rPr>
+                        <m:t>𝑟</m:t>
+                      </m:r>
+                      <m:r>
+                        <a:rPr lang="de-DE" b="0" i="1" smtClean="0">
+                          <a:latin typeface="Cambria Math" charset="0"/>
+                        </a:rPr>
+                        <m:t>=</m:t>
+                      </m:r>
+                      <m:sSub>
+                        <m:sSubPr>
+                          <m:ctrlPr>
+                            <a:rPr lang="en-US" b="0" i="1" smtClean="0">
+                              <a:latin typeface="Cambria Math" charset="0"/>
+                            </a:rPr>
+                          </m:ctrlPr>
+                        </m:sSubPr>
+                        <m:e>
+                          <m:r>
+                            <a:rPr lang="de-DE" b="1" i="1" smtClean="0">
+                              <a:latin typeface="Cambria Math" charset="0"/>
+                            </a:rPr>
+                            <m:t>𝒔</m:t>
+                          </m:r>
+                        </m:e>
+                        <m:sub>
+                          <m:r>
+                            <a:rPr lang="de-DE" b="0" i="1" smtClean="0">
+                              <a:latin typeface="Cambria Math" charset="0"/>
+                            </a:rPr>
+                            <m:t>𝑖</m:t>
+                          </m:r>
+                        </m:sub>
+                      </m:sSub>
+                      <m:r>
+                        <a:rPr lang="de-DE" b="0" i="1" smtClean="0">
+                          <a:latin typeface="Cambria Math" charset="0"/>
+                        </a:rPr>
+                        <m:t>     </m:t>
+                      </m:r>
+                      <m:r>
+                        <a:rPr lang="de-DE" b="0" i="1" smtClean="0">
+                          <a:latin typeface="Cambria Math" charset="0"/>
+                        </a:rPr>
+                        <m:t>𝑎</m:t>
+                      </m:r>
+                      <m:r>
+                        <a:rPr lang="de-DE" b="1" i="1" smtClean="0">
+                          <a:latin typeface="Cambria Math" charset="0"/>
+                        </a:rPr>
+                        <m:t>=</m:t>
+                      </m:r>
+                      <m:sSub>
+                        <m:sSubPr>
+                          <m:ctrlPr>
+                            <a:rPr lang="en-US" b="1" i="1" smtClean="0">
+                              <a:latin typeface="Cambria Math" charset="0"/>
+                            </a:rPr>
+                          </m:ctrlPr>
+                        </m:sSubPr>
+                        <m:e>
+                          <m:r>
+                            <a:rPr lang="de-DE" b="1" i="1" smtClean="0">
+                              <a:latin typeface="Cambria Math" charset="0"/>
+                            </a:rPr>
+                            <m:t>𝒎</m:t>
+                          </m:r>
+                        </m:e>
+                        <m:sub>
+                          <m:r>
+                            <a:rPr lang="de-DE" b="0" i="1" smtClean="0">
+                              <a:latin typeface="Cambria Math" charset="0"/>
+                            </a:rPr>
+                            <m:t>𝑒𝑛𝑐</m:t>
+                          </m:r>
+                          <m:r>
+                            <a:rPr lang="de-DE" b="0" i="1" smtClean="0">
+                              <a:latin typeface="Cambria Math" charset="0"/>
+                            </a:rPr>
+                            <m:t>,</m:t>
+                          </m:r>
+                          <m:r>
+                            <a:rPr lang="de-DE" b="0" i="1" smtClean="0">
+                              <a:latin typeface="Cambria Math" charset="0"/>
+                            </a:rPr>
+                            <m:t>𝑖</m:t>
+                          </m:r>
+                        </m:sub>
+                      </m:sSub>
+                      <m:r>
+                        <a:rPr lang="de-DE" b="0" i="1" smtClean="0">
+                          <a:latin typeface="Cambria Math" charset="0"/>
+                        </a:rPr>
+                        <m:t>     </m:t>
+                      </m:r>
+                      <m:r>
+                        <a:rPr lang="de-DE" b="0" i="1" smtClean="0">
+                          <a:latin typeface="Cambria Math" charset="0"/>
+                        </a:rPr>
+                        <m:t>𝑚</m:t>
+                      </m:r>
+                      <m:r>
+                        <a:rPr lang="de-DE" b="1" i="1" smtClean="0">
+                          <a:latin typeface="Cambria Math" charset="0"/>
+                        </a:rPr>
+                        <m:t>=</m:t>
+                      </m:r>
+                      <m:sSub>
+                        <m:sSubPr>
+                          <m:ctrlPr>
+                            <a:rPr lang="en-US" b="1" i="1" smtClean="0">
+                              <a:latin typeface="Cambria Math" charset="0"/>
+                            </a:rPr>
+                          </m:ctrlPr>
+                        </m:sSubPr>
+                        <m:e>
+                          <m:r>
+                            <a:rPr lang="de-DE" b="1" i="1" smtClean="0">
+                              <a:latin typeface="Cambria Math" charset="0"/>
+                            </a:rPr>
+                            <m:t>𝒎</m:t>
+                          </m:r>
+                        </m:e>
+                        <m:sub>
+                          <m:r>
+                            <a:rPr lang="de-DE" b="0" i="1" smtClean="0">
+                              <a:latin typeface="Cambria Math" charset="0"/>
+                            </a:rPr>
+                            <m:t>𝑖</m:t>
+                          </m:r>
+                        </m:sub>
+                      </m:sSub>
+                      <m:r>
+                        <a:rPr lang="de-DE" b="1" i="1" smtClean="0">
+                          <a:latin typeface="Cambria Math" charset="0"/>
+                        </a:rPr>
+                        <m:t>)</m:t>
+                      </m:r>
+                    </m:oMath>
+                  </m:oMathPara>
+                </a14:m>
+                <a:endParaRPr lang="de-DE" b="1" dirty="0" smtClean="0"/>
+              </a:p>
+              <a:p>
+                <a:endParaRPr lang="de-DE" dirty="0"/>
+              </a:p>
+            </p:txBody>
+          </p:sp>
+        </mc:Choice>
+        <mc:Fallback>
+          <p:sp>
+            <p:nvSpPr>
+              <p:cNvPr id="2" name="Textplatzhalter 1"/>
+              <p:cNvSpPr>
+                <a:spLocks noGrp="1" noRot="1" noChangeAspect="1" noMove="1" noResize="1" noEditPoints="1" noAdjustHandles="1" noChangeArrowheads="1" noChangeShapeType="1" noTextEdit="1"/>
+              </p:cNvSpPr>
+              <p:nvPr>
+                <p:ph type="body" sz="quarter" idx="10"/>
+              </p:nvPr>
+            </p:nvSpPr>
+            <p:spPr>
+              <a:blipFill rotWithShape="0">
+                <a:blip r:embed="rId2"/>
+                <a:stretch>
+                  <a:fillRect l="-944" t="-779" b="-11680"/>
+                </a:stretch>
+              </a:blipFill>
+            </p:spPr>
+            <p:txBody>
+              <a:bodyPr/>
+              <a:lstStyle/>
+              <a:p>
+                <a:r>
+                  <a:rPr lang="de-DE">
+                    <a:noFill/>
+                  </a:rPr>
+                  <a:t> </a:t>
+                </a:r>
+              </a:p>
+            </p:txBody>
+          </p:sp>
+        </mc:Fallback>
+      </mc:AlternateContent>
+      <p:sp>
+        <p:nvSpPr>
+          <p:cNvPr id="3" name="Titel 2"/>
+          <p:cNvSpPr>
+            <a:spLocks noGrp="1"/>
+          </p:cNvSpPr>
+          <p:nvPr>
+            <p:ph type="title"/>
+          </p:nvPr>
+        </p:nvSpPr>
+        <p:spPr/>
+        <p:txBody>
+          <a:bodyPr/>
+          <a:lstStyle/>
+          <a:p>
+            <a:r>
+              <a:rPr lang="de-DE" dirty="0" err="1" smtClean="0"/>
+              <a:t>Masking</a:t>
+            </a:r>
+            <a:r>
+              <a:rPr lang="de-DE" dirty="0" smtClean="0"/>
+              <a:t> </a:t>
+            </a:r>
+            <a:r>
+              <a:rPr lang="de-DE" dirty="0" err="1"/>
+              <a:t>U</a:t>
+            </a:r>
+            <a:r>
+              <a:rPr lang="de-DE" dirty="0" err="1" smtClean="0"/>
+              <a:t>sing</a:t>
+            </a:r>
+            <a:r>
+              <a:rPr lang="de-DE" dirty="0" smtClean="0"/>
+              <a:t> a </a:t>
+            </a:r>
+            <a:r>
+              <a:rPr lang="de-DE" dirty="0" err="1"/>
+              <a:t>M</a:t>
+            </a:r>
+            <a:r>
+              <a:rPr lang="de-DE" dirty="0" err="1" smtClean="0"/>
+              <a:t>asked</a:t>
+            </a:r>
+            <a:r>
+              <a:rPr lang="de-DE" dirty="0" smtClean="0"/>
+              <a:t> </a:t>
+            </a:r>
+            <a:r>
+              <a:rPr lang="de-DE" dirty="0"/>
+              <a:t>D</a:t>
+            </a:r>
+            <a:r>
+              <a:rPr lang="de-DE" dirty="0" smtClean="0"/>
+              <a:t>ecoder</a:t>
+            </a:r>
+            <a:r>
+              <a:rPr lang="de-DE" dirty="0"/>
+              <a:t/>
+            </a:r>
+            <a:br>
+              <a:rPr lang="de-DE" dirty="0"/>
+            </a:br>
+            <a:r>
+              <a:rPr lang="de-DE" sz="2800" b="0" dirty="0" err="1" smtClean="0"/>
+              <a:t>Overview</a:t>
+            </a:r>
+            <a:endParaRPr lang="de-DE" dirty="0"/>
+          </a:p>
+        </p:txBody>
+      </p:sp>
+      <p:pic>
+        <p:nvPicPr>
+          <p:cNvPr id="4" name="Bild 3"/>
+          <p:cNvPicPr>
+            <a:picLocks noChangeAspect="1"/>
+          </p:cNvPicPr>
+          <p:nvPr/>
+        </p:nvPicPr>
+        <p:blipFill>
+          <a:blip r:embed="rId3">
+            <a:extLst>
+              <a:ext uri="{28A0092B-C50C-407E-A947-70E740481C1C}">
+                <a14:useLocalDpi xmlns:a14="http://schemas.microsoft.com/office/drawing/2010/main" val="0"/>
+              </a:ext>
+            </a:extLst>
+          </a:blip>
+          <a:stretch>
+            <a:fillRect/>
+          </a:stretch>
+        </p:blipFill>
+        <p:spPr>
+          <a:xfrm>
+            <a:off x="1372474" y="3515838"/>
+            <a:ext cx="7335676" cy="2839002"/>
+          </a:xfrm>
+          <a:prstGeom prst="rect">
+            <a:avLst/>
+          </a:prstGeom>
+        </p:spPr>
+      </p:pic>
+    </p:spTree>
+    <p:extLst>
+      <p:ext uri="{BB962C8B-B14F-4D97-AF65-F5344CB8AC3E}">
+        <p14:creationId xmlns:p14="http://schemas.microsoft.com/office/powerpoint/2010/main" val="1862829395"/>
+      </p:ext>
+    </p:extLst>
+  </p:cSld>
+  <p:clrMapOvr>
+    <a:masterClrMapping/>
+  </p:clrMapOvr>
+  <p:transition/>
+  <p:timing>
+    <p:tnLst>
+      <p:par>
+        <p:cTn id="1" dur="indefinite" restart="never" nodeType="tmRoot"/>
+      </p:par>
+    </p:tnLst>
+  </p:timing>
 </p:sld>
 </file>
 
@@ -4450,29 +4769,865 @@
           <a:chExt cx="0" cy="0"/>
         </a:xfrm>
       </p:grpSpPr>
-      <p:sp>
-        <p:nvSpPr>
-          <p:cNvPr id="2" name="Textplatzhalter 1"/>
-          <p:cNvSpPr>
-            <a:spLocks noGrp="1"/>
-          </p:cNvSpPr>
-          <p:nvPr>
-            <p:ph type="body" sz="quarter" idx="10"/>
-          </p:nvPr>
-        </p:nvSpPr>
-        <p:spPr/>
-        <p:txBody>
-          <a:bodyPr/>
-          <a:lstStyle/>
-          <a:p>
-            <a:r>
-              <a:rPr lang="de-DE" dirty="0" err="1" smtClean="0"/>
-              <a:t>blub</a:t>
-            </a:r>
-            <a:endParaRPr lang="de-DE" dirty="0"/>
-          </a:p>
-        </p:txBody>
-      </p:sp>
+      <mc:AlternateContent xmlns:mc="http://schemas.openxmlformats.org/markup-compatibility/2006">
+        <mc:Choice xmlns:a14="http://schemas.microsoft.com/office/drawing/2010/main" Requires="a14">
+          <p:sp>
+            <p:nvSpPr>
+              <p:cNvPr id="2" name="Textplatzhalter 1"/>
+              <p:cNvSpPr>
+                <a:spLocks noGrp="1"/>
+              </p:cNvSpPr>
+              <p:nvPr>
+                <p:ph type="body" sz="quarter" idx="10"/>
+              </p:nvPr>
+            </p:nvSpPr>
+            <p:spPr/>
+            <p:txBody>
+              <a:bodyPr/>
+              <a:lstStyle/>
+              <a:p>
+                <a:r>
+                  <a:rPr lang="de-DE" b="1" dirty="0" smtClean="0"/>
+                  <a:t>Recall:</a:t>
+                </a:r>
+                <a:r>
+                  <a:rPr lang="de-DE" dirty="0" smtClean="0"/>
+                  <a:t> 	</a:t>
+                </a:r>
+                <a14:m>
+                  <m:oMath xmlns:m="http://schemas.openxmlformats.org/officeDocument/2006/math">
+                    <m:r>
+                      <a:rPr lang="de-DE" i="1">
+                        <a:latin typeface="Cambria Math" charset="0"/>
+                      </a:rPr>
+                      <m:t>𝐷𝐸𝐶𝑂𝐷𝐸</m:t>
+                    </m:r>
+                    <m:d>
+                      <m:dPr>
+                        <m:ctrlPr>
+                          <a:rPr lang="is-IS" i="1">
+                            <a:latin typeface="Cambria Math" charset="0"/>
+                          </a:rPr>
+                        </m:ctrlPr>
+                      </m:dPr>
+                      <m:e>
+                        <m:r>
+                          <a:rPr lang="de-DE" i="1">
+                            <a:latin typeface="Cambria Math" charset="0"/>
+                          </a:rPr>
+                          <m:t>𝑥</m:t>
+                        </m:r>
+                      </m:e>
+                    </m:d>
+                    <m:r>
+                      <a:rPr lang="de-DE" i="1">
+                        <a:latin typeface="Cambria Math" charset="0"/>
+                      </a:rPr>
+                      <m:t>=</m:t>
+                    </m:r>
+                    <m:d>
+                      <m:dPr>
+                        <m:begChr m:val="{"/>
+                        <m:endChr m:val=""/>
+                        <m:ctrlPr>
+                          <a:rPr lang="cs-CZ" i="1">
+                            <a:latin typeface="Cambria Math" charset="0"/>
+                          </a:rPr>
+                        </m:ctrlPr>
+                      </m:dPr>
+                      <m:e>
+                        <m:eqArr>
+                          <m:eqArrPr>
+                            <m:ctrlPr>
+                              <a:rPr lang="cs-CZ" i="1">
+                                <a:latin typeface="Cambria Math" charset="0"/>
+                              </a:rPr>
+                            </m:ctrlPr>
+                          </m:eqArrPr>
+                          <m:e>
+                            <m:r>
+                              <a:rPr lang="de-DE" i="1">
+                                <a:latin typeface="Cambria Math" charset="0"/>
+                              </a:rPr>
+                              <m:t>0,   </m:t>
+                            </m:r>
+                            <m:r>
+                              <a:rPr lang="de-DE" i="1">
+                                <a:latin typeface="Cambria Math" charset="0"/>
+                              </a:rPr>
+                              <m:t>𝑥</m:t>
+                            </m:r>
+                            <m:r>
+                              <a:rPr lang="de-DE" i="1">
+                                <a:latin typeface="Cambria Math" charset="0"/>
+                                <a:ea typeface="Cambria Math" charset="0"/>
+                                <a:cs typeface="Cambria Math" charset="0"/>
+                              </a:rPr>
+                              <m:t>∈</m:t>
+                            </m:r>
+                            <m:d>
+                              <m:dPr>
+                                <m:ctrlPr>
+                                  <a:rPr lang="is-IS" i="1">
+                                    <a:latin typeface="Cambria Math" charset="0"/>
+                                    <a:ea typeface="Cambria Math" charset="0"/>
+                                    <a:cs typeface="Cambria Math" charset="0"/>
+                                  </a:rPr>
+                                </m:ctrlPr>
+                              </m:dPr>
+                              <m:e>
+                                <m:r>
+                                  <a:rPr lang="de-DE" i="1">
+                                    <a:latin typeface="Cambria Math" charset="0"/>
+                                    <a:ea typeface="Cambria Math" charset="0"/>
+                                    <a:cs typeface="Cambria Math" charset="0"/>
+                                  </a:rPr>
+                                  <m:t>0,</m:t>
+                                </m:r>
+                                <m:f>
+                                  <m:fPr>
+                                    <m:type m:val="lin"/>
+                                    <m:ctrlPr>
+                                      <a:rPr lang="de-DE" i="1">
+                                        <a:latin typeface="Cambria Math" charset="0"/>
+                                        <a:ea typeface="Cambria Math" charset="0"/>
+                                        <a:cs typeface="Cambria Math" charset="0"/>
+                                      </a:rPr>
+                                    </m:ctrlPr>
+                                  </m:fPr>
+                                  <m:num>
+                                    <m:r>
+                                      <a:rPr lang="de-DE" i="1">
+                                        <a:latin typeface="Cambria Math" charset="0"/>
+                                        <a:ea typeface="Cambria Math" charset="0"/>
+                                        <a:cs typeface="Cambria Math" charset="0"/>
+                                      </a:rPr>
+                                      <m:t>𝑞</m:t>
+                                    </m:r>
+                                  </m:num>
+                                  <m:den>
+                                    <m:r>
+                                      <a:rPr lang="de-DE" i="1">
+                                        <a:latin typeface="Cambria Math" charset="0"/>
+                                        <a:ea typeface="Cambria Math" charset="0"/>
+                                        <a:cs typeface="Cambria Math" charset="0"/>
+                                      </a:rPr>
+                                      <m:t>4</m:t>
+                                    </m:r>
+                                  </m:den>
+                                </m:f>
+                                <m:r>
+                                  <a:rPr lang="bg-BG" i="1">
+                                    <a:latin typeface="Cambria Math" charset="0"/>
+                                    <a:ea typeface="Cambria Math" charset="0"/>
+                                    <a:cs typeface="Cambria Math" charset="0"/>
+                                  </a:rPr>
+                                  <m:t> </m:t>
+                                </m:r>
+                              </m:e>
+                            </m:d>
+                            <m:r>
+                              <a:rPr lang="is-IS" i="1">
+                                <a:latin typeface="Cambria Math" charset="0"/>
+                                <a:ea typeface="Cambria Math" charset="0"/>
+                                <a:cs typeface="Cambria Math" charset="0"/>
+                              </a:rPr>
+                              <m:t>∪</m:t>
+                            </m:r>
+                            <m:d>
+                              <m:dPr>
+                                <m:ctrlPr>
+                                  <a:rPr lang="is-IS" i="1">
+                                    <a:latin typeface="Cambria Math" charset="0"/>
+                                    <a:ea typeface="Cambria Math" charset="0"/>
+                                    <a:cs typeface="Cambria Math" charset="0"/>
+                                  </a:rPr>
+                                </m:ctrlPr>
+                              </m:dPr>
+                              <m:e>
+                                <m:f>
+                                  <m:fPr>
+                                    <m:type m:val="lin"/>
+                                    <m:ctrlPr>
+                                      <a:rPr lang="is-IS" i="1">
+                                        <a:latin typeface="Cambria Math" charset="0"/>
+                                        <a:ea typeface="Cambria Math" charset="0"/>
+                                        <a:cs typeface="Cambria Math" charset="0"/>
+                                      </a:rPr>
+                                    </m:ctrlPr>
+                                  </m:fPr>
+                                  <m:num>
+                                    <m:r>
+                                      <a:rPr lang="de-DE" i="1">
+                                        <a:latin typeface="Cambria Math" charset="0"/>
+                                        <a:ea typeface="Cambria Math" charset="0"/>
+                                        <a:cs typeface="Cambria Math" charset="0"/>
+                                      </a:rPr>
+                                      <m:t>3</m:t>
+                                    </m:r>
+                                    <m:r>
+                                      <a:rPr lang="de-DE" i="1">
+                                        <a:latin typeface="Cambria Math" charset="0"/>
+                                        <a:ea typeface="Cambria Math" charset="0"/>
+                                        <a:cs typeface="Cambria Math" charset="0"/>
+                                      </a:rPr>
+                                      <m:t>𝑞</m:t>
+                                    </m:r>
+                                  </m:num>
+                                  <m:den>
+                                    <m:r>
+                                      <a:rPr lang="de-DE" i="1">
+                                        <a:latin typeface="Cambria Math" charset="0"/>
+                                        <a:ea typeface="Cambria Math" charset="0"/>
+                                        <a:cs typeface="Cambria Math" charset="0"/>
+                                      </a:rPr>
+                                      <m:t>4</m:t>
+                                    </m:r>
+                                  </m:den>
+                                </m:f>
+                                <m:r>
+                                  <a:rPr lang="de-DE" i="1">
+                                    <a:latin typeface="Cambria Math" charset="0"/>
+                                    <a:ea typeface="Cambria Math" charset="0"/>
+                                    <a:cs typeface="Cambria Math" charset="0"/>
+                                  </a:rPr>
+                                  <m:t>,</m:t>
+                                </m:r>
+                                <m:r>
+                                  <a:rPr lang="de-DE" i="1">
+                                    <a:latin typeface="Cambria Math" charset="0"/>
+                                    <a:ea typeface="Cambria Math" charset="0"/>
+                                    <a:cs typeface="Cambria Math" charset="0"/>
+                                  </a:rPr>
+                                  <m:t>𝑞</m:t>
+                                </m:r>
+                              </m:e>
+                            </m:d>
+                          </m:e>
+                          <m:e>
+                            <m:r>
+                              <a:rPr lang="de-DE" i="1">
+                                <a:latin typeface="Cambria Math" charset="0"/>
+                              </a:rPr>
+                              <m:t>1</m:t>
+                            </m:r>
+                            <m:r>
+                              <a:rPr lang="de-DE" i="1">
+                                <a:latin typeface="Cambria Math" charset="0"/>
+                              </a:rPr>
+                              <m:t>, </m:t>
+                            </m:r>
+                            <m:r>
+                              <a:rPr lang="de-DE" i="1">
+                                <a:latin typeface="Cambria Math" charset="0"/>
+                              </a:rPr>
+                              <m:t>                 </m:t>
+                            </m:r>
+                            <m:r>
+                              <a:rPr lang="de-DE" i="1">
+                                <a:latin typeface="Cambria Math" charset="0"/>
+                              </a:rPr>
+                              <m:t>𝑥</m:t>
+                            </m:r>
+                            <m:r>
+                              <a:rPr lang="de-DE" i="1">
+                                <a:latin typeface="Cambria Math" charset="0"/>
+                                <a:ea typeface="Cambria Math" charset="0"/>
+                                <a:cs typeface="Cambria Math" charset="0"/>
+                              </a:rPr>
+                              <m:t>∈</m:t>
+                            </m:r>
+                            <m:d>
+                              <m:dPr>
+                                <m:ctrlPr>
+                                  <a:rPr lang="is-IS" i="1">
+                                    <a:latin typeface="Cambria Math" charset="0"/>
+                                    <a:ea typeface="Cambria Math" charset="0"/>
+                                    <a:cs typeface="Cambria Math" charset="0"/>
+                                  </a:rPr>
+                                </m:ctrlPr>
+                              </m:dPr>
+                              <m:e>
+                                <m:f>
+                                  <m:fPr>
+                                    <m:type m:val="lin"/>
+                                    <m:ctrlPr>
+                                      <a:rPr lang="is-IS" i="1">
+                                        <a:latin typeface="Cambria Math" charset="0"/>
+                                        <a:ea typeface="Cambria Math" charset="0"/>
+                                        <a:cs typeface="Cambria Math" charset="0"/>
+                                      </a:rPr>
+                                    </m:ctrlPr>
+                                  </m:fPr>
+                                  <m:num>
+                                    <m:r>
+                                      <a:rPr lang="de-DE" i="1">
+                                        <a:latin typeface="Cambria Math" charset="0"/>
+                                        <a:ea typeface="Cambria Math" charset="0"/>
+                                        <a:cs typeface="Cambria Math" charset="0"/>
+                                      </a:rPr>
+                                      <m:t>𝑞</m:t>
+                                    </m:r>
+                                  </m:num>
+                                  <m:den>
+                                    <m:r>
+                                      <a:rPr lang="de-DE" i="1">
+                                        <a:latin typeface="Cambria Math" charset="0"/>
+                                        <a:ea typeface="Cambria Math" charset="0"/>
+                                        <a:cs typeface="Cambria Math" charset="0"/>
+                                      </a:rPr>
+                                      <m:t>4</m:t>
+                                    </m:r>
+                                  </m:den>
+                                </m:f>
+                                <m:r>
+                                  <a:rPr lang="de-DE" i="1">
+                                    <a:latin typeface="Cambria Math" charset="0"/>
+                                    <a:ea typeface="Cambria Math" charset="0"/>
+                                    <a:cs typeface="Cambria Math" charset="0"/>
+                                  </a:rPr>
+                                  <m:t>,</m:t>
+                                </m:r>
+                                <m:f>
+                                  <m:fPr>
+                                    <m:type m:val="lin"/>
+                                    <m:ctrlPr>
+                                      <a:rPr lang="de-DE" i="1">
+                                        <a:latin typeface="Cambria Math" charset="0"/>
+                                        <a:ea typeface="Cambria Math" charset="0"/>
+                                        <a:cs typeface="Cambria Math" charset="0"/>
+                                      </a:rPr>
+                                    </m:ctrlPr>
+                                  </m:fPr>
+                                  <m:num>
+                                    <m:r>
+                                      <a:rPr lang="de-DE" i="1">
+                                        <a:latin typeface="Cambria Math" charset="0"/>
+                                        <a:ea typeface="Cambria Math" charset="0"/>
+                                        <a:cs typeface="Cambria Math" charset="0"/>
+                                      </a:rPr>
+                                      <m:t>3</m:t>
+                                    </m:r>
+                                    <m:r>
+                                      <a:rPr lang="de-DE" i="1">
+                                        <a:latin typeface="Cambria Math" charset="0"/>
+                                        <a:ea typeface="Cambria Math" charset="0"/>
+                                        <a:cs typeface="Cambria Math" charset="0"/>
+                                      </a:rPr>
+                                      <m:t>𝑞</m:t>
+                                    </m:r>
+                                  </m:num>
+                                  <m:den>
+                                    <m:r>
+                                      <a:rPr lang="de-DE" i="1">
+                                        <a:latin typeface="Cambria Math" charset="0"/>
+                                        <a:ea typeface="Cambria Math" charset="0"/>
+                                        <a:cs typeface="Cambria Math" charset="0"/>
+                                      </a:rPr>
+                                      <m:t>4</m:t>
+                                    </m:r>
+                                  </m:den>
+                                </m:f>
+                              </m:e>
+                            </m:d>
+                          </m:e>
+                        </m:eqArr>
+                      </m:e>
+                    </m:d>
+                  </m:oMath>
+                </a14:m>
+                <a:endParaRPr lang="de-DE" dirty="0" smtClean="0"/>
+              </a:p>
+              <a:p>
+                <a:endParaRPr lang="de-DE" dirty="0"/>
+              </a:p>
+              <a:p>
+                <a:endParaRPr lang="de-DE" dirty="0" smtClean="0"/>
+              </a:p>
+              <a:p>
+                <a:endParaRPr lang="de-DE" dirty="0"/>
+              </a:p>
+              <a:p>
+                <a:endParaRPr lang="de-DE" dirty="0" smtClean="0"/>
+              </a:p>
+              <a:p>
+                <a:endParaRPr lang="de-DE" dirty="0"/>
+              </a:p>
+              <a:p>
+                <a:endParaRPr lang="de-DE" dirty="0" smtClean="0"/>
+              </a:p>
+              <a:p>
+                <a:endParaRPr lang="de-DE" dirty="0"/>
+              </a:p>
+              <a:p>
+                <a:endParaRPr lang="de-DE" dirty="0" smtClean="0"/>
+              </a:p>
+              <a:p>
+                <a:r>
+                  <a:rPr lang="de-DE" dirty="0" err="1" smtClean="0"/>
+                  <a:t>We</a:t>
+                </a:r>
+                <a:r>
+                  <a:rPr lang="de-DE" dirty="0" smtClean="0"/>
+                  <a:t> </a:t>
+                </a:r>
+                <a:r>
+                  <a:rPr lang="de-DE" dirty="0" err="1" smtClean="0"/>
+                  <a:t>can</a:t>
+                </a:r>
+                <a:r>
+                  <a:rPr lang="de-DE" dirty="0" smtClean="0"/>
+                  <a:t> </a:t>
+                </a:r>
+                <a:r>
+                  <a:rPr lang="de-DE" dirty="0" err="1" smtClean="0"/>
+                  <a:t>state</a:t>
+                </a:r>
+                <a:r>
+                  <a:rPr lang="de-DE" dirty="0" smtClean="0"/>
+                  <a:t> </a:t>
+                </a:r>
+                <a:r>
+                  <a:rPr lang="de-DE" dirty="0" err="1" smtClean="0"/>
+                  <a:t>four</a:t>
+                </a:r>
+                <a:r>
+                  <a:rPr lang="de-DE" dirty="0" smtClean="0"/>
+                  <a:t> </a:t>
+                </a:r>
+                <a:r>
+                  <a:rPr lang="de-DE" dirty="0" err="1" smtClean="0"/>
+                  <a:t>rules</a:t>
+                </a:r>
+                <a:r>
+                  <a:rPr lang="de-DE" dirty="0" smtClean="0"/>
+                  <a:t> </a:t>
+                </a:r>
+                <a:r>
+                  <a:rPr lang="de-DE" dirty="0" err="1" smtClean="0"/>
+                  <a:t>based</a:t>
+                </a:r>
+                <a:r>
+                  <a:rPr lang="de-DE" dirty="0" smtClean="0"/>
+                  <a:t> on </a:t>
+                </a:r>
+                <a:r>
+                  <a:rPr lang="de-DE" dirty="0" err="1" smtClean="0"/>
+                  <a:t>the</a:t>
+                </a:r>
+                <a:r>
+                  <a:rPr lang="de-DE" dirty="0" smtClean="0"/>
+                  <a:t> </a:t>
+                </a:r>
+                <a:r>
+                  <a:rPr lang="de-DE" dirty="0" err="1" smtClean="0"/>
+                  <a:t>quadrants</a:t>
+                </a:r>
+                <a:r>
+                  <a:rPr lang="de-DE" dirty="0" smtClean="0"/>
+                  <a:t> </a:t>
+                </a:r>
+                <a:r>
+                  <a:rPr lang="de-DE" dirty="0" err="1" smtClean="0"/>
+                  <a:t>of</a:t>
+                </a:r>
+                <a:r>
+                  <a:rPr lang="de-DE" dirty="0" smtClean="0"/>
+                  <a:t> </a:t>
+                </a:r>
+                <a14:m>
+                  <m:oMath xmlns:m="http://schemas.openxmlformats.org/officeDocument/2006/math">
+                    <m:r>
+                      <a:rPr lang="de-DE" b="0" i="1" smtClean="0">
+                        <a:latin typeface="Cambria Math" charset="0"/>
+                      </a:rPr>
+                      <m:t>𝑎</m:t>
+                    </m:r>
+                    <m:r>
+                      <a:rPr lang="de-DE" b="0" i="1" smtClean="0">
+                        <a:latin typeface="Cambria Math" charset="0"/>
+                      </a:rPr>
+                      <m:t>′</m:t>
+                    </m:r>
+                  </m:oMath>
+                </a14:m>
+                <a:r>
+                  <a:rPr lang="de-DE" dirty="0" smtClean="0"/>
+                  <a:t> and </a:t>
+                </a:r>
+                <a14:m>
+                  <m:oMath xmlns:m="http://schemas.openxmlformats.org/officeDocument/2006/math">
+                    <m:r>
+                      <a:rPr lang="de-DE" b="0" i="1">
+                        <a:latin typeface="Cambria Math" charset="0"/>
+                      </a:rPr>
+                      <m:t>𝑎</m:t>
+                    </m:r>
+                    <m:r>
+                      <a:rPr lang="de-DE" b="0" i="1" smtClean="0">
+                        <a:latin typeface="Cambria Math" charset="0"/>
+                      </a:rPr>
+                      <m:t>′</m:t>
+                    </m:r>
+                    <m:r>
+                      <a:rPr lang="de-DE" b="0" i="1">
+                        <a:latin typeface="Cambria Math" charset="0"/>
+                      </a:rPr>
+                      <m:t>′</m:t>
+                    </m:r>
+                  </m:oMath>
+                </a14:m>
+                <a:r>
+                  <a:rPr lang="de-DE" dirty="0"/>
+                  <a:t> </a:t>
+                </a:r>
+                <a:endParaRPr lang="de-DE" dirty="0" smtClean="0"/>
+              </a:p>
+              <a:p>
+                <a:pPr lvl="1"/>
+                <a:r>
+                  <a:rPr lang="de-DE" dirty="0" smtClean="0"/>
+                  <a:t>e.g.: </a:t>
+                </a:r>
+                <a14:m>
+                  <m:oMath xmlns:m="http://schemas.openxmlformats.org/officeDocument/2006/math">
+                    <m:sSup>
+                      <m:sSupPr>
+                        <m:ctrlPr>
+                          <a:rPr lang="de-DE" i="1" smtClean="0">
+                            <a:latin typeface="Cambria Math" charset="0"/>
+                          </a:rPr>
+                        </m:ctrlPr>
+                      </m:sSupPr>
+                      <m:e>
+                        <m:r>
+                          <a:rPr lang="de-DE" b="0" i="1" smtClean="0">
+                            <a:latin typeface="Cambria Math" charset="0"/>
+                          </a:rPr>
+                          <m:t>𝑎</m:t>
+                        </m:r>
+                      </m:e>
+                      <m:sup>
+                        <m:r>
+                          <a:rPr lang="de-DE" b="0" i="1" smtClean="0">
+                            <a:latin typeface="Cambria Math" charset="0"/>
+                          </a:rPr>
+                          <m:t>′</m:t>
+                        </m:r>
+                      </m:sup>
+                    </m:sSup>
+                    <m:r>
+                      <a:rPr lang="de-DE" i="1" smtClean="0">
+                        <a:latin typeface="Cambria Math" charset="0"/>
+                        <a:ea typeface="Cambria Math" charset="0"/>
+                        <a:cs typeface="Cambria Math" charset="0"/>
+                      </a:rPr>
+                      <m:t>∈</m:t>
+                    </m:r>
+                    <m:r>
+                      <m:rPr>
+                        <m:sty m:val="p"/>
+                      </m:rPr>
+                      <a:rPr lang="de-DE" b="0" i="0" smtClean="0">
+                        <a:latin typeface="Cambria Math" charset="0"/>
+                        <a:ea typeface="Cambria Math" charset="0"/>
+                        <a:cs typeface="Cambria Math" charset="0"/>
+                      </a:rPr>
+                      <m:t>I</m:t>
+                    </m:r>
+                  </m:oMath>
+                </a14:m>
+                <a:r>
+                  <a:rPr lang="de-DE" b="1" dirty="0" smtClean="0"/>
+                  <a:t> </a:t>
+                </a:r>
+                <a:r>
+                  <a:rPr lang="de-DE" dirty="0" err="1" smtClean="0"/>
+                  <a:t>and</a:t>
+                </a:r>
+                <a:r>
+                  <a:rPr lang="de-DE" dirty="0" smtClean="0"/>
+                  <a:t> </a:t>
+                </a:r>
+                <a14:m>
+                  <m:oMath xmlns:m="http://schemas.openxmlformats.org/officeDocument/2006/math">
+                    <m:r>
+                      <a:rPr lang="de-DE" b="0" i="1" smtClean="0">
+                        <a:latin typeface="Cambria Math" charset="0"/>
+                      </a:rPr>
+                      <m:t>𝑎</m:t>
+                    </m:r>
+                    <m:r>
+                      <a:rPr lang="de-DE" b="0" i="1" smtClean="0">
+                        <a:latin typeface="Cambria Math" charset="0"/>
+                      </a:rPr>
+                      <m:t>′′∈</m:t>
+                    </m:r>
+                    <m:r>
+                      <m:rPr>
+                        <m:sty m:val="p"/>
+                      </m:rPr>
+                      <a:rPr lang="de-DE" b="0" i="0" smtClean="0">
+                        <a:latin typeface="Cambria Math" charset="0"/>
+                        <a:ea typeface="Cambria Math" charset="0"/>
+                        <a:cs typeface="Cambria Math" charset="0"/>
+                      </a:rPr>
+                      <m:t>II</m:t>
+                    </m:r>
+                  </m:oMath>
+                </a14:m>
+                <a:r>
+                  <a:rPr lang="de-DE" b="1" dirty="0" smtClean="0"/>
+                  <a:t> </a:t>
+                </a:r>
+                <a14:m>
+                  <m:oMath xmlns:m="http://schemas.openxmlformats.org/officeDocument/2006/math">
+                    <m:r>
+                      <a:rPr lang="de-DE" b="1" i="1" dirty="0" smtClean="0">
+                        <a:latin typeface="Cambria Math" charset="0"/>
+                        <a:ea typeface="Cambria Math" charset="0"/>
+                        <a:cs typeface="Cambria Math" charset="0"/>
+                      </a:rPr>
+                      <m:t>⟹</m:t>
+                    </m:r>
+                    <m:r>
+                      <a:rPr lang="de-DE" b="0" i="1" dirty="0" smtClean="0">
+                        <a:latin typeface="Cambria Math" charset="0"/>
+                        <a:ea typeface="Cambria Math" charset="0"/>
+                        <a:cs typeface="Cambria Math" charset="0"/>
+                      </a:rPr>
+                      <m:t>𝑎</m:t>
+                    </m:r>
+                    <m:r>
+                      <a:rPr lang="de-DE" b="1" i="1">
+                        <a:latin typeface="Cambria Math" charset="0"/>
+                        <a:ea typeface="Cambria Math" charset="0"/>
+                        <a:cs typeface="Cambria Math" charset="0"/>
+                      </a:rPr>
+                      <m:t>∈</m:t>
+                    </m:r>
+                    <m:d>
+                      <m:dPr>
+                        <m:ctrlPr>
+                          <a:rPr lang="is-IS" i="1">
+                            <a:latin typeface="Cambria Math" charset="0"/>
+                            <a:ea typeface="Cambria Math" charset="0"/>
+                            <a:cs typeface="Cambria Math" charset="0"/>
+                          </a:rPr>
+                        </m:ctrlPr>
+                      </m:dPr>
+                      <m:e>
+                        <m:r>
+                          <a:rPr lang="de-DE" i="1">
+                            <a:latin typeface="Cambria Math" charset="0"/>
+                            <a:ea typeface="Cambria Math" charset="0"/>
+                            <a:cs typeface="Cambria Math" charset="0"/>
+                          </a:rPr>
+                          <m:t>0,</m:t>
+                        </m:r>
+                        <m:f>
+                          <m:fPr>
+                            <m:type m:val="lin"/>
+                            <m:ctrlPr>
+                              <a:rPr lang="de-DE" i="1">
+                                <a:latin typeface="Cambria Math" charset="0"/>
+                                <a:ea typeface="Cambria Math" charset="0"/>
+                                <a:cs typeface="Cambria Math" charset="0"/>
+                              </a:rPr>
+                            </m:ctrlPr>
+                          </m:fPr>
+                          <m:num>
+                            <m:r>
+                              <a:rPr lang="de-DE" i="1">
+                                <a:latin typeface="Cambria Math" charset="0"/>
+                                <a:ea typeface="Cambria Math" charset="0"/>
+                                <a:cs typeface="Cambria Math" charset="0"/>
+                              </a:rPr>
+                              <m:t>𝑞</m:t>
+                            </m:r>
+                          </m:num>
+                          <m:den>
+                            <m:r>
+                              <a:rPr lang="de-DE" i="1">
+                                <a:latin typeface="Cambria Math" charset="0"/>
+                                <a:ea typeface="Cambria Math" charset="0"/>
+                                <a:cs typeface="Cambria Math" charset="0"/>
+                              </a:rPr>
+                              <m:t>4</m:t>
+                            </m:r>
+                          </m:den>
+                        </m:f>
+                        <m:r>
+                          <a:rPr lang="bg-BG" i="1">
+                            <a:latin typeface="Cambria Math" charset="0"/>
+                            <a:ea typeface="Cambria Math" charset="0"/>
+                            <a:cs typeface="Cambria Math" charset="0"/>
+                          </a:rPr>
+                          <m:t> </m:t>
+                        </m:r>
+                      </m:e>
+                    </m:d>
+                    <m:r>
+                      <a:rPr lang="is-IS" i="1">
+                        <a:latin typeface="Cambria Math" charset="0"/>
+                        <a:ea typeface="Cambria Math" charset="0"/>
+                        <a:cs typeface="Cambria Math" charset="0"/>
+                      </a:rPr>
+                      <m:t>∪</m:t>
+                    </m:r>
+                    <m:d>
+                      <m:dPr>
+                        <m:ctrlPr>
+                          <a:rPr lang="is-IS" i="1">
+                            <a:latin typeface="Cambria Math" charset="0"/>
+                            <a:ea typeface="Cambria Math" charset="0"/>
+                            <a:cs typeface="Cambria Math" charset="0"/>
+                          </a:rPr>
+                        </m:ctrlPr>
+                      </m:dPr>
+                      <m:e>
+                        <m:f>
+                          <m:fPr>
+                            <m:type m:val="lin"/>
+                            <m:ctrlPr>
+                              <a:rPr lang="is-IS" i="1">
+                                <a:latin typeface="Cambria Math" charset="0"/>
+                                <a:ea typeface="Cambria Math" charset="0"/>
+                                <a:cs typeface="Cambria Math" charset="0"/>
+                              </a:rPr>
+                            </m:ctrlPr>
+                          </m:fPr>
+                          <m:num>
+                            <m:r>
+                              <a:rPr lang="de-DE" i="1">
+                                <a:latin typeface="Cambria Math" charset="0"/>
+                                <a:ea typeface="Cambria Math" charset="0"/>
+                                <a:cs typeface="Cambria Math" charset="0"/>
+                              </a:rPr>
+                              <m:t>3</m:t>
+                            </m:r>
+                            <m:r>
+                              <a:rPr lang="de-DE" i="1">
+                                <a:latin typeface="Cambria Math" charset="0"/>
+                                <a:ea typeface="Cambria Math" charset="0"/>
+                                <a:cs typeface="Cambria Math" charset="0"/>
+                              </a:rPr>
+                              <m:t>𝑞</m:t>
+                            </m:r>
+                          </m:num>
+                          <m:den>
+                            <m:r>
+                              <a:rPr lang="de-DE" i="1">
+                                <a:latin typeface="Cambria Math" charset="0"/>
+                                <a:ea typeface="Cambria Math" charset="0"/>
+                                <a:cs typeface="Cambria Math" charset="0"/>
+                              </a:rPr>
+                              <m:t>4</m:t>
+                            </m:r>
+                          </m:den>
+                        </m:f>
+                        <m:r>
+                          <a:rPr lang="de-DE" i="1">
+                            <a:latin typeface="Cambria Math" charset="0"/>
+                            <a:ea typeface="Cambria Math" charset="0"/>
+                            <a:cs typeface="Cambria Math" charset="0"/>
+                          </a:rPr>
+                          <m:t>,</m:t>
+                        </m:r>
+                        <m:r>
+                          <a:rPr lang="de-DE" i="1">
+                            <a:latin typeface="Cambria Math" charset="0"/>
+                            <a:ea typeface="Cambria Math" charset="0"/>
+                            <a:cs typeface="Cambria Math" charset="0"/>
+                          </a:rPr>
+                          <m:t>𝑞</m:t>
+                        </m:r>
+                      </m:e>
+                    </m:d>
+                    <m:r>
+                      <a:rPr lang="de-DE" b="1" i="1" dirty="0">
+                        <a:latin typeface="Cambria Math" charset="0"/>
+                        <a:ea typeface="Cambria Math" charset="0"/>
+                        <a:cs typeface="Cambria Math" charset="0"/>
+                      </a:rPr>
+                      <m:t>⟹</m:t>
+                    </m:r>
+                    <m:r>
+                      <a:rPr lang="de-DE" i="1">
+                        <a:latin typeface="Cambria Math" charset="0"/>
+                      </a:rPr>
+                      <m:t>𝐷𝐸𝐶𝑂𝐷𝐸</m:t>
+                    </m:r>
+                    <m:d>
+                      <m:dPr>
+                        <m:ctrlPr>
+                          <a:rPr lang="is-IS" i="1">
+                            <a:latin typeface="Cambria Math" charset="0"/>
+                          </a:rPr>
+                        </m:ctrlPr>
+                      </m:dPr>
+                      <m:e>
+                        <m:r>
+                          <a:rPr lang="de-DE" b="0" i="1" smtClean="0">
+                            <a:latin typeface="Cambria Math" charset="0"/>
+                          </a:rPr>
+                          <m:t>𝑎</m:t>
+                        </m:r>
+                      </m:e>
+                    </m:d>
+                    <m:r>
+                      <a:rPr lang="de-DE" i="1">
+                        <a:latin typeface="Cambria Math" charset="0"/>
+                      </a:rPr>
+                      <m:t>=</m:t>
+                    </m:r>
+                    <m:r>
+                      <a:rPr lang="de-DE" b="0" i="1" smtClean="0">
+                        <a:latin typeface="Cambria Math" charset="0"/>
+                      </a:rPr>
+                      <m:t>1</m:t>
+                    </m:r>
+                  </m:oMath>
+                </a14:m>
+                <a:endParaRPr lang="de-DE" b="1" dirty="0"/>
+              </a:p>
+            </p:txBody>
+          </p:sp>
+        </mc:Choice>
+        <mc:Fallback>
+          <p:sp>
+            <p:nvSpPr>
+              <p:cNvPr id="2" name="Textplatzhalter 1"/>
+              <p:cNvSpPr>
+                <a:spLocks noGrp="1" noRot="1" noChangeAspect="1" noMove="1" noResize="1" noEditPoints="1" noAdjustHandles="1" noChangeArrowheads="1" noChangeShapeType="1" noTextEdit="1"/>
+              </p:cNvSpPr>
+              <p:nvPr>
+                <p:ph type="body" sz="quarter" idx="10"/>
+              </p:nvPr>
+            </p:nvSpPr>
+            <p:spPr>
+              <a:blipFill rotWithShape="0">
+                <a:blip r:embed="rId2"/>
+                <a:stretch>
+                  <a:fillRect l="-944" b="-8899"/>
+                </a:stretch>
+              </a:blipFill>
+            </p:spPr>
+            <p:txBody>
+              <a:bodyPr/>
+              <a:lstStyle/>
+              <a:p>
+                <a:r>
+                  <a:rPr lang="de-DE">
+                    <a:noFill/>
+                  </a:rPr>
+                  <a:t> </a:t>
+                </a:r>
+              </a:p>
+            </p:txBody>
+          </p:sp>
+        </mc:Fallback>
+      </mc:AlternateContent>
       <p:sp>
         <p:nvSpPr>
           <p:cNvPr id="3" name="Titel 2"/>
@@ -4489,64 +5644,78 @@
           <a:lstStyle/>
           <a:p>
             <a:r>
-              <a:rPr lang="de-DE" dirty="0" err="1" smtClean="0"/>
+              <a:rPr lang="de-DE" dirty="0" err="1"/>
               <a:t>Masking</a:t>
             </a:r>
             <a:r>
-              <a:rPr lang="de-DE" dirty="0" smtClean="0"/>
+              <a:rPr lang="de-DE" dirty="0"/>
               <a:t> </a:t>
             </a:r>
             <a:r>
               <a:rPr lang="de-DE" dirty="0" err="1"/>
-              <a:t>U</a:t>
-            </a:r>
-            <a:r>
-              <a:rPr lang="de-DE" dirty="0" err="1" smtClean="0"/>
-              <a:t>sing</a:t>
-            </a:r>
-            <a:r>
-              <a:rPr lang="de-DE" dirty="0" smtClean="0"/>
+              <a:t>Using</a:t>
+            </a:r>
+            <a:r>
+              <a:rPr lang="de-DE" dirty="0"/>
               <a:t> a </a:t>
             </a:r>
             <a:r>
               <a:rPr lang="de-DE" dirty="0" err="1"/>
-              <a:t>M</a:t>
-            </a:r>
-            <a:r>
-              <a:rPr lang="de-DE" dirty="0" err="1" smtClean="0"/>
-              <a:t>asked</a:t>
-            </a:r>
-            <a:r>
-              <a:rPr lang="de-DE" dirty="0" smtClean="0"/>
-              <a:t> </a:t>
+              <a:t>Masked</a:t>
             </a:r>
             <a:r>
               <a:rPr lang="de-DE" dirty="0"/>
-              <a:t>D</a:t>
-            </a:r>
-            <a:r>
-              <a:rPr lang="de-DE" dirty="0" smtClean="0"/>
-              <a:t>ecoder</a:t>
-            </a:r>
-            <a:r>
-              <a:rPr lang="de-DE" dirty="0"/>
-              <a:t/>
+              <a:t> Decoder</a:t>
             </a:r>
             <a:br>
               <a:rPr lang="de-DE" dirty="0"/>
             </a:br>
             <a:r>
               <a:rPr lang="de-DE" sz="2800" b="0" dirty="0" err="1" smtClean="0"/>
-              <a:t>Overview</a:t>
+              <a:t>Masked</a:t>
+            </a:r>
+            <a:r>
+              <a:rPr lang="de-DE" sz="2800" b="0" dirty="0" smtClean="0"/>
+              <a:t> Decoder</a:t>
             </a:r>
             <a:endParaRPr lang="de-DE" dirty="0"/>
           </a:p>
         </p:txBody>
       </p:sp>
+      <p:pic>
+        <p:nvPicPr>
+          <p:cNvPr id="4" name="Bild 3"/>
+          <p:cNvPicPr>
+            <a:picLocks noChangeAspect="1"/>
+          </p:cNvPicPr>
+          <p:nvPr/>
+        </p:nvPicPr>
+        <p:blipFill>
+          <a:blip r:embed="rId3">
+            <a:extLst>
+              <a:ext uri="{28A0092B-C50C-407E-A947-70E740481C1C}">
+                <a14:useLocalDpi xmlns:a14="http://schemas.microsoft.com/office/drawing/2010/main" val="0"/>
+              </a:ext>
+            </a:extLst>
+          </a:blip>
+          <a:stretch>
+            <a:fillRect/>
+          </a:stretch>
+        </p:blipFill>
+        <p:spPr>
+          <a:xfrm>
+            <a:off x="520437" y="2299651"/>
+            <a:ext cx="9039750" cy="3059004"/>
+          </a:xfrm>
+          <a:prstGeom prst="rect">
+            <a:avLst/>
+          </a:prstGeom>
+        </p:spPr>
+      </p:pic>
     </p:spTree>
     <p:extLst>
       <p:ext uri="{BB962C8B-B14F-4D97-AF65-F5344CB8AC3E}">
-        <p14:creationId xmlns:p14="http://schemas.microsoft.com/office/powerpoint/2010/main" val="1862829395"/>
+        <p14:creationId xmlns:p14="http://schemas.microsoft.com/office/powerpoint/2010/main" val="69473005"/>
       </p:ext>
     </p:extLst>
   </p:cSld>
@@ -4558,6 +5727,947 @@
 </file>
 
 <file path=ppt/slides/slide13.xml><?xml version="1.0" encoding="utf-8"?>
+<p:sld xmlns:a="http://schemas.openxmlformats.org/drawingml/2006/main" xmlns:r="http://schemas.openxmlformats.org/officeDocument/2006/relationships" xmlns:p="http://schemas.openxmlformats.org/presentationml/2006/main">
+  <p:cSld>
+    <p:spTree>
+      <p:nvGrpSpPr>
+        <p:cNvPr id="1" name=""/>
+        <p:cNvGrpSpPr/>
+        <p:nvPr/>
+      </p:nvGrpSpPr>
+      <p:grpSpPr>
+        <a:xfrm>
+          <a:off x="0" y="0"/>
+          <a:ext cx="0" cy="0"/>
+          <a:chOff x="0" y="0"/>
+          <a:chExt cx="0" cy="0"/>
+        </a:xfrm>
+      </p:grpSpPr>
+      <mc:AlternateContent xmlns:mc="http://schemas.openxmlformats.org/markup-compatibility/2006">
+        <mc:Choice xmlns:a14="http://schemas.microsoft.com/office/drawing/2010/main" Requires="a14">
+          <p:sp>
+            <p:nvSpPr>
+              <p:cNvPr id="2" name="Textplatzhalter 1"/>
+              <p:cNvSpPr>
+                <a:spLocks noGrp="1"/>
+              </p:cNvSpPr>
+              <p:nvPr>
+                <p:ph type="body" sz="quarter" idx="10"/>
+              </p:nvPr>
+            </p:nvSpPr>
+            <p:spPr/>
+            <p:txBody>
+              <a:bodyPr/>
+              <a:lstStyle/>
+              <a:p>
+                <a:r>
+                  <a:rPr lang="de-DE" b="1" dirty="0" smtClean="0"/>
+                  <a:t>Recall:</a:t>
+                </a:r>
+                <a:r>
+                  <a:rPr lang="de-DE" dirty="0" smtClean="0"/>
+                  <a:t> 	</a:t>
+                </a:r>
+                <a14:m>
+                  <m:oMath xmlns:m="http://schemas.openxmlformats.org/officeDocument/2006/math">
+                    <m:r>
+                      <a:rPr lang="de-DE" i="1">
+                        <a:latin typeface="Cambria Math" charset="0"/>
+                      </a:rPr>
+                      <m:t>𝐷𝐸𝐶𝑂𝐷𝐸</m:t>
+                    </m:r>
+                    <m:d>
+                      <m:dPr>
+                        <m:ctrlPr>
+                          <a:rPr lang="is-IS" i="1">
+                            <a:latin typeface="Cambria Math" charset="0"/>
+                          </a:rPr>
+                        </m:ctrlPr>
+                      </m:dPr>
+                      <m:e>
+                        <m:r>
+                          <a:rPr lang="de-DE" i="1">
+                            <a:latin typeface="Cambria Math" charset="0"/>
+                          </a:rPr>
+                          <m:t>𝑥</m:t>
+                        </m:r>
+                      </m:e>
+                    </m:d>
+                    <m:r>
+                      <a:rPr lang="de-DE" i="1">
+                        <a:latin typeface="Cambria Math" charset="0"/>
+                      </a:rPr>
+                      <m:t>=</m:t>
+                    </m:r>
+                    <m:d>
+                      <m:dPr>
+                        <m:begChr m:val="{"/>
+                        <m:endChr m:val=""/>
+                        <m:ctrlPr>
+                          <a:rPr lang="cs-CZ" i="1">
+                            <a:latin typeface="Cambria Math" charset="0"/>
+                          </a:rPr>
+                        </m:ctrlPr>
+                      </m:dPr>
+                      <m:e>
+                        <m:eqArr>
+                          <m:eqArrPr>
+                            <m:ctrlPr>
+                              <a:rPr lang="cs-CZ" i="1">
+                                <a:latin typeface="Cambria Math" charset="0"/>
+                              </a:rPr>
+                            </m:ctrlPr>
+                          </m:eqArrPr>
+                          <m:e>
+                            <m:r>
+                              <a:rPr lang="de-DE" i="1">
+                                <a:latin typeface="Cambria Math" charset="0"/>
+                              </a:rPr>
+                              <m:t>0,   </m:t>
+                            </m:r>
+                            <m:r>
+                              <a:rPr lang="de-DE" i="1">
+                                <a:latin typeface="Cambria Math" charset="0"/>
+                              </a:rPr>
+                              <m:t>𝑥</m:t>
+                            </m:r>
+                            <m:r>
+                              <a:rPr lang="de-DE" i="1">
+                                <a:latin typeface="Cambria Math" charset="0"/>
+                                <a:ea typeface="Cambria Math" charset="0"/>
+                                <a:cs typeface="Cambria Math" charset="0"/>
+                              </a:rPr>
+                              <m:t>∈</m:t>
+                            </m:r>
+                            <m:d>
+                              <m:dPr>
+                                <m:ctrlPr>
+                                  <a:rPr lang="is-IS" i="1">
+                                    <a:latin typeface="Cambria Math" charset="0"/>
+                                    <a:ea typeface="Cambria Math" charset="0"/>
+                                    <a:cs typeface="Cambria Math" charset="0"/>
+                                  </a:rPr>
+                                </m:ctrlPr>
+                              </m:dPr>
+                              <m:e>
+                                <m:r>
+                                  <a:rPr lang="de-DE" i="1">
+                                    <a:latin typeface="Cambria Math" charset="0"/>
+                                    <a:ea typeface="Cambria Math" charset="0"/>
+                                    <a:cs typeface="Cambria Math" charset="0"/>
+                                  </a:rPr>
+                                  <m:t>0,</m:t>
+                                </m:r>
+                                <m:f>
+                                  <m:fPr>
+                                    <m:type m:val="lin"/>
+                                    <m:ctrlPr>
+                                      <a:rPr lang="de-DE" i="1">
+                                        <a:latin typeface="Cambria Math" charset="0"/>
+                                        <a:ea typeface="Cambria Math" charset="0"/>
+                                        <a:cs typeface="Cambria Math" charset="0"/>
+                                      </a:rPr>
+                                    </m:ctrlPr>
+                                  </m:fPr>
+                                  <m:num>
+                                    <m:r>
+                                      <a:rPr lang="de-DE" i="1">
+                                        <a:latin typeface="Cambria Math" charset="0"/>
+                                        <a:ea typeface="Cambria Math" charset="0"/>
+                                        <a:cs typeface="Cambria Math" charset="0"/>
+                                      </a:rPr>
+                                      <m:t>𝑞</m:t>
+                                    </m:r>
+                                  </m:num>
+                                  <m:den>
+                                    <m:r>
+                                      <a:rPr lang="de-DE" i="1">
+                                        <a:latin typeface="Cambria Math" charset="0"/>
+                                        <a:ea typeface="Cambria Math" charset="0"/>
+                                        <a:cs typeface="Cambria Math" charset="0"/>
+                                      </a:rPr>
+                                      <m:t>4</m:t>
+                                    </m:r>
+                                  </m:den>
+                                </m:f>
+                                <m:r>
+                                  <a:rPr lang="bg-BG" i="1">
+                                    <a:latin typeface="Cambria Math" charset="0"/>
+                                    <a:ea typeface="Cambria Math" charset="0"/>
+                                    <a:cs typeface="Cambria Math" charset="0"/>
+                                  </a:rPr>
+                                  <m:t> </m:t>
+                                </m:r>
+                              </m:e>
+                            </m:d>
+                            <m:r>
+                              <a:rPr lang="is-IS" i="1">
+                                <a:latin typeface="Cambria Math" charset="0"/>
+                                <a:ea typeface="Cambria Math" charset="0"/>
+                                <a:cs typeface="Cambria Math" charset="0"/>
+                              </a:rPr>
+                              <m:t>∪</m:t>
+                            </m:r>
+                            <m:d>
+                              <m:dPr>
+                                <m:ctrlPr>
+                                  <a:rPr lang="is-IS" i="1">
+                                    <a:latin typeface="Cambria Math" charset="0"/>
+                                    <a:ea typeface="Cambria Math" charset="0"/>
+                                    <a:cs typeface="Cambria Math" charset="0"/>
+                                  </a:rPr>
+                                </m:ctrlPr>
+                              </m:dPr>
+                              <m:e>
+                                <m:f>
+                                  <m:fPr>
+                                    <m:type m:val="lin"/>
+                                    <m:ctrlPr>
+                                      <a:rPr lang="is-IS" i="1">
+                                        <a:latin typeface="Cambria Math" charset="0"/>
+                                        <a:ea typeface="Cambria Math" charset="0"/>
+                                        <a:cs typeface="Cambria Math" charset="0"/>
+                                      </a:rPr>
+                                    </m:ctrlPr>
+                                  </m:fPr>
+                                  <m:num>
+                                    <m:r>
+                                      <a:rPr lang="de-DE" i="1">
+                                        <a:latin typeface="Cambria Math" charset="0"/>
+                                        <a:ea typeface="Cambria Math" charset="0"/>
+                                        <a:cs typeface="Cambria Math" charset="0"/>
+                                      </a:rPr>
+                                      <m:t>3</m:t>
+                                    </m:r>
+                                    <m:r>
+                                      <a:rPr lang="de-DE" i="1">
+                                        <a:latin typeface="Cambria Math" charset="0"/>
+                                        <a:ea typeface="Cambria Math" charset="0"/>
+                                        <a:cs typeface="Cambria Math" charset="0"/>
+                                      </a:rPr>
+                                      <m:t>𝑞</m:t>
+                                    </m:r>
+                                  </m:num>
+                                  <m:den>
+                                    <m:r>
+                                      <a:rPr lang="de-DE" i="1">
+                                        <a:latin typeface="Cambria Math" charset="0"/>
+                                        <a:ea typeface="Cambria Math" charset="0"/>
+                                        <a:cs typeface="Cambria Math" charset="0"/>
+                                      </a:rPr>
+                                      <m:t>4</m:t>
+                                    </m:r>
+                                  </m:den>
+                                </m:f>
+                                <m:r>
+                                  <a:rPr lang="de-DE" i="1">
+                                    <a:latin typeface="Cambria Math" charset="0"/>
+                                    <a:ea typeface="Cambria Math" charset="0"/>
+                                    <a:cs typeface="Cambria Math" charset="0"/>
+                                  </a:rPr>
+                                  <m:t>,</m:t>
+                                </m:r>
+                                <m:r>
+                                  <a:rPr lang="de-DE" i="1">
+                                    <a:latin typeface="Cambria Math" charset="0"/>
+                                    <a:ea typeface="Cambria Math" charset="0"/>
+                                    <a:cs typeface="Cambria Math" charset="0"/>
+                                  </a:rPr>
+                                  <m:t>𝑞</m:t>
+                                </m:r>
+                              </m:e>
+                            </m:d>
+                          </m:e>
+                          <m:e>
+                            <m:r>
+                              <a:rPr lang="de-DE" i="1">
+                                <a:latin typeface="Cambria Math" charset="0"/>
+                              </a:rPr>
+                              <m:t>1</m:t>
+                            </m:r>
+                            <m:r>
+                              <a:rPr lang="de-DE" i="1">
+                                <a:latin typeface="Cambria Math" charset="0"/>
+                              </a:rPr>
+                              <m:t>, </m:t>
+                            </m:r>
+                            <m:r>
+                              <a:rPr lang="de-DE" i="1">
+                                <a:latin typeface="Cambria Math" charset="0"/>
+                              </a:rPr>
+                              <m:t>                 </m:t>
+                            </m:r>
+                            <m:r>
+                              <a:rPr lang="de-DE" i="1">
+                                <a:latin typeface="Cambria Math" charset="0"/>
+                              </a:rPr>
+                              <m:t>𝑥</m:t>
+                            </m:r>
+                            <m:r>
+                              <a:rPr lang="de-DE" i="1">
+                                <a:latin typeface="Cambria Math" charset="0"/>
+                                <a:ea typeface="Cambria Math" charset="0"/>
+                                <a:cs typeface="Cambria Math" charset="0"/>
+                              </a:rPr>
+                              <m:t>∈</m:t>
+                            </m:r>
+                            <m:d>
+                              <m:dPr>
+                                <m:ctrlPr>
+                                  <a:rPr lang="is-IS" i="1">
+                                    <a:latin typeface="Cambria Math" charset="0"/>
+                                    <a:ea typeface="Cambria Math" charset="0"/>
+                                    <a:cs typeface="Cambria Math" charset="0"/>
+                                  </a:rPr>
+                                </m:ctrlPr>
+                              </m:dPr>
+                              <m:e>
+                                <m:f>
+                                  <m:fPr>
+                                    <m:type m:val="lin"/>
+                                    <m:ctrlPr>
+                                      <a:rPr lang="is-IS" i="1">
+                                        <a:latin typeface="Cambria Math" charset="0"/>
+                                        <a:ea typeface="Cambria Math" charset="0"/>
+                                        <a:cs typeface="Cambria Math" charset="0"/>
+                                      </a:rPr>
+                                    </m:ctrlPr>
+                                  </m:fPr>
+                                  <m:num>
+                                    <m:r>
+                                      <a:rPr lang="de-DE" i="1">
+                                        <a:latin typeface="Cambria Math" charset="0"/>
+                                        <a:ea typeface="Cambria Math" charset="0"/>
+                                        <a:cs typeface="Cambria Math" charset="0"/>
+                                      </a:rPr>
+                                      <m:t>𝑞</m:t>
+                                    </m:r>
+                                  </m:num>
+                                  <m:den>
+                                    <m:r>
+                                      <a:rPr lang="de-DE" i="1">
+                                        <a:latin typeface="Cambria Math" charset="0"/>
+                                        <a:ea typeface="Cambria Math" charset="0"/>
+                                        <a:cs typeface="Cambria Math" charset="0"/>
+                                      </a:rPr>
+                                      <m:t>4</m:t>
+                                    </m:r>
+                                  </m:den>
+                                </m:f>
+                                <m:r>
+                                  <a:rPr lang="de-DE" i="1">
+                                    <a:latin typeface="Cambria Math" charset="0"/>
+                                    <a:ea typeface="Cambria Math" charset="0"/>
+                                    <a:cs typeface="Cambria Math" charset="0"/>
+                                  </a:rPr>
+                                  <m:t>,</m:t>
+                                </m:r>
+                                <m:f>
+                                  <m:fPr>
+                                    <m:type m:val="lin"/>
+                                    <m:ctrlPr>
+                                      <a:rPr lang="de-DE" i="1">
+                                        <a:latin typeface="Cambria Math" charset="0"/>
+                                        <a:ea typeface="Cambria Math" charset="0"/>
+                                        <a:cs typeface="Cambria Math" charset="0"/>
+                                      </a:rPr>
+                                    </m:ctrlPr>
+                                  </m:fPr>
+                                  <m:num>
+                                    <m:r>
+                                      <a:rPr lang="de-DE" i="1">
+                                        <a:latin typeface="Cambria Math" charset="0"/>
+                                        <a:ea typeface="Cambria Math" charset="0"/>
+                                        <a:cs typeface="Cambria Math" charset="0"/>
+                                      </a:rPr>
+                                      <m:t>3</m:t>
+                                    </m:r>
+                                    <m:r>
+                                      <a:rPr lang="de-DE" i="1">
+                                        <a:latin typeface="Cambria Math" charset="0"/>
+                                        <a:ea typeface="Cambria Math" charset="0"/>
+                                        <a:cs typeface="Cambria Math" charset="0"/>
+                                      </a:rPr>
+                                      <m:t>𝑞</m:t>
+                                    </m:r>
+                                  </m:num>
+                                  <m:den>
+                                    <m:r>
+                                      <a:rPr lang="de-DE" i="1">
+                                        <a:latin typeface="Cambria Math" charset="0"/>
+                                        <a:ea typeface="Cambria Math" charset="0"/>
+                                        <a:cs typeface="Cambria Math" charset="0"/>
+                                      </a:rPr>
+                                      <m:t>4</m:t>
+                                    </m:r>
+                                  </m:den>
+                                </m:f>
+                              </m:e>
+                            </m:d>
+                          </m:e>
+                        </m:eqArr>
+                      </m:e>
+                    </m:d>
+                  </m:oMath>
+                </a14:m>
+                <a:endParaRPr lang="de-DE" dirty="0" smtClean="0"/>
+              </a:p>
+              <a:p>
+                <a:endParaRPr lang="de-DE" dirty="0"/>
+              </a:p>
+              <a:p>
+                <a:endParaRPr lang="de-DE" dirty="0" smtClean="0"/>
+              </a:p>
+              <a:p>
+                <a:endParaRPr lang="de-DE" dirty="0"/>
+              </a:p>
+              <a:p>
+                <a:endParaRPr lang="de-DE" dirty="0" smtClean="0"/>
+              </a:p>
+              <a:p>
+                <a:endParaRPr lang="de-DE" dirty="0"/>
+              </a:p>
+              <a:p>
+                <a:endParaRPr lang="de-DE" dirty="0" smtClean="0"/>
+              </a:p>
+              <a:p>
+                <a:endParaRPr lang="de-DE" dirty="0"/>
+              </a:p>
+              <a:p>
+                <a:endParaRPr lang="de-DE" dirty="0" smtClean="0"/>
+              </a:p>
+              <a:p>
+                <a:r>
+                  <a:rPr lang="de-DE" dirty="0" err="1" smtClean="0"/>
+                  <a:t>If</a:t>
+                </a:r>
+                <a:r>
+                  <a:rPr lang="de-DE" dirty="0" smtClean="0"/>
+                  <a:t> </a:t>
+                </a:r>
+                <a:r>
+                  <a:rPr lang="de-DE" dirty="0" err="1" smtClean="0"/>
+                  <a:t>no</a:t>
+                </a:r>
+                <a:r>
+                  <a:rPr lang="de-DE" dirty="0" smtClean="0"/>
+                  <a:t> </a:t>
+                </a:r>
+                <a:r>
+                  <a:rPr lang="de-DE" dirty="0" err="1" smtClean="0"/>
+                  <a:t>rule</a:t>
+                </a:r>
+                <a:r>
+                  <a:rPr lang="de-DE" dirty="0" smtClean="0"/>
+                  <a:t> </a:t>
+                </a:r>
+                <a:r>
+                  <a:rPr lang="de-DE" dirty="0" err="1" smtClean="0"/>
+                  <a:t>is</a:t>
+                </a:r>
+                <a:r>
+                  <a:rPr lang="de-DE" dirty="0" smtClean="0"/>
+                  <a:t> </a:t>
+                </a:r>
+                <a:r>
+                  <a:rPr lang="de-DE" dirty="0" err="1" smtClean="0"/>
+                  <a:t>met</a:t>
+                </a:r>
+                <a:r>
+                  <a:rPr lang="de-DE" dirty="0" smtClean="0"/>
+                  <a:t> (</a:t>
+                </a:r>
+                <a:r>
+                  <a:rPr lang="de-DE" dirty="0" err="1" smtClean="0"/>
+                  <a:t>right</a:t>
+                </a:r>
+                <a:r>
+                  <a:rPr lang="de-DE" dirty="0" smtClean="0"/>
+                  <a:t> </a:t>
+                </a:r>
+                <a:r>
+                  <a:rPr lang="de-DE" dirty="0" err="1" smtClean="0"/>
+                  <a:t>two</a:t>
+                </a:r>
+                <a:r>
+                  <a:rPr lang="de-DE" dirty="0" smtClean="0"/>
+                  <a:t> </a:t>
+                </a:r>
+                <a:r>
+                  <a:rPr lang="de-DE" dirty="0" err="1" smtClean="0"/>
+                  <a:t>cases</a:t>
+                </a:r>
+                <a:r>
+                  <a:rPr lang="de-DE" dirty="0" smtClean="0"/>
+                  <a:t>), </a:t>
+                </a:r>
+                <a:r>
+                  <a:rPr lang="de-DE" dirty="0" err="1" smtClean="0"/>
+                  <a:t>refresh</a:t>
+                </a:r>
+                <a:r>
+                  <a:rPr lang="de-DE" dirty="0" smtClean="0"/>
+                  <a:t> </a:t>
+                </a:r>
+                <a:r>
+                  <a:rPr lang="de-DE" dirty="0" err="1" smtClean="0"/>
+                  <a:t>and</a:t>
+                </a:r>
+                <a:r>
+                  <a:rPr lang="de-DE" dirty="0" smtClean="0"/>
+                  <a:t> </a:t>
+                </a:r>
+                <a:r>
+                  <a:rPr lang="de-DE" dirty="0" err="1" smtClean="0"/>
+                  <a:t>repeat</a:t>
+                </a:r>
+                <a:endParaRPr lang="de-DE" dirty="0" smtClean="0"/>
+              </a:p>
+              <a:p>
+                <a:pPr lvl="1"/>
+                <a:r>
+                  <a:rPr lang="de-DE" dirty="0" smtClean="0"/>
+                  <a:t>Refresh: </a:t>
+                </a:r>
+                <a14:m>
+                  <m:oMath xmlns:m="http://schemas.openxmlformats.org/officeDocument/2006/math">
+                    <m:sSup>
+                      <m:sSupPr>
+                        <m:ctrlPr>
+                          <a:rPr lang="de-DE" b="0" i="1" smtClean="0">
+                            <a:latin typeface="Cambria Math" charset="0"/>
+                          </a:rPr>
+                        </m:ctrlPr>
+                      </m:sSupPr>
+                      <m:e>
+                        <m:r>
+                          <a:rPr lang="de-DE" b="0" i="1" smtClean="0">
+                            <a:latin typeface="Cambria Math" charset="0"/>
+                          </a:rPr>
+                          <m:t>𝑎</m:t>
+                        </m:r>
+                      </m:e>
+                      <m:sup>
+                        <m:r>
+                          <a:rPr lang="de-DE" b="0" i="1" smtClean="0">
+                            <a:latin typeface="Cambria Math" charset="0"/>
+                          </a:rPr>
+                          <m:t>′</m:t>
+                        </m:r>
+                      </m:sup>
+                    </m:sSup>
+                    <m:r>
+                      <a:rPr lang="de-DE" b="0" i="1" smtClean="0">
+                        <a:latin typeface="Cambria Math" charset="0"/>
+                      </a:rPr>
+                      <m:t>=</m:t>
+                    </m:r>
+                    <m:sSup>
+                      <m:sSupPr>
+                        <m:ctrlPr>
+                          <a:rPr lang="de-DE" b="0" i="1" smtClean="0">
+                            <a:latin typeface="Cambria Math" charset="0"/>
+                          </a:rPr>
+                        </m:ctrlPr>
+                      </m:sSupPr>
+                      <m:e>
+                        <m:r>
+                          <a:rPr lang="de-DE" b="0" i="1" smtClean="0">
+                            <a:latin typeface="Cambria Math" charset="0"/>
+                          </a:rPr>
+                          <m:t>𝑎</m:t>
+                        </m:r>
+                      </m:e>
+                      <m:sup>
+                        <m:r>
+                          <a:rPr lang="de-DE" b="0" i="1" smtClean="0">
+                            <a:latin typeface="Cambria Math" charset="0"/>
+                          </a:rPr>
+                          <m:t>′</m:t>
+                        </m:r>
+                      </m:sup>
+                    </m:sSup>
+                    <m:r>
+                      <a:rPr lang="de-DE" b="0" i="1" smtClean="0">
+                        <a:latin typeface="Cambria Math" charset="0"/>
+                      </a:rPr>
+                      <m:t>+</m:t>
+                    </m:r>
+                    <m:sSub>
+                      <m:sSubPr>
+                        <m:ctrlPr>
+                          <a:rPr lang="en-US" b="0" i="1" smtClean="0">
+                            <a:latin typeface="Cambria Math" charset="0"/>
+                          </a:rPr>
+                        </m:ctrlPr>
+                      </m:sSubPr>
+                      <m:e>
+                        <m:r>
+                          <m:rPr>
+                            <m:sty m:val="p"/>
+                          </m:rPr>
+                          <a:rPr lang="el-GR" b="0" i="1" smtClean="0">
+                            <a:latin typeface="Cambria Math" charset="0"/>
+                            <a:ea typeface="Cambria Math" charset="0"/>
+                            <a:cs typeface="Cambria Math" charset="0"/>
+                          </a:rPr>
+                          <m:t>Δ</m:t>
+                        </m:r>
+                      </m:e>
+                      <m:sub>
+                        <m:r>
+                          <a:rPr lang="de-DE" b="0" i="1" smtClean="0">
+                            <a:latin typeface="Cambria Math" charset="0"/>
+                          </a:rPr>
+                          <m:t>𝑖</m:t>
+                        </m:r>
+                      </m:sub>
+                    </m:sSub>
+                  </m:oMath>
+                </a14:m>
+                <a:r>
+                  <a:rPr lang="de-DE" dirty="0" smtClean="0"/>
+                  <a:t> and </a:t>
+                </a:r>
+                <a14:m>
+                  <m:oMath xmlns:m="http://schemas.openxmlformats.org/officeDocument/2006/math">
+                    <m:sSup>
+                      <m:sSupPr>
+                        <m:ctrlPr>
+                          <a:rPr lang="de-DE" i="1">
+                            <a:latin typeface="Cambria Math" charset="0"/>
+                          </a:rPr>
+                        </m:ctrlPr>
+                      </m:sSupPr>
+                      <m:e>
+                        <m:r>
+                          <a:rPr lang="de-DE" i="1">
+                            <a:latin typeface="Cambria Math" charset="0"/>
+                          </a:rPr>
+                          <m:t>𝑎</m:t>
+                        </m:r>
+                        <m:r>
+                          <a:rPr lang="de-DE" b="0" i="1" smtClean="0">
+                            <a:latin typeface="Cambria Math" charset="0"/>
+                          </a:rPr>
+                          <m:t>′</m:t>
+                        </m:r>
+                      </m:e>
+                      <m:sup>
+                        <m:r>
+                          <a:rPr lang="de-DE" i="1">
+                            <a:latin typeface="Cambria Math" charset="0"/>
+                          </a:rPr>
+                          <m:t>′</m:t>
+                        </m:r>
+                      </m:sup>
+                    </m:sSup>
+                    <m:r>
+                      <a:rPr lang="de-DE" i="1">
+                        <a:latin typeface="Cambria Math" charset="0"/>
+                      </a:rPr>
+                      <m:t>=</m:t>
+                    </m:r>
+                    <m:sSup>
+                      <m:sSupPr>
+                        <m:ctrlPr>
+                          <a:rPr lang="de-DE" i="1">
+                            <a:latin typeface="Cambria Math" charset="0"/>
+                          </a:rPr>
+                        </m:ctrlPr>
+                      </m:sSupPr>
+                      <m:e>
+                        <m:r>
+                          <a:rPr lang="de-DE" i="1">
+                            <a:latin typeface="Cambria Math" charset="0"/>
+                          </a:rPr>
+                          <m:t>𝑎</m:t>
+                        </m:r>
+                        <m:r>
+                          <a:rPr lang="de-DE" b="0" i="1" smtClean="0">
+                            <a:latin typeface="Cambria Math" charset="0"/>
+                          </a:rPr>
+                          <m:t>′</m:t>
+                        </m:r>
+                      </m:e>
+                      <m:sup>
+                        <m:r>
+                          <a:rPr lang="de-DE" i="1">
+                            <a:latin typeface="Cambria Math" charset="0"/>
+                          </a:rPr>
+                          <m:t>′</m:t>
+                        </m:r>
+                      </m:sup>
+                    </m:sSup>
+                    <m:r>
+                      <a:rPr lang="de-DE" b="0" i="1" smtClean="0">
+                        <a:latin typeface="Cambria Math" charset="0"/>
+                      </a:rPr>
+                      <m:t>−</m:t>
+                    </m:r>
+                    <m:sSub>
+                      <m:sSubPr>
+                        <m:ctrlPr>
+                          <a:rPr lang="en-US" i="1">
+                            <a:latin typeface="Cambria Math" charset="0"/>
+                          </a:rPr>
+                        </m:ctrlPr>
+                      </m:sSubPr>
+                      <m:e>
+                        <m:r>
+                          <m:rPr>
+                            <m:sty m:val="p"/>
+                          </m:rPr>
+                          <a:rPr lang="el-GR" i="1">
+                            <a:latin typeface="Cambria Math" charset="0"/>
+                            <a:ea typeface="Cambria Math" charset="0"/>
+                            <a:cs typeface="Cambria Math" charset="0"/>
+                          </a:rPr>
+                          <m:t>Δ</m:t>
+                        </m:r>
+                      </m:e>
+                      <m:sub>
+                        <m:r>
+                          <a:rPr lang="de-DE" i="1">
+                            <a:latin typeface="Cambria Math" charset="0"/>
+                          </a:rPr>
+                          <m:t>𝑖</m:t>
+                        </m:r>
+                      </m:sub>
+                    </m:sSub>
+                  </m:oMath>
+                </a14:m>
+                <a:r>
+                  <a:rPr lang="de-DE" dirty="0" smtClean="0"/>
+                  <a:t> </a:t>
+                </a:r>
+                <a:r>
+                  <a:rPr lang="de-DE" dirty="0" err="1" smtClean="0"/>
+                  <a:t>for</a:t>
+                </a:r>
+                <a:r>
+                  <a:rPr lang="de-DE" dirty="0" smtClean="0"/>
+                  <a:t> </a:t>
+                </a:r>
+                <a14:m>
+                  <m:oMath xmlns:m="http://schemas.openxmlformats.org/officeDocument/2006/math">
+                    <m:r>
+                      <a:rPr lang="de-DE" b="0" i="1" smtClean="0">
+                        <a:latin typeface="Cambria Math" charset="0"/>
+                      </a:rPr>
+                      <m:t>𝑖</m:t>
+                    </m:r>
+                    <m:r>
+                      <a:rPr lang="de-DE" b="0" i="1" smtClean="0">
+                        <a:latin typeface="Cambria Math" charset="0"/>
+                        <a:ea typeface="Cambria Math" charset="0"/>
+                        <a:cs typeface="Cambria Math" charset="0"/>
+                      </a:rPr>
+                      <m:t>∈{0,…,</m:t>
+                    </m:r>
+                    <m:r>
+                      <a:rPr lang="de-DE" b="0" i="1" smtClean="0">
+                        <a:latin typeface="Cambria Math" charset="0"/>
+                        <a:ea typeface="Cambria Math" charset="0"/>
+                        <a:cs typeface="Cambria Math" charset="0"/>
+                      </a:rPr>
+                      <m:t>𝑁</m:t>
+                    </m:r>
+                    <m:r>
+                      <a:rPr lang="de-DE" b="0" i="1" smtClean="0">
+                        <a:latin typeface="Cambria Math" charset="0"/>
+                        <a:ea typeface="Cambria Math" charset="0"/>
+                        <a:cs typeface="Cambria Math" charset="0"/>
+                      </a:rPr>
+                      <m:t>}</m:t>
+                    </m:r>
+                  </m:oMath>
+                </a14:m>
+                <a:endParaRPr lang="de-DE" dirty="0" smtClean="0"/>
+              </a:p>
+              <a:p>
+                <a:pPr lvl="1"/>
+                <a:r>
+                  <a:rPr lang="de-DE" dirty="0" err="1" smtClean="0"/>
+                  <a:t>Satisfactory</a:t>
+                </a:r>
+                <a:r>
+                  <a:rPr lang="de-DE" dirty="0" smtClean="0"/>
+                  <a:t> </a:t>
+                </a:r>
+                <a:r>
+                  <a:rPr lang="de-DE" dirty="0" err="1" smtClean="0"/>
+                  <a:t>results</a:t>
+                </a:r>
+                <a:r>
+                  <a:rPr lang="de-DE" dirty="0" smtClean="0"/>
+                  <a:t> </a:t>
+                </a:r>
+                <a:r>
+                  <a:rPr lang="de-DE" dirty="0" err="1" smtClean="0"/>
+                  <a:t>for</a:t>
+                </a:r>
+                <a:r>
+                  <a:rPr lang="de-DE" dirty="0" smtClean="0"/>
+                  <a:t> </a:t>
+                </a:r>
+                <a14:m>
+                  <m:oMath xmlns:m="http://schemas.openxmlformats.org/officeDocument/2006/math">
+                    <m:r>
+                      <a:rPr lang="de-DE" b="0" i="1" smtClean="0">
+                        <a:latin typeface="Cambria Math" charset="0"/>
+                      </a:rPr>
+                      <m:t>𝑁</m:t>
+                    </m:r>
+                    <m:r>
+                      <a:rPr lang="de-DE" b="0" i="1" smtClean="0">
+                        <a:latin typeface="Cambria Math" charset="0"/>
+                      </a:rPr>
+                      <m:t>=16</m:t>
+                    </m:r>
+                  </m:oMath>
+                </a14:m>
+                <a:r>
+                  <a:rPr lang="de-DE" dirty="0" smtClean="0"/>
+                  <a:t> iterations</a:t>
+                </a:r>
+              </a:p>
+            </p:txBody>
+          </p:sp>
+        </mc:Choice>
+        <mc:Fallback>
+          <p:sp>
+            <p:nvSpPr>
+              <p:cNvPr id="2" name="Textplatzhalter 1"/>
+              <p:cNvSpPr>
+                <a:spLocks noGrp="1" noRot="1" noChangeAspect="1" noMove="1" noResize="1" noEditPoints="1" noAdjustHandles="1" noChangeArrowheads="1" noChangeShapeType="1" noTextEdit="1"/>
+              </p:cNvSpPr>
+              <p:nvPr>
+                <p:ph type="body" sz="quarter" idx="10"/>
+              </p:nvPr>
+            </p:nvSpPr>
+            <p:spPr>
+              <a:blipFill rotWithShape="0">
+                <a:blip r:embed="rId2"/>
+                <a:stretch>
+                  <a:fillRect l="-944" b="-4004"/>
+                </a:stretch>
+              </a:blipFill>
+            </p:spPr>
+            <p:txBody>
+              <a:bodyPr/>
+              <a:lstStyle/>
+              <a:p>
+                <a:r>
+                  <a:rPr lang="de-DE">
+                    <a:noFill/>
+                  </a:rPr>
+                  <a:t> </a:t>
+                </a:r>
+              </a:p>
+            </p:txBody>
+          </p:sp>
+        </mc:Fallback>
+      </mc:AlternateContent>
+      <p:sp>
+        <p:nvSpPr>
+          <p:cNvPr id="3" name="Titel 2"/>
+          <p:cNvSpPr>
+            <a:spLocks noGrp="1"/>
+          </p:cNvSpPr>
+          <p:nvPr>
+            <p:ph type="title"/>
+          </p:nvPr>
+        </p:nvSpPr>
+        <p:spPr/>
+        <p:txBody>
+          <a:bodyPr/>
+          <a:lstStyle/>
+          <a:p>
+            <a:r>
+              <a:rPr lang="de-DE" dirty="0" err="1"/>
+              <a:t>Masking</a:t>
+            </a:r>
+            <a:r>
+              <a:rPr lang="de-DE" dirty="0"/>
+              <a:t> </a:t>
+            </a:r>
+            <a:r>
+              <a:rPr lang="de-DE" dirty="0" err="1"/>
+              <a:t>Using</a:t>
+            </a:r>
+            <a:r>
+              <a:rPr lang="de-DE" dirty="0"/>
+              <a:t> a </a:t>
+            </a:r>
+            <a:r>
+              <a:rPr lang="de-DE" dirty="0" err="1"/>
+              <a:t>Masked</a:t>
+            </a:r>
+            <a:r>
+              <a:rPr lang="de-DE" dirty="0"/>
+              <a:t> Decoder</a:t>
+            </a:r>
+            <a:br>
+              <a:rPr lang="de-DE" dirty="0"/>
+            </a:br>
+            <a:r>
+              <a:rPr lang="de-DE" sz="2800" b="0" dirty="0" err="1" smtClean="0"/>
+              <a:t>Masked</a:t>
+            </a:r>
+            <a:r>
+              <a:rPr lang="de-DE" sz="2800" b="0" dirty="0" smtClean="0"/>
+              <a:t> Decoder</a:t>
+            </a:r>
+            <a:endParaRPr lang="de-DE" dirty="0"/>
+          </a:p>
+        </p:txBody>
+      </p:sp>
+      <p:pic>
+        <p:nvPicPr>
+          <p:cNvPr id="4" name="Bild 3"/>
+          <p:cNvPicPr>
+            <a:picLocks noChangeAspect="1"/>
+          </p:cNvPicPr>
+          <p:nvPr/>
+        </p:nvPicPr>
+        <p:blipFill>
+          <a:blip r:embed="rId3">
+            <a:extLst>
+              <a:ext uri="{28A0092B-C50C-407E-A947-70E740481C1C}">
+                <a14:useLocalDpi xmlns:a14="http://schemas.microsoft.com/office/drawing/2010/main" val="0"/>
+              </a:ext>
+            </a:extLst>
+          </a:blip>
+          <a:stretch>
+            <a:fillRect/>
+          </a:stretch>
+        </p:blipFill>
+        <p:spPr>
+          <a:xfrm>
+            <a:off x="520437" y="2299651"/>
+            <a:ext cx="9039750" cy="3059004"/>
+          </a:xfrm>
+          <a:prstGeom prst="rect">
+            <a:avLst/>
+          </a:prstGeom>
+        </p:spPr>
+      </p:pic>
+    </p:spTree>
+    <p:extLst>
+      <p:ext uri="{BB962C8B-B14F-4D97-AF65-F5344CB8AC3E}">
+        <p14:creationId xmlns:p14="http://schemas.microsoft.com/office/powerpoint/2010/main" val="896264804"/>
+      </p:ext>
+    </p:extLst>
+  </p:cSld>
+  <p:clrMapOvr>
+    <a:masterClrMapping/>
+  </p:clrMapOvr>
+  <p:transition/>
+</p:sld>
+</file>
+
+<file path=ppt/slides/slide14.xml><?xml version="1.0" encoding="utf-8"?>
 <p:sld xmlns:a="http://schemas.openxmlformats.org/drawingml/2006/main" xmlns:r="http://schemas.openxmlformats.org/officeDocument/2006/relationships" xmlns:p="http://schemas.openxmlformats.org/presentationml/2006/main">
   <p:cSld>
     <p:bg>
@@ -5344,6 +7454,14 @@
 <file path=ppt/slides/slide2.xml><?xml version="1.0" encoding="utf-8"?>
 <p:sld xmlns:a="http://schemas.openxmlformats.org/drawingml/2006/main" xmlns:r="http://schemas.openxmlformats.org/officeDocument/2006/relationships" xmlns:p="http://schemas.openxmlformats.org/presentationml/2006/main">
   <p:cSld>
+    <p:bg>
+      <p:bgPr>
+        <a:solidFill>
+          <a:srgbClr val="E7E7E7"/>
+        </a:solidFill>
+        <a:effectLst/>
+      </p:bgPr>
+    </p:bg>
     <p:spTree>
       <p:nvGrpSpPr>
         <p:cNvPr id="1" name=""/>
@@ -5462,6 +7580,13 @@
     <a:masterClrMapping/>
   </p:clrMapOvr>
   <p:transition/>
+  <p:timing>
+    <p:tnLst>
+      <p:par>
+        <p:cTn id="1" dur="indefinite" restart="never" nodeType="tmRoot"/>
+      </p:par>
+    </p:tnLst>
+  </p:timing>
 </p:sld>
 </file>
 
@@ -5686,8 +7811,8 @@
           <a:chExt cx="0" cy="0"/>
         </a:xfrm>
       </p:grpSpPr>
-      <mc:AlternateContent xmlns:mc="http://schemas.openxmlformats.org/markup-compatibility/2006" xmlns:a14="http://schemas.microsoft.com/office/drawing/2010/main">
-        <mc:Choice Requires="a14">
+      <mc:AlternateContent xmlns:mc="http://schemas.openxmlformats.org/markup-compatibility/2006">
+        <mc:Choice xmlns:a14="http://schemas.microsoft.com/office/drawing/2010/main" Requires="a14">
           <p:sp>
             <p:nvSpPr>
               <p:cNvPr id="2" name="Textplatzhalter 1"/>
@@ -5705,76 +7830,7 @@
               <a:p>
                 <a:r>
                   <a:rPr lang="en-US" dirty="0" smtClean="0"/>
-                  <a:t>Lattice</a:t>
-                </a:r>
-                <a:r>
-                  <a:rPr lang="en-US" dirty="0"/>
-                  <a:t> </a:t>
-                </a:r>
-                <a14:m>
-                  <m:oMath xmlns:m="http://schemas.openxmlformats.org/officeDocument/2006/math">
-                    <m:r>
-                      <m:rPr>
-                        <m:sty m:val="p"/>
-                      </m:rPr>
-                      <a:rPr lang="en-US" i="1" smtClean="0">
-                        <a:latin typeface="Cambria Math" charset="0"/>
-                        <a:ea typeface="Cambria Math" charset="0"/>
-                        <a:cs typeface="Cambria Math" charset="0"/>
-                      </a:rPr>
-                      <m:t>Λ</m:t>
-                    </m:r>
-                  </m:oMath>
-                </a14:m>
-                <a:r>
-                  <a:rPr lang="en-US" dirty="0" smtClean="0"/>
-                  <a:t> is discrete subgroup of </a:t>
-                </a:r>
-                <a14:m>
-                  <m:oMath xmlns:m="http://schemas.openxmlformats.org/officeDocument/2006/math">
-                    <m:sSup>
-                      <m:sSupPr>
-                        <m:ctrlPr>
-                          <a:rPr lang="en-US" i="1">
-                            <a:latin typeface="Cambria Math" charset="0"/>
-                            <a:ea typeface="Cambria Math" charset="0"/>
-                            <a:cs typeface="Cambria Math" charset="0"/>
-                          </a:rPr>
-                        </m:ctrlPr>
-                      </m:sSupPr>
-                      <m:e>
-                        <m:r>
-                          <a:rPr lang="en-US" i="1">
-                            <a:latin typeface="Cambria Math" charset="0"/>
-                            <a:ea typeface="Cambria Math" charset="0"/>
-                            <a:cs typeface="Cambria Math" charset="0"/>
-                          </a:rPr>
-                          <m:t>ℝ</m:t>
-                        </m:r>
-                      </m:e>
-                      <m:sup>
-                        <m:r>
-                          <a:rPr lang="en-US" i="1">
-                            <a:latin typeface="Cambria Math" charset="0"/>
-                            <a:ea typeface="Cambria Math" charset="0"/>
-                            <a:cs typeface="Cambria Math" charset="0"/>
-                          </a:rPr>
-                          <m:t>𝑛</m:t>
-                        </m:r>
-                      </m:sup>
-                    </m:sSup>
-                  </m:oMath>
-                </a14:m>
-                <a:endParaRPr lang="en-US" baseline="30000" dirty="0" smtClean="0"/>
-              </a:p>
-              <a:p>
-                <a:r>
-                  <a:rPr lang="en-US" dirty="0"/>
-                  <a:t>S</a:t>
-                </a:r>
-                <a:r>
-                  <a:rPr lang="en-US" dirty="0" smtClean="0"/>
-                  <a:t>et of </a:t>
+                  <a:t>Set of </a:t>
                 </a:r>
                 <a14:m>
                   <m:oMath xmlns:m="http://schemas.openxmlformats.org/officeDocument/2006/math">
@@ -5934,446 +7990,35 @@
               <a:p>
                 <a:r>
                   <a:rPr lang="en-US" dirty="0" smtClean="0"/>
-                  <a:t>Generated by all linear combinations of those vectors:</a:t>
-                </a:r>
-                <a:endParaRPr lang="en-US" dirty="0"/>
+                  <a:t>Generated by all linear combinations of those vectors</a:t>
+                </a:r>
               </a:p>
               <a:p>
-                <a:pPr marL="0" indent="0">
-                  <a:buNone/>
-                </a:pPr>
-                <a:endParaRPr lang="en-US" i="1" dirty="0" smtClean="0">
-                  <a:latin typeface="Cambria Math" charset="0"/>
-                  <a:ea typeface="Cambria Math" charset="0"/>
-                  <a:cs typeface="Cambria Math" charset="0"/>
-                </a:endParaRPr>
-              </a:p>
-              <a:p>
-                <a:pPr marL="0" indent="0">
-                  <a:buNone/>
-                </a:pPr>
-                <a14:m>
-                  <m:oMathPara xmlns:m="http://schemas.openxmlformats.org/officeDocument/2006/math">
-                    <m:oMathParaPr>
-                      <m:jc m:val="center"/>
-                    </m:oMathParaPr>
-                    <m:oMath xmlns:m="http://schemas.openxmlformats.org/officeDocument/2006/math">
-                      <m:r>
-                        <m:rPr>
-                          <m:sty m:val="p"/>
-                        </m:rPr>
-                        <a:rPr lang="en-US" i="1" smtClean="0">
-                          <a:latin typeface="Cambria Math" charset="0"/>
-                          <a:ea typeface="Cambria Math" charset="0"/>
-                          <a:cs typeface="Cambria Math" charset="0"/>
-                        </a:rPr>
-                        <m:t>Λ</m:t>
-                      </m:r>
-                      <m:d>
-                        <m:dPr>
-                          <m:ctrlPr>
-                            <a:rPr lang="en-US" b="0" i="1" smtClean="0">
-                              <a:latin typeface="Cambria Math" charset="0"/>
-                              <a:ea typeface="Cambria Math" charset="0"/>
-                              <a:cs typeface="Cambria Math" charset="0"/>
-                            </a:rPr>
-                          </m:ctrlPr>
-                        </m:dPr>
-                        <m:e>
-                          <m:sSub>
-                            <m:sSubPr>
-                              <m:ctrlPr>
-                                <a:rPr lang="en-US" i="1">
-                                  <a:latin typeface="Cambria Math" charset="0"/>
-                                </a:rPr>
-                              </m:ctrlPr>
-                            </m:sSubPr>
-                            <m:e>
-                              <m:acc>
-                                <m:accPr>
-                                  <m:chr m:val="⃗"/>
-                                  <m:ctrlPr>
-                                    <a:rPr lang="en-US" i="1">
-                                      <a:latin typeface="Cambria Math" charset="0"/>
-                                    </a:rPr>
-                                  </m:ctrlPr>
-                                </m:accPr>
-                                <m:e>
-                                  <m:r>
-                                    <a:rPr lang="en-US" i="1">
-                                      <a:latin typeface="Cambria Math" charset="0"/>
-                                    </a:rPr>
-                                    <m:t>𝑏</m:t>
-                                  </m:r>
-                                </m:e>
-                              </m:acc>
-                            </m:e>
-                            <m:sub>
-                              <m:r>
-                                <a:rPr lang="en-US" i="1">
-                                  <a:latin typeface="Cambria Math" charset="0"/>
-                                </a:rPr>
-                                <m:t>1</m:t>
-                              </m:r>
-                            </m:sub>
-                          </m:sSub>
-                          <m:r>
-                            <a:rPr lang="en-US" i="1">
-                              <a:latin typeface="Cambria Math" charset="0"/>
-                            </a:rPr>
-                            <m:t>,…,</m:t>
-                          </m:r>
-                          <m:sSub>
-                            <m:sSubPr>
-                              <m:ctrlPr>
-                                <a:rPr lang="en-US" i="1">
-                                  <a:latin typeface="Cambria Math" charset="0"/>
-                                </a:rPr>
-                              </m:ctrlPr>
-                            </m:sSubPr>
-                            <m:e>
-                              <m:acc>
-                                <m:accPr>
-                                  <m:chr m:val="⃗"/>
-                                  <m:ctrlPr>
-                                    <a:rPr lang="en-US" i="1">
-                                      <a:latin typeface="Cambria Math" charset="0"/>
-                                    </a:rPr>
-                                  </m:ctrlPr>
-                                </m:accPr>
-                                <m:e>
-                                  <m:r>
-                                    <a:rPr lang="en-US" i="1">
-                                      <a:latin typeface="Cambria Math" charset="0"/>
-                                    </a:rPr>
-                                    <m:t>𝑏</m:t>
-                                  </m:r>
-                                </m:e>
-                              </m:acc>
-                            </m:e>
-                            <m:sub>
-                              <m:r>
-                                <a:rPr lang="en-US" i="1">
-                                  <a:latin typeface="Cambria Math" charset="0"/>
-                                </a:rPr>
-                                <m:t>𝑚</m:t>
-                              </m:r>
-                            </m:sub>
-                          </m:sSub>
-                        </m:e>
-                      </m:d>
-                      <m:r>
-                        <a:rPr lang="en-US" b="0" i="1" smtClean="0">
-                          <a:latin typeface="Cambria Math" charset="0"/>
-                          <a:ea typeface="Cambria Math" charset="0"/>
-                          <a:cs typeface="Cambria Math" charset="0"/>
-                        </a:rPr>
-                        <m:t>=</m:t>
-                      </m:r>
-                      <m:d>
-                        <m:dPr>
-                          <m:begChr m:val="{"/>
-                          <m:endChr m:val="}"/>
-                          <m:ctrlPr>
-                            <a:rPr lang="en-US" b="0" i="1" smtClean="0">
-                              <a:latin typeface="Cambria Math" charset="0"/>
-                              <a:ea typeface="Cambria Math" charset="0"/>
-                              <a:cs typeface="Cambria Math" charset="0"/>
-                            </a:rPr>
-                          </m:ctrlPr>
-                        </m:dPr>
-                        <m:e>
-                          <m:nary>
-                            <m:naryPr>
-                              <m:chr m:val="∑"/>
-                              <m:ctrlPr>
-                                <a:rPr lang="en-US" i="1">
-                                  <a:latin typeface="Cambria Math" charset="0"/>
-                                  <a:ea typeface="Cambria Math" charset="0"/>
-                                  <a:cs typeface="Cambria Math" charset="0"/>
-                                </a:rPr>
-                              </m:ctrlPr>
-                            </m:naryPr>
-                            <m:sub>
-                              <m:r>
-                                <m:rPr>
-                                  <m:brk m:alnAt="23"/>
-                                </m:rPr>
-                                <a:rPr lang="en-US" i="1">
-                                  <a:latin typeface="Cambria Math" charset="0"/>
-                                  <a:ea typeface="Cambria Math" charset="0"/>
-                                  <a:cs typeface="Cambria Math" charset="0"/>
-                                </a:rPr>
-                                <m:t>𝑖</m:t>
-                              </m:r>
-                              <m:r>
-                                <a:rPr lang="en-US" i="1">
-                                  <a:latin typeface="Cambria Math" charset="0"/>
-                                  <a:ea typeface="Cambria Math" charset="0"/>
-                                  <a:cs typeface="Cambria Math" charset="0"/>
-                                </a:rPr>
-                                <m:t>=1</m:t>
-                              </m:r>
-                            </m:sub>
-                            <m:sup>
-                              <m:r>
-                                <a:rPr lang="en-US" i="1">
-                                  <a:latin typeface="Cambria Math" charset="0"/>
-                                  <a:ea typeface="Cambria Math" charset="0"/>
-                                  <a:cs typeface="Cambria Math" charset="0"/>
-                                </a:rPr>
-                                <m:t>𝑚</m:t>
-                              </m:r>
-                            </m:sup>
-                            <m:e>
-                              <m:sSub>
-                                <m:sSubPr>
-                                  <m:ctrlPr>
-                                    <a:rPr lang="en-US" i="1">
-                                      <a:latin typeface="Cambria Math" charset="0"/>
-                                      <a:ea typeface="Cambria Math" charset="0"/>
-                                      <a:cs typeface="Cambria Math" charset="0"/>
-                                    </a:rPr>
-                                  </m:ctrlPr>
-                                </m:sSubPr>
-                                <m:e>
-                                  <m:r>
-                                    <a:rPr lang="en-US" i="1">
-                                      <a:latin typeface="Cambria Math" charset="0"/>
-                                      <a:ea typeface="Cambria Math" charset="0"/>
-                                      <a:cs typeface="Cambria Math" charset="0"/>
-                                    </a:rPr>
-                                    <m:t>𝑥</m:t>
-                                  </m:r>
-                                </m:e>
-                                <m:sub>
-                                  <m:r>
-                                    <a:rPr lang="en-US" i="1">
-                                      <a:latin typeface="Cambria Math" charset="0"/>
-                                      <a:ea typeface="Cambria Math" charset="0"/>
-                                      <a:cs typeface="Cambria Math" charset="0"/>
-                                    </a:rPr>
-                                    <m:t>𝑖</m:t>
-                                  </m:r>
-                                </m:sub>
-                              </m:sSub>
-                              <m:sSub>
-                                <m:sSubPr>
-                                  <m:ctrlPr>
-                                    <a:rPr lang="en-US" i="1">
-                                      <a:latin typeface="Cambria Math" charset="0"/>
-                                      <a:ea typeface="Cambria Math" charset="0"/>
-                                      <a:cs typeface="Cambria Math" charset="0"/>
-                                    </a:rPr>
-                                  </m:ctrlPr>
-                                </m:sSubPr>
-                                <m:e>
-                                  <m:acc>
-                                    <m:accPr>
-                                      <m:chr m:val="⃗"/>
-                                      <m:ctrlPr>
-                                        <a:rPr lang="en-US" i="1">
-                                          <a:latin typeface="Cambria Math" charset="0"/>
-                                          <a:ea typeface="Cambria Math" charset="0"/>
-                                          <a:cs typeface="Cambria Math" charset="0"/>
-                                        </a:rPr>
-                                      </m:ctrlPr>
-                                    </m:accPr>
-                                    <m:e>
-                                      <m:r>
-                                        <a:rPr lang="en-US" i="1">
-                                          <a:latin typeface="Cambria Math" charset="0"/>
-                                          <a:ea typeface="Cambria Math" charset="0"/>
-                                          <a:cs typeface="Cambria Math" charset="0"/>
-                                        </a:rPr>
-                                        <m:t>𝑏</m:t>
-                                      </m:r>
-                                    </m:e>
-                                  </m:acc>
-                                </m:e>
-                                <m:sub>
-                                  <m:r>
-                                    <a:rPr lang="en-US" i="1">
-                                      <a:latin typeface="Cambria Math" charset="0"/>
-                                      <a:ea typeface="Cambria Math" charset="0"/>
-                                      <a:cs typeface="Cambria Math" charset="0"/>
-                                    </a:rPr>
-                                    <m:t>𝑖</m:t>
-                                  </m:r>
-                                </m:sub>
-                              </m:sSub>
-                            </m:e>
-                          </m:nary>
-                        </m:e>
-                        <m:e>
-                          <m:sSub>
-                            <m:sSubPr>
-                              <m:ctrlPr>
-                                <a:rPr lang="en-US" b="0" i="1" smtClean="0">
-                                  <a:latin typeface="Cambria Math" charset="0"/>
-                                  <a:ea typeface="Cambria Math" charset="0"/>
-                                  <a:cs typeface="Cambria Math" charset="0"/>
-                                </a:rPr>
-                              </m:ctrlPr>
-                            </m:sSubPr>
-                            <m:e>
-                              <m:r>
-                                <a:rPr lang="en-US" b="0" i="1" smtClean="0">
-                                  <a:latin typeface="Cambria Math" charset="0"/>
-                                  <a:ea typeface="Cambria Math" charset="0"/>
-                                  <a:cs typeface="Cambria Math" charset="0"/>
-                                </a:rPr>
-                                <m:t>𝑥</m:t>
-                              </m:r>
-                            </m:e>
-                            <m:sub>
-                              <m:r>
-                                <a:rPr lang="en-US" b="0" i="1" smtClean="0">
-                                  <a:latin typeface="Cambria Math" charset="0"/>
-                                  <a:ea typeface="Cambria Math" charset="0"/>
-                                  <a:cs typeface="Cambria Math" charset="0"/>
-                                </a:rPr>
-                                <m:t>𝑖</m:t>
-                              </m:r>
-                            </m:sub>
-                          </m:sSub>
-                          <m:r>
-                            <a:rPr lang="en-US" b="0" i="1" smtClean="0">
-                              <a:latin typeface="Cambria Math" charset="0"/>
-                              <a:ea typeface="Cambria Math" charset="0"/>
-                              <a:cs typeface="Cambria Math" charset="0"/>
-                            </a:rPr>
-                            <m:t>∈</m:t>
-                          </m:r>
-                          <m:r>
-                            <a:rPr lang="en-US" b="0" i="1" smtClean="0">
-                              <a:latin typeface="Cambria Math" charset="0"/>
-                              <a:ea typeface="Cambria Math" charset="0"/>
-                              <a:cs typeface="Cambria Math" charset="0"/>
-                            </a:rPr>
-                            <m:t>ℤ</m:t>
-                          </m:r>
-                        </m:e>
-                      </m:d>
-                    </m:oMath>
-                  </m:oMathPara>
-                </a14:m>
-                <a:endParaRPr lang="en-US" dirty="0" smtClean="0"/>
-              </a:p>
-              <a:p>
-                <a:pPr marL="0" indent="0">
+                <a:pPr marL="0" indent="0" algn="ctr">
                   <a:buNone/>
                 </a:pPr>
                 <a:endParaRPr lang="en-US" dirty="0" smtClean="0"/>
               </a:p>
               <a:p>
-                <a:r>
-                  <a:rPr lang="en-US" dirty="0" smtClean="0"/>
-                  <a:t>Base of a lattice represented by matrix </a:t>
-                </a:r>
-                <a14:m>
-                  <m:oMath xmlns:m="http://schemas.openxmlformats.org/officeDocument/2006/math">
-                    <m:r>
-                      <a:rPr lang="en-US" b="1" i="1" smtClean="0">
-                        <a:latin typeface="Cambria Math" charset="0"/>
-                      </a:rPr>
-                      <m:t>𝑩</m:t>
-                    </m:r>
-                    <m:r>
-                      <a:rPr lang="en-US" b="0" i="1" smtClean="0">
-                        <a:latin typeface="Cambria Math" charset="0"/>
-                      </a:rPr>
-                      <m:t>=(</m:t>
-                    </m:r>
-                    <m:sSub>
-                      <m:sSubPr>
-                        <m:ctrlPr>
-                          <a:rPr lang="en-US" i="1">
-                            <a:latin typeface="Cambria Math" charset="0"/>
-                          </a:rPr>
-                        </m:ctrlPr>
-                      </m:sSubPr>
-                      <m:e>
-                        <m:acc>
-                          <m:accPr>
-                            <m:chr m:val="⃗"/>
-                            <m:ctrlPr>
-                              <a:rPr lang="en-US" i="1">
-                                <a:latin typeface="Cambria Math" charset="0"/>
-                              </a:rPr>
-                            </m:ctrlPr>
-                          </m:accPr>
-                          <m:e>
-                            <m:r>
-                              <a:rPr lang="en-US" i="1">
-                                <a:latin typeface="Cambria Math" charset="0"/>
-                              </a:rPr>
-                              <m:t>𝑏</m:t>
-                            </m:r>
-                          </m:e>
-                        </m:acc>
-                      </m:e>
-                      <m:sub>
-                        <m:r>
-                          <a:rPr lang="en-US" i="1">
-                            <a:latin typeface="Cambria Math" charset="0"/>
-                          </a:rPr>
-                          <m:t>1</m:t>
-                        </m:r>
-                      </m:sub>
-                    </m:sSub>
-                    <m:r>
-                      <a:rPr lang="en-US" i="1">
-                        <a:latin typeface="Cambria Math" charset="0"/>
-                      </a:rPr>
-                      <m:t>,…,</m:t>
-                    </m:r>
-                    <m:sSub>
-                      <m:sSubPr>
-                        <m:ctrlPr>
-                          <a:rPr lang="en-US" i="1">
-                            <a:latin typeface="Cambria Math" charset="0"/>
-                          </a:rPr>
-                        </m:ctrlPr>
-                      </m:sSubPr>
-                      <m:e>
-                        <m:acc>
-                          <m:accPr>
-                            <m:chr m:val="⃗"/>
-                            <m:ctrlPr>
-                              <a:rPr lang="en-US" i="1">
-                                <a:latin typeface="Cambria Math" charset="0"/>
-                              </a:rPr>
-                            </m:ctrlPr>
-                          </m:accPr>
-                          <m:e>
-                            <m:r>
-                              <a:rPr lang="en-US" i="1">
-                                <a:latin typeface="Cambria Math" charset="0"/>
-                              </a:rPr>
-                              <m:t>𝑏</m:t>
-                            </m:r>
-                          </m:e>
-                        </m:acc>
-                      </m:e>
-                      <m:sub>
-                        <m:r>
-                          <a:rPr lang="en-US" i="1">
-                            <a:latin typeface="Cambria Math" charset="0"/>
-                          </a:rPr>
-                          <m:t>𝑚</m:t>
-                        </m:r>
-                      </m:sub>
-                    </m:sSub>
-                    <m:r>
-                      <a:rPr lang="en-US" b="0" i="1" smtClean="0">
-                        <a:latin typeface="Cambria Math" charset="0"/>
-                      </a:rPr>
-                      <m:t>)</m:t>
-                    </m:r>
-                  </m:oMath>
-                </a14:m>
+                <a:pPr marL="0" indent="0" algn="ctr">
+                  <a:buNone/>
+                </a:pPr>
+                <a:endParaRPr lang="en-US" dirty="0" smtClean="0"/>
+              </a:p>
+              <a:p>
+                <a:endParaRPr lang="en-US" dirty="0" smtClean="0"/>
+              </a:p>
+              <a:p>
+                <a:endParaRPr lang="en-US" dirty="0" smtClean="0"/>
+              </a:p>
+              <a:p>
                 <a:endParaRPr lang="en-US" dirty="0"/>
+              </a:p>
+              <a:p>
+                <a:endParaRPr lang="en-US" dirty="0" smtClean="0"/>
+              </a:p>
+              <a:p>
+                <a:endParaRPr lang="en-US" dirty="0" smtClean="0"/>
               </a:p>
               <a:p>
                 <a:r>
@@ -6464,76 +8109,34 @@
               </a:p>
               <a:p>
                 <a:pPr lvl="1"/>
-                <a14:m>
-                  <m:oMath xmlns:m="http://schemas.openxmlformats.org/officeDocument/2006/math">
-                    <m:r>
-                      <a:rPr lang="en-US" b="0" i="1" smtClean="0">
-                        <a:latin typeface="Cambria Math" charset="0"/>
-                      </a:rPr>
-                      <m:t>𝑓</m:t>
-                    </m:r>
-                    <m:r>
-                      <a:rPr lang="en-US" b="0" i="1" smtClean="0">
-                        <a:latin typeface="Cambria Math" charset="0"/>
-                      </a:rPr>
-                      <m:t>(</m:t>
-                    </m:r>
-                    <m:r>
-                      <a:rPr lang="en-US" b="0" i="1" smtClean="0">
-                        <a:latin typeface="Cambria Math" charset="0"/>
-                      </a:rPr>
-                      <m:t>𝑥</m:t>
-                    </m:r>
-                    <m:r>
-                      <a:rPr lang="en-US" b="0" i="1" smtClean="0">
-                        <a:latin typeface="Cambria Math" charset="0"/>
-                      </a:rPr>
-                      <m:t>)</m:t>
-                    </m:r>
-                  </m:oMath>
-                </a14:m>
                 <a:r>
                   <a:rPr lang="en-US" dirty="0" smtClean="0"/>
-                  <a:t> is irreducible polynomial of degree </a:t>
-                </a:r>
-                <a14:m>
-                  <m:oMath xmlns:m="http://schemas.openxmlformats.org/officeDocument/2006/math">
-                    <m:r>
-                      <a:rPr lang="en-US" b="0" i="1" smtClean="0">
-                        <a:latin typeface="Cambria Math" charset="0"/>
-                      </a:rPr>
-                      <m:t>𝑛</m:t>
-                    </m:r>
-                  </m:oMath>
-                </a14:m>
-                <a:endParaRPr lang="en-US" dirty="0" smtClean="0"/>
+                  <a:t>Enables more efficient </a:t>
+                </a:r>
+                <a:r>
+                  <a:rPr lang="en-US" dirty="0" err="1"/>
+                  <a:t>a</a:t>
+                </a:r>
+                <a:r>
+                  <a:rPr lang="en-US" dirty="0" err="1" smtClean="0"/>
+                  <a:t>rithmetics</a:t>
+                </a:r>
+                <a:r>
+                  <a:rPr lang="en-US" dirty="0" smtClean="0"/>
+                  <a:t> over polynomial rings</a:t>
+                </a:r>
               </a:p>
               <a:p>
                 <a:r>
                   <a:rPr lang="en-US" dirty="0" smtClean="0"/>
-                  <a:t>Enables us to use </a:t>
-                </a:r>
-                <a:r>
-                  <a:rPr lang="en-US" dirty="0" err="1" smtClean="0"/>
-                  <a:t>arithmetics</a:t>
-                </a:r>
-                <a:r>
-                  <a:rPr lang="en-US" dirty="0" smtClean="0"/>
-                  <a:t> over the ring</a:t>
-                </a:r>
-              </a:p>
-              <a:p>
-                <a:pPr lvl="1"/>
-                <a:r>
-                  <a:rPr lang="en-US" dirty="0" smtClean="0"/>
-                  <a:t>More efficient than dealing with matrices</a:t>
+                  <a:t>Ring-LWE problem is considered hard to solve</a:t>
                 </a:r>
                 <a:endParaRPr lang="en-US" dirty="0"/>
               </a:p>
             </p:txBody>
           </p:sp>
         </mc:Choice>
-        <mc:Fallback xmlns="">
+        <mc:Fallback>
           <p:sp>
             <p:nvSpPr>
               <p:cNvPr id="2" name="Textplatzhalter 1"/>
@@ -6548,7 +8151,7 @@
               <a:blipFill rotWithShape="0">
                 <a:blip r:embed="rId2"/>
                 <a:stretch>
-                  <a:fillRect l="-944" t="-779"/>
+                  <a:fillRect l="-944"/>
                 </a:stretch>
               </a:blipFill>
             </p:spPr>
@@ -6591,12 +8194,42 @@
             </a:br>
             <a:r>
               <a:rPr lang="en-US" sz="2800" b="0" dirty="0" smtClean="0"/>
-              <a:t>Ideal Lattices</a:t>
+              <a:t>Ideal Lattices and Learning with Errors over Rings</a:t>
             </a:r>
             <a:endParaRPr lang="en-US" dirty="0"/>
           </a:p>
         </p:txBody>
       </p:sp>
+      <p:pic>
+        <p:nvPicPr>
+          <p:cNvPr id="4" name="Bild 3"/>
+          <p:cNvPicPr>
+            <a:picLocks noChangeAspect="1"/>
+          </p:cNvPicPr>
+          <p:nvPr/>
+        </p:nvPicPr>
+        <p:blipFill>
+          <a:blip r:embed="rId3">
+            <a:extLst>
+              <a:ext uri="{28A0092B-C50C-407E-A947-70E740481C1C}">
+                <a14:useLocalDpi xmlns:a14="http://schemas.microsoft.com/office/drawing/2010/main" val="0"/>
+              </a:ext>
+            </a:extLst>
+          </a:blip>
+          <a:stretch>
+            <a:fillRect/>
+          </a:stretch>
+        </p:blipFill>
+        <p:spPr>
+          <a:xfrm>
+            <a:off x="3010693" y="2286000"/>
+            <a:ext cx="4059238" cy="3044429"/>
+          </a:xfrm>
+          <a:prstGeom prst="rect">
+            <a:avLst/>
+          </a:prstGeom>
+        </p:spPr>
+      </p:pic>
     </p:spTree>
     <p:extLst>
       <p:ext uri="{BB962C8B-B14F-4D97-AF65-F5344CB8AC3E}">
@@ -6608,6 +8241,13 @@
     <a:masterClrMapping/>
   </p:clrMapOvr>
   <p:transition/>
+  <p:timing>
+    <p:tnLst>
+      <p:par>
+        <p:cTn id="1" dur="indefinite" restart="never" nodeType="tmRoot"/>
+      </p:par>
+    </p:tnLst>
+  </p:timing>
 </p:sld>
 </file>
 
@@ -6712,6 +8352,13 @@
     <a:masterClrMapping/>
   </p:clrMapOvr>
   <p:transition/>
+  <p:timing>
+    <p:tnLst>
+      <p:par>
+        <p:cTn id="1" dur="indefinite" restart="never" nodeType="tmRoot"/>
+      </p:par>
+    </p:tnLst>
+  </p:timing>
 </p:sld>
 </file>
 
@@ -6732,8 +8379,156 @@
           <a:chExt cx="0" cy="0"/>
         </a:xfrm>
       </p:grpSpPr>
-      <mc:AlternateContent xmlns:mc="http://schemas.openxmlformats.org/markup-compatibility/2006" xmlns:a14="http://schemas.microsoft.com/office/drawing/2010/main">
-        <mc:Choice Requires="a14">
+      <p:sp>
+        <p:nvSpPr>
+          <p:cNvPr id="2" name="Textplatzhalter 1"/>
+          <p:cNvSpPr>
+            <a:spLocks noGrp="1"/>
+          </p:cNvSpPr>
+          <p:nvPr>
+            <p:ph type="body" sz="quarter" idx="10"/>
+          </p:nvPr>
+        </p:nvSpPr>
+        <p:spPr/>
+        <p:txBody>
+          <a:bodyPr/>
+          <a:lstStyle/>
+          <a:p>
+            <a:r>
+              <a:rPr lang="en-US" dirty="0" smtClean="0"/>
+              <a:t>Conclude secret information with leaked information</a:t>
+            </a:r>
+          </a:p>
+          <a:p>
+            <a:r>
+              <a:rPr lang="en-US" dirty="0" smtClean="0"/>
+              <a:t>One type of attack: </a:t>
+            </a:r>
+            <a:r>
+              <a:rPr lang="en-US" i="1" dirty="0" smtClean="0"/>
+              <a:t>Differential Power Analysis </a:t>
+            </a:r>
+            <a:r>
+              <a:rPr lang="en-US" dirty="0" smtClean="0"/>
+              <a:t>(DPA)</a:t>
+            </a:r>
+          </a:p>
+          <a:p>
+            <a:pPr lvl="1"/>
+            <a:r>
+              <a:rPr lang="en-US" i="1" dirty="0" smtClean="0"/>
+              <a:t>Sensitive variable</a:t>
+            </a:r>
+            <a:r>
+              <a:rPr lang="en-US" dirty="0" smtClean="0"/>
+              <a:t>: Value that depends on the secret key and the plaintext</a:t>
+            </a:r>
+          </a:p>
+          <a:p>
+            <a:pPr lvl="1"/>
+            <a:r>
+              <a:rPr lang="en-US" dirty="0" smtClean="0"/>
+              <a:t>Correlate a leakage with a prediction made on a sensitive variable</a:t>
+            </a:r>
+          </a:p>
+          <a:p>
+            <a:endParaRPr lang="en-US" dirty="0" smtClean="0"/>
+          </a:p>
+          <a:p>
+            <a:endParaRPr lang="en-US" dirty="0"/>
+          </a:p>
+        </p:txBody>
+      </p:sp>
+      <p:sp>
+        <p:nvSpPr>
+          <p:cNvPr id="3" name="Titel 2"/>
+          <p:cNvSpPr>
+            <a:spLocks noGrp="1"/>
+          </p:cNvSpPr>
+          <p:nvPr>
+            <p:ph type="title"/>
+          </p:nvPr>
+        </p:nvSpPr>
+        <p:spPr/>
+        <p:txBody>
+          <a:bodyPr/>
+          <a:lstStyle/>
+          <a:p>
+            <a:r>
+              <a:rPr lang="de-DE" dirty="0" err="1"/>
+              <a:t>Some</a:t>
+            </a:r>
+            <a:r>
+              <a:rPr lang="de-DE" dirty="0"/>
+              <a:t> Basics...</a:t>
+            </a:r>
+            <a:br>
+              <a:rPr lang="de-DE" dirty="0"/>
+            </a:br>
+            <a:r>
+              <a:rPr lang="de-DE" sz="2800" b="0" dirty="0" smtClean="0"/>
+              <a:t>Side-Channel </a:t>
+            </a:r>
+            <a:r>
+              <a:rPr lang="de-DE" sz="2800" b="0" dirty="0" err="1" smtClean="0"/>
+              <a:t>Attack</a:t>
+            </a:r>
+            <a:r>
+              <a:rPr lang="de-DE" sz="2800" b="0" dirty="0" smtClean="0"/>
+              <a:t> </a:t>
+            </a:r>
+            <a:r>
+              <a:rPr lang="de-DE" sz="2800" b="0" dirty="0" err="1" smtClean="0"/>
+              <a:t>Terminology</a:t>
+            </a:r>
+            <a:r>
+              <a:rPr lang="de-DE" sz="2800" b="0" dirty="0" smtClean="0"/>
+              <a:t> (DPA)</a:t>
+            </a:r>
+            <a:endParaRPr lang="de-DE" dirty="0"/>
+          </a:p>
+        </p:txBody>
+      </p:sp>
+    </p:spTree>
+    <p:extLst>
+      <p:ext uri="{BB962C8B-B14F-4D97-AF65-F5344CB8AC3E}">
+        <p14:creationId xmlns:p14="http://schemas.microsoft.com/office/powerpoint/2010/main" val="1963317031"/>
+      </p:ext>
+    </p:extLst>
+  </p:cSld>
+  <p:clrMapOvr>
+    <a:masterClrMapping/>
+  </p:clrMapOvr>
+  <p:transition/>
+  <p:timing>
+    <p:tnLst>
+      <p:par>
+        <p:cTn id="1" dur="indefinite" restart="never" nodeType="tmRoot"/>
+      </p:par>
+    </p:tnLst>
+  </p:timing>
+</p:sld>
+</file>
+
+<file path=ppt/slides/slide7.xml><?xml version="1.0" encoding="utf-8"?>
+<p:sld xmlns:a="http://schemas.openxmlformats.org/drawingml/2006/main" xmlns:r="http://schemas.openxmlformats.org/officeDocument/2006/relationships" xmlns:p="http://schemas.openxmlformats.org/presentationml/2006/main">
+  <p:cSld>
+    <p:spTree>
+      <p:nvGrpSpPr>
+        <p:cNvPr id="1" name=""/>
+        <p:cNvGrpSpPr/>
+        <p:nvPr/>
+      </p:nvGrpSpPr>
+      <p:grpSpPr>
+        <a:xfrm>
+          <a:off x="0" y="0"/>
+          <a:ext cx="0" cy="0"/>
+          <a:chOff x="0" y="0"/>
+          <a:chExt cx="0" cy="0"/>
+        </a:xfrm>
+      </p:grpSpPr>
+      <mc:AlternateContent xmlns:mc="http://schemas.openxmlformats.org/markup-compatibility/2006">
+        <mc:Choice xmlns:a14="http://schemas.microsoft.com/office/drawing/2010/main" Requires="a14">
           <p:sp>
             <p:nvSpPr>
               <p:cNvPr id="2" name="Textplatzhalter 1"/>
@@ -6751,28 +8546,59 @@
               <a:p>
                 <a:r>
                   <a:rPr lang="en-US" dirty="0" smtClean="0"/>
-                  <a:t>Given </a:t>
+                  <a:t>Published by </a:t>
+                </a:r>
+                <a:r>
+                  <a:rPr lang="de-DE" dirty="0" err="1" smtClean="0"/>
+                  <a:t>Lyubashevsky</a:t>
+                </a:r>
+                <a:r>
+                  <a:rPr lang="de-DE" dirty="0" smtClean="0"/>
+                  <a:t>, </a:t>
+                </a:r>
+                <a:r>
+                  <a:rPr lang="de-DE" dirty="0" err="1" smtClean="0"/>
+                  <a:t>Peikert</a:t>
+                </a:r>
+                <a:r>
+                  <a:rPr lang="de-DE" dirty="0" smtClean="0"/>
+                  <a:t>- </a:t>
+                </a:r>
+                <a:r>
+                  <a:rPr lang="de-DE" dirty="0" err="1" smtClean="0"/>
+                  <a:t>and</a:t>
+                </a:r>
+                <a:r>
+                  <a:rPr lang="de-DE" dirty="0" smtClean="0"/>
+                  <a:t> </a:t>
+                </a:r>
+                <a:r>
+                  <a:rPr lang="de-DE" dirty="0" err="1" smtClean="0"/>
+                  <a:t>Regev</a:t>
+                </a:r>
+                <a:r>
+                  <a:rPr lang="en-US" dirty="0" smtClean="0"/>
+                  <a:t> in 2012</a:t>
+                </a:r>
+              </a:p>
+              <a:p>
+                <a:pPr lvl="1"/>
+                <a:r>
+                  <a:rPr lang="en-US" dirty="0" smtClean="0"/>
+                  <a:t>Masking applicable to other Ring-LWE schemes as well</a:t>
+                </a:r>
+              </a:p>
+              <a:p>
+                <a:r>
+                  <a:rPr lang="en-US" dirty="0" smtClean="0"/>
+                  <a:t>All polynomials are elements of </a:t>
                 </a:r>
                 <a14:m>
                   <m:oMath xmlns:m="http://schemas.openxmlformats.org/officeDocument/2006/math">
-                    <m:r>
-                      <a:rPr lang="en-US" b="1" i="1" smtClean="0">
-                        <a:latin typeface="Cambria Math" charset="0"/>
-                      </a:rPr>
-                      <m:t>𝒔</m:t>
-                    </m:r>
-                    <m:r>
-                      <a:rPr lang="en-US" b="0" i="1" smtClean="0">
-                        <a:latin typeface="Cambria Math" charset="0"/>
-                        <a:ea typeface="Cambria Math" charset="0"/>
-                        <a:cs typeface="Cambria Math" charset="0"/>
-                      </a:rPr>
-                      <m:t>∈</m:t>
-                    </m:r>
                     <m:sSub>
                       <m:sSubPr>
                         <m:ctrlPr>
-                          <a:rPr lang="en-US" b="0" i="1" smtClean="0">
+                          <a:rPr lang="en-US" i="1">
                             <a:latin typeface="Cambria Math" charset="0"/>
                             <a:ea typeface="Cambria Math" charset="0"/>
                             <a:cs typeface="Cambria Math" charset="0"/>
@@ -6781,7 +8607,7 @@
                       </m:sSubPr>
                       <m:e>
                         <m:r>
-                          <a:rPr lang="en-US" b="0" i="1" smtClean="0">
+                          <a:rPr lang="en-US" i="1">
                             <a:latin typeface="Cambria Math" charset="0"/>
                             <a:ea typeface="Cambria Math" charset="0"/>
                             <a:cs typeface="Cambria Math" charset="0"/>
@@ -6791,51 +8617,20 @@
                       </m:e>
                       <m:sub>
                         <m:r>
-                          <a:rPr lang="en-US" b="0" i="1" smtClean="0">
+                          <a:rPr lang="en-US" i="1">
                             <a:latin typeface="Cambria Math" charset="0"/>
                             <a:ea typeface="Cambria Math" charset="0"/>
                             <a:cs typeface="Cambria Math" charset="0"/>
-                          </a:rPr>
-                          <m:t>𝑞</m:t>
-                        </m:r>
-                      </m:sub>
-                    </m:sSub>
-                  </m:oMath>
-                </a14:m>
-                <a:r>
-                  <a:rPr lang="en-US" dirty="0" smtClean="0"/>
-                  <a:t> with </a:t>
-                </a:r>
-                <a14:m>
-                  <m:oMath xmlns:m="http://schemas.openxmlformats.org/officeDocument/2006/math">
-                    <m:sSub>
-                      <m:sSubPr>
-                        <m:ctrlPr>
-                          <a:rPr lang="en-US" i="1" smtClean="0">
-                            <a:latin typeface="Cambria Math" charset="0"/>
-                          </a:rPr>
-                        </m:ctrlPr>
-                      </m:sSubPr>
-                      <m:e>
-                        <m:r>
-                          <a:rPr lang="en-US" b="0" i="1" smtClean="0">
-                            <a:latin typeface="Cambria Math" charset="0"/>
-                          </a:rPr>
-                          <m:t>𝑅</m:t>
-                        </m:r>
-                      </m:e>
-                      <m:sub>
-                        <m:r>
-                          <a:rPr lang="en-US" b="0" i="1" smtClean="0">
-                            <a:latin typeface="Cambria Math" charset="0"/>
                           </a:rPr>
                           <m:t>𝑞</m:t>
                         </m:r>
                       </m:sub>
                     </m:sSub>
                     <m:r>
-                      <a:rPr lang="en-US" b="0" i="1" smtClean="0">
+                      <a:rPr lang="de-DE" b="0" i="1" smtClean="0">
                         <a:latin typeface="Cambria Math" charset="0"/>
+                        <a:ea typeface="Cambria Math" charset="0"/>
+                        <a:cs typeface="Cambria Math" charset="0"/>
                       </a:rPr>
                       <m:t>=</m:t>
                     </m:r>
@@ -6917,952 +8712,6 @@
                     </m:r>
                   </m:oMath>
                 </a14:m>
-                <a:endParaRPr lang="en-US" dirty="0"/>
-              </a:p>
-              <a:p>
-                <a:r>
-                  <a:rPr lang="en-US" dirty="0" smtClean="0"/>
-                  <a:t>Error polynomial </a:t>
-                </a:r>
-                <a14:m>
-                  <m:oMath xmlns:m="http://schemas.openxmlformats.org/officeDocument/2006/math">
-                    <m:sSub>
-                      <m:sSubPr>
-                        <m:ctrlPr>
-                          <a:rPr lang="en-US" i="1" smtClean="0">
-                            <a:latin typeface="Cambria Math" charset="0"/>
-                          </a:rPr>
-                        </m:ctrlPr>
-                      </m:sSubPr>
-                      <m:e>
-                        <m:r>
-                          <a:rPr lang="en-US" b="1" i="1" smtClean="0">
-                            <a:latin typeface="Cambria Math" charset="0"/>
-                          </a:rPr>
-                          <m:t>𝒆</m:t>
-                        </m:r>
-                      </m:e>
-                      <m:sub>
-                        <m:r>
-                          <a:rPr lang="en-US" b="0" i="1" smtClean="0">
-                            <a:latin typeface="Cambria Math" charset="0"/>
-                          </a:rPr>
-                          <m:t>𝑖</m:t>
-                        </m:r>
-                      </m:sub>
-                    </m:sSub>
-                    <m:r>
-                      <a:rPr lang="en-US" i="1" smtClean="0">
-                        <a:latin typeface="Cambria Math" charset="0"/>
-                        <a:ea typeface="Cambria Math" charset="0"/>
-                        <a:cs typeface="Cambria Math" charset="0"/>
-                      </a:rPr>
-                      <m:t>∈</m:t>
-                    </m:r>
-                    <m:sSub>
-                      <m:sSubPr>
-                        <m:ctrlPr>
-                          <a:rPr lang="en-US" i="1" smtClean="0">
-                            <a:latin typeface="Cambria Math" charset="0"/>
-                            <a:ea typeface="Cambria Math" charset="0"/>
-                            <a:cs typeface="Cambria Math" charset="0"/>
-                          </a:rPr>
-                        </m:ctrlPr>
-                      </m:sSubPr>
-                      <m:e>
-                        <m:r>
-                          <a:rPr lang="en-US" b="0" i="1" smtClean="0">
-                            <a:latin typeface="Cambria Math" charset="0"/>
-                            <a:ea typeface="Cambria Math" charset="0"/>
-                            <a:cs typeface="Cambria Math" charset="0"/>
-                          </a:rPr>
-                          <m:t>𝑅</m:t>
-                        </m:r>
-                      </m:e>
-                      <m:sub>
-                        <m:r>
-                          <a:rPr lang="en-US" b="0" i="1" smtClean="0">
-                            <a:latin typeface="Cambria Math" charset="0"/>
-                            <a:ea typeface="Cambria Math" charset="0"/>
-                            <a:cs typeface="Cambria Math" charset="0"/>
-                          </a:rPr>
-                          <m:t>𝑞</m:t>
-                        </m:r>
-                      </m:sub>
-                    </m:sSub>
-                  </m:oMath>
-                </a14:m>
-                <a:r>
-                  <a:rPr lang="en-US" dirty="0" smtClean="0"/>
-                  <a:t> sampled according to </a:t>
-                </a:r>
-                <a14:m>
-                  <m:oMath xmlns:m="http://schemas.openxmlformats.org/officeDocument/2006/math">
-                    <m:sSubSup>
-                      <m:sSubSupPr>
-                        <m:ctrlPr>
-                          <a:rPr lang="en-US" i="1" smtClean="0">
-                            <a:latin typeface="Cambria Math" charset="0"/>
-                            <a:ea typeface="Cambria Math" charset="0"/>
-                            <a:cs typeface="Cambria Math" charset="0"/>
-                          </a:rPr>
-                        </m:ctrlPr>
-                      </m:sSubSupPr>
-                      <m:e>
-                        <m:r>
-                          <a:rPr lang="en-US" i="1">
-                            <a:latin typeface="Cambria Math" charset="0"/>
-                            <a:ea typeface="Cambria Math" charset="0"/>
-                            <a:cs typeface="Cambria Math" charset="0"/>
-                          </a:rPr>
-                          <m:t>𝒩</m:t>
-                        </m:r>
-                      </m:e>
-                      <m:sub>
-                        <m:r>
-                          <a:rPr lang="en-US" i="1" smtClean="0">
-                            <a:latin typeface="Cambria Math" charset="0"/>
-                            <a:ea typeface="Cambria Math" charset="0"/>
-                            <a:cs typeface="Cambria Math" charset="0"/>
-                          </a:rPr>
-                          <m:t>ℤ</m:t>
-                        </m:r>
-                      </m:sub>
-                      <m:sup>
-                        <m:r>
-                          <a:rPr lang="en-US" b="0" i="1" smtClean="0">
-                            <a:latin typeface="Cambria Math" charset="0"/>
-                            <a:ea typeface="Cambria Math" charset="0"/>
-                            <a:cs typeface="Cambria Math" charset="0"/>
-                          </a:rPr>
-                          <m:t>𝑛</m:t>
-                        </m:r>
-                      </m:sup>
-                    </m:sSubSup>
-                    <m:d>
-                      <m:dPr>
-                        <m:ctrlPr>
-                          <a:rPr lang="en-US" i="1" smtClean="0">
-                            <a:latin typeface="Cambria Math" charset="0"/>
-                            <a:ea typeface="Cambria Math" charset="0"/>
-                            <a:cs typeface="Cambria Math" charset="0"/>
-                          </a:rPr>
-                        </m:ctrlPr>
-                      </m:dPr>
-                      <m:e>
-                        <m:r>
-                          <a:rPr lang="en-US" b="0" i="1" smtClean="0">
-                            <a:latin typeface="Cambria Math" charset="0"/>
-                            <a:ea typeface="Cambria Math" charset="0"/>
-                            <a:cs typeface="Cambria Math" charset="0"/>
-                          </a:rPr>
-                          <m:t>0,</m:t>
-                        </m:r>
-                        <m:sSup>
-                          <m:sSupPr>
-                            <m:ctrlPr>
-                              <a:rPr lang="en-US" b="0" i="1" smtClean="0">
-                                <a:latin typeface="Cambria Math" charset="0"/>
-                                <a:ea typeface="Cambria Math" charset="0"/>
-                                <a:cs typeface="Cambria Math" charset="0"/>
-                              </a:rPr>
-                            </m:ctrlPr>
-                          </m:sSupPr>
-                          <m:e>
-                            <m:r>
-                              <a:rPr lang="en-US" i="1">
-                                <a:latin typeface="Cambria Math" charset="0"/>
-                                <a:ea typeface="Cambria Math" charset="0"/>
-                                <a:cs typeface="Cambria Math" charset="0"/>
-                              </a:rPr>
-                              <m:t>𝜎</m:t>
-                            </m:r>
-                          </m:e>
-                          <m:sup>
-                            <m:r>
-                              <a:rPr lang="en-US" b="0" i="1" smtClean="0">
-                                <a:latin typeface="Cambria Math" charset="0"/>
-                                <a:ea typeface="Cambria Math" charset="0"/>
-                                <a:cs typeface="Cambria Math" charset="0"/>
-                              </a:rPr>
-                              <m:t>2</m:t>
-                            </m:r>
-                          </m:sup>
-                        </m:sSup>
-                      </m:e>
-                    </m:d>
-                  </m:oMath>
-                </a14:m>
-                <a:endParaRPr lang="en-US" dirty="0" smtClean="0"/>
-              </a:p>
-              <a:p>
-                <a:r>
-                  <a:rPr lang="en-US" dirty="0"/>
-                  <a:t>P</a:t>
-                </a:r>
-                <a:r>
-                  <a:rPr lang="en-US" dirty="0" smtClean="0"/>
-                  <a:t>olynomial </a:t>
-                </a:r>
-                <a14:m>
-                  <m:oMath xmlns:m="http://schemas.openxmlformats.org/officeDocument/2006/math">
-                    <m:sSub>
-                      <m:sSubPr>
-                        <m:ctrlPr>
-                          <a:rPr lang="en-US" i="1">
-                            <a:latin typeface="Cambria Math" charset="0"/>
-                          </a:rPr>
-                        </m:ctrlPr>
-                      </m:sSubPr>
-                      <m:e>
-                        <m:r>
-                          <a:rPr lang="en-US" b="1" i="1" smtClean="0">
-                            <a:latin typeface="Cambria Math" charset="0"/>
-                          </a:rPr>
-                          <m:t>𝒂</m:t>
-                        </m:r>
-                      </m:e>
-                      <m:sub>
-                        <m:r>
-                          <a:rPr lang="en-US" i="1">
-                            <a:latin typeface="Cambria Math" charset="0"/>
-                          </a:rPr>
-                          <m:t>𝑖</m:t>
-                        </m:r>
-                      </m:sub>
-                    </m:sSub>
-                    <m:r>
-                      <a:rPr lang="en-US" i="1">
-                        <a:latin typeface="Cambria Math" charset="0"/>
-                        <a:ea typeface="Cambria Math" charset="0"/>
-                        <a:cs typeface="Cambria Math" charset="0"/>
-                      </a:rPr>
-                      <m:t>∈</m:t>
-                    </m:r>
-                    <m:sSub>
-                      <m:sSubPr>
-                        <m:ctrlPr>
-                          <a:rPr lang="en-US" i="1">
-                            <a:latin typeface="Cambria Math" charset="0"/>
-                            <a:ea typeface="Cambria Math" charset="0"/>
-                            <a:cs typeface="Cambria Math" charset="0"/>
-                          </a:rPr>
-                        </m:ctrlPr>
-                      </m:sSubPr>
-                      <m:e>
-                        <m:r>
-                          <a:rPr lang="en-US" i="1">
-                            <a:latin typeface="Cambria Math" charset="0"/>
-                            <a:ea typeface="Cambria Math" charset="0"/>
-                            <a:cs typeface="Cambria Math" charset="0"/>
-                          </a:rPr>
-                          <m:t>𝑅</m:t>
-                        </m:r>
-                      </m:e>
-                      <m:sub>
-                        <m:r>
-                          <a:rPr lang="en-US" i="1">
-                            <a:latin typeface="Cambria Math" charset="0"/>
-                            <a:ea typeface="Cambria Math" charset="0"/>
-                            <a:cs typeface="Cambria Math" charset="0"/>
-                          </a:rPr>
-                          <m:t>𝑞</m:t>
-                        </m:r>
-                      </m:sub>
-                    </m:sSub>
-                  </m:oMath>
-                </a14:m>
-                <a:r>
-                  <a:rPr lang="en-US" dirty="0"/>
-                  <a:t> </a:t>
-                </a:r>
-                <a:r>
-                  <a:rPr lang="en-US" dirty="0" smtClean="0"/>
-                  <a:t>sampled uniformly at random</a:t>
-                </a:r>
-              </a:p>
-              <a:p>
-                <a:r>
-                  <a:rPr lang="en-US" dirty="0" smtClean="0"/>
-                  <a:t>Compute </a:t>
-                </a:r>
-                <a14:m>
-                  <m:oMath xmlns:m="http://schemas.openxmlformats.org/officeDocument/2006/math">
-                    <m:sSub>
-                      <m:sSubPr>
-                        <m:ctrlPr>
-                          <a:rPr lang="en-US" i="1" smtClean="0">
-                            <a:latin typeface="Cambria Math" charset="0"/>
-                          </a:rPr>
-                        </m:ctrlPr>
-                      </m:sSubPr>
-                      <m:e>
-                        <m:r>
-                          <a:rPr lang="en-US" b="1" i="1" smtClean="0">
-                            <a:latin typeface="Cambria Math" charset="0"/>
-                          </a:rPr>
-                          <m:t>𝒃</m:t>
-                        </m:r>
-                      </m:e>
-                      <m:sub>
-                        <m:r>
-                          <a:rPr lang="en-US" b="0" i="1" smtClean="0">
-                            <a:latin typeface="Cambria Math" charset="0"/>
-                          </a:rPr>
-                          <m:t>𝑖</m:t>
-                        </m:r>
-                      </m:sub>
-                    </m:sSub>
-                  </m:oMath>
-                </a14:m>
-                <a:r>
-                  <a:rPr lang="en-US" dirty="0" smtClean="0"/>
-                  <a:t> as </a:t>
-                </a:r>
-                <a14:m>
-                  <m:oMath xmlns:m="http://schemas.openxmlformats.org/officeDocument/2006/math">
-                    <m:sSub>
-                      <m:sSubPr>
-                        <m:ctrlPr>
-                          <a:rPr lang="en-US" i="1" smtClean="0">
-                            <a:latin typeface="Cambria Math" charset="0"/>
-                          </a:rPr>
-                        </m:ctrlPr>
-                      </m:sSubPr>
-                      <m:e>
-                        <m:r>
-                          <a:rPr lang="en-US" b="1" i="1" smtClean="0">
-                            <a:latin typeface="Cambria Math" charset="0"/>
-                          </a:rPr>
-                          <m:t>𝒃</m:t>
-                        </m:r>
-                      </m:e>
-                      <m:sub>
-                        <m:r>
-                          <a:rPr lang="en-US" b="0" i="1" smtClean="0">
-                            <a:latin typeface="Cambria Math" charset="0"/>
-                          </a:rPr>
-                          <m:t>𝑖</m:t>
-                        </m:r>
-                      </m:sub>
-                    </m:sSub>
-                    <m:r>
-                      <a:rPr lang="en-US" b="0" i="1" smtClean="0">
-                        <a:latin typeface="Cambria Math" charset="0"/>
-                      </a:rPr>
-                      <m:t>=</m:t>
-                    </m:r>
-                    <m:sSub>
-                      <m:sSubPr>
-                        <m:ctrlPr>
-                          <a:rPr lang="en-US" b="0" i="1" smtClean="0">
-                            <a:latin typeface="Cambria Math" charset="0"/>
-                          </a:rPr>
-                        </m:ctrlPr>
-                      </m:sSubPr>
-                      <m:e>
-                        <m:r>
-                          <a:rPr lang="en-US" b="1" i="1" smtClean="0">
-                            <a:latin typeface="Cambria Math" charset="0"/>
-                          </a:rPr>
-                          <m:t>𝒂</m:t>
-                        </m:r>
-                      </m:e>
-                      <m:sub>
-                        <m:r>
-                          <a:rPr lang="en-US" b="0" i="1" smtClean="0">
-                            <a:latin typeface="Cambria Math" charset="0"/>
-                          </a:rPr>
-                          <m:t>𝑖</m:t>
-                        </m:r>
-                      </m:sub>
-                    </m:sSub>
-                    <m:r>
-                      <a:rPr lang="en-US" b="1" i="1" smtClean="0">
-                        <a:latin typeface="Cambria Math" charset="0"/>
-                      </a:rPr>
-                      <m:t>𝒔</m:t>
-                    </m:r>
-                    <m:r>
-                      <a:rPr lang="en-US" b="0" i="1" smtClean="0">
-                        <a:latin typeface="Cambria Math" charset="0"/>
-                      </a:rPr>
-                      <m:t>+</m:t>
-                    </m:r>
-                    <m:sSub>
-                      <m:sSubPr>
-                        <m:ctrlPr>
-                          <a:rPr lang="en-US" b="0" i="1" smtClean="0">
-                            <a:latin typeface="Cambria Math" charset="0"/>
-                          </a:rPr>
-                        </m:ctrlPr>
-                      </m:sSubPr>
-                      <m:e>
-                        <m:r>
-                          <a:rPr lang="en-US" b="1" i="1" smtClean="0">
-                            <a:latin typeface="Cambria Math" charset="0"/>
-                          </a:rPr>
-                          <m:t>𝒆</m:t>
-                        </m:r>
-                      </m:e>
-                      <m:sub>
-                        <m:r>
-                          <a:rPr lang="en-US" b="0" i="1" smtClean="0">
-                            <a:latin typeface="Cambria Math" charset="0"/>
-                          </a:rPr>
-                          <m:t>𝑖</m:t>
-                        </m:r>
-                      </m:sub>
-                    </m:sSub>
-                  </m:oMath>
-                </a14:m>
-                <a:endParaRPr lang="en-US" dirty="0" smtClean="0"/>
-              </a:p>
-              <a:p>
-                <a:r>
-                  <a:rPr lang="en-US" dirty="0" smtClean="0"/>
-                  <a:t>Ring-LWE problem:</a:t>
-                </a:r>
-              </a:p>
-              <a:p>
-                <a:pPr lvl="1"/>
-                <a:r>
-                  <a:rPr lang="en-US" dirty="0" smtClean="0"/>
-                  <a:t>Search: Find </a:t>
-                </a:r>
-                <a14:m>
-                  <m:oMath xmlns:m="http://schemas.openxmlformats.org/officeDocument/2006/math">
-                    <m:r>
-                      <a:rPr lang="en-US" b="1" i="1" smtClean="0">
-                        <a:latin typeface="Cambria Math" charset="0"/>
-                      </a:rPr>
-                      <m:t>𝒔</m:t>
-                    </m:r>
-                  </m:oMath>
-                </a14:m>
-                <a:r>
-                  <a:rPr lang="en-US" dirty="0" smtClean="0"/>
-                  <a:t> for </a:t>
-                </a:r>
-                <a14:m>
-                  <m:oMath xmlns:m="http://schemas.openxmlformats.org/officeDocument/2006/math">
-                    <m:d>
-                      <m:dPr>
-                        <m:ctrlPr>
-                          <a:rPr lang="en-US" i="1" smtClean="0">
-                            <a:latin typeface="Cambria Math" charset="0"/>
-                          </a:rPr>
-                        </m:ctrlPr>
-                      </m:dPr>
-                      <m:e>
-                        <m:sSub>
-                          <m:sSubPr>
-                            <m:ctrlPr>
-                              <a:rPr lang="en-US" i="1" smtClean="0">
-                                <a:latin typeface="Cambria Math" charset="0"/>
-                              </a:rPr>
-                            </m:ctrlPr>
-                          </m:sSubPr>
-                          <m:e>
-                            <m:r>
-                              <a:rPr lang="en-US" b="1" i="1" smtClean="0">
-                                <a:latin typeface="Cambria Math" charset="0"/>
-                              </a:rPr>
-                              <m:t>𝒂</m:t>
-                            </m:r>
-                          </m:e>
-                          <m:sub>
-                            <m:r>
-                              <a:rPr lang="en-US" b="0" i="1" smtClean="0">
-                                <a:latin typeface="Cambria Math" charset="0"/>
-                              </a:rPr>
-                              <m:t>𝑖</m:t>
-                            </m:r>
-                          </m:sub>
-                        </m:sSub>
-                        <m:r>
-                          <a:rPr lang="en-US" b="0" i="1" smtClean="0">
-                            <a:latin typeface="Cambria Math" charset="0"/>
-                          </a:rPr>
-                          <m:t>,</m:t>
-                        </m:r>
-                        <m:sSub>
-                          <m:sSubPr>
-                            <m:ctrlPr>
-                              <a:rPr lang="en-US" b="0" i="1" smtClean="0">
-                                <a:latin typeface="Cambria Math" charset="0"/>
-                              </a:rPr>
-                            </m:ctrlPr>
-                          </m:sSubPr>
-                          <m:e>
-                            <m:r>
-                              <a:rPr lang="en-US" b="1" i="1" smtClean="0">
-                                <a:latin typeface="Cambria Math" charset="0"/>
-                              </a:rPr>
-                              <m:t>𝒃</m:t>
-                            </m:r>
-                          </m:e>
-                          <m:sub>
-                            <m:r>
-                              <a:rPr lang="en-US" b="0" i="1" smtClean="0">
-                                <a:latin typeface="Cambria Math" charset="0"/>
-                              </a:rPr>
-                              <m:t>𝑖</m:t>
-                            </m:r>
-                          </m:sub>
-                        </m:sSub>
-                      </m:e>
-                    </m:d>
-                  </m:oMath>
-                </a14:m>
-                <a:endParaRPr lang="en-US" dirty="0" smtClean="0"/>
-              </a:p>
-              <a:p>
-                <a:pPr lvl="1"/>
-                <a:r>
-                  <a:rPr lang="en-US" dirty="0" smtClean="0"/>
-                  <a:t>Decisional: Distinguish between correct and incorrect </a:t>
-                </a:r>
-                <a14:m>
-                  <m:oMath xmlns:m="http://schemas.openxmlformats.org/officeDocument/2006/math">
-                    <m:d>
-                      <m:dPr>
-                        <m:ctrlPr>
-                          <a:rPr lang="en-US" i="1">
-                            <a:latin typeface="Cambria Math" charset="0"/>
-                          </a:rPr>
-                        </m:ctrlPr>
-                      </m:dPr>
-                      <m:e>
-                        <m:sSub>
-                          <m:sSubPr>
-                            <m:ctrlPr>
-                              <a:rPr lang="en-US" i="1">
-                                <a:latin typeface="Cambria Math" charset="0"/>
-                              </a:rPr>
-                            </m:ctrlPr>
-                          </m:sSubPr>
-                          <m:e>
-                            <m:r>
-                              <a:rPr lang="en-US" b="1" i="1">
-                                <a:latin typeface="Cambria Math" charset="0"/>
-                              </a:rPr>
-                              <m:t>𝒂</m:t>
-                            </m:r>
-                          </m:e>
-                          <m:sub>
-                            <m:r>
-                              <a:rPr lang="en-US" i="1">
-                                <a:latin typeface="Cambria Math" charset="0"/>
-                              </a:rPr>
-                              <m:t>𝑖</m:t>
-                            </m:r>
-                          </m:sub>
-                        </m:sSub>
-                        <m:r>
-                          <a:rPr lang="en-US" i="1">
-                            <a:latin typeface="Cambria Math" charset="0"/>
-                          </a:rPr>
-                          <m:t>,</m:t>
-                        </m:r>
-                        <m:sSub>
-                          <m:sSubPr>
-                            <m:ctrlPr>
-                              <a:rPr lang="en-US" i="1">
-                                <a:latin typeface="Cambria Math" charset="0"/>
-                              </a:rPr>
-                            </m:ctrlPr>
-                          </m:sSubPr>
-                          <m:e>
-                            <m:r>
-                              <a:rPr lang="en-US" b="1" i="1">
-                                <a:latin typeface="Cambria Math" charset="0"/>
-                              </a:rPr>
-                              <m:t>𝒃</m:t>
-                            </m:r>
-                          </m:e>
-                          <m:sub>
-                            <m:r>
-                              <a:rPr lang="en-US" i="1">
-                                <a:latin typeface="Cambria Math" charset="0"/>
-                              </a:rPr>
-                              <m:t>𝑖</m:t>
-                            </m:r>
-                          </m:sub>
-                        </m:sSub>
-                      </m:e>
-                    </m:d>
-                  </m:oMath>
-                </a14:m>
-                <a:endParaRPr lang="en-US" dirty="0" smtClean="0"/>
-              </a:p>
-              <a:p>
-                <a:r>
-                  <a:rPr lang="en-US" dirty="0" smtClean="0"/>
-                  <a:t>Assumed to be hard to solve</a:t>
-                </a:r>
-                <a:endParaRPr lang="en-US" dirty="0"/>
-              </a:p>
-            </p:txBody>
-          </p:sp>
-        </mc:Choice>
-        <mc:Fallback xmlns="">
-          <p:sp>
-            <p:nvSpPr>
-              <p:cNvPr id="2" name="Textplatzhalter 1"/>
-              <p:cNvSpPr>
-                <a:spLocks noGrp="1" noRot="1" noChangeAspect="1" noMove="1" noResize="1" noEditPoints="1" noAdjustHandles="1" noChangeArrowheads="1" noChangeShapeType="1" noTextEdit="1"/>
-              </p:cNvSpPr>
-              <p:nvPr>
-                <p:ph type="body" sz="quarter" idx="10"/>
-              </p:nvPr>
-            </p:nvSpPr>
-            <p:spPr>
-              <a:blipFill rotWithShape="0">
-                <a:blip r:embed="rId2"/>
-                <a:stretch>
-                  <a:fillRect l="-944" t="-890"/>
-                </a:stretch>
-              </a:blipFill>
-            </p:spPr>
-            <p:txBody>
-              <a:bodyPr/>
-              <a:lstStyle/>
-              <a:p>
-                <a:r>
-                  <a:rPr lang="de-DE">
-                    <a:noFill/>
-                  </a:rPr>
-                  <a:t> </a:t>
-                </a:r>
-              </a:p>
-            </p:txBody>
-          </p:sp>
-        </mc:Fallback>
-      </mc:AlternateContent>
-      <p:sp>
-        <p:nvSpPr>
-          <p:cNvPr id="3" name="Titel 2"/>
-          <p:cNvSpPr>
-            <a:spLocks noGrp="1"/>
-          </p:cNvSpPr>
-          <p:nvPr>
-            <p:ph type="title"/>
-          </p:nvPr>
-        </p:nvSpPr>
-        <p:spPr/>
-        <p:txBody>
-          <a:bodyPr/>
-          <a:lstStyle/>
-          <a:p>
-            <a:r>
-              <a:rPr lang="de-DE" dirty="0" err="1"/>
-              <a:t>Some</a:t>
-            </a:r>
-            <a:r>
-              <a:rPr lang="de-DE" dirty="0"/>
-              <a:t> </a:t>
-            </a:r>
-            <a:r>
-              <a:rPr lang="de-DE" dirty="0" smtClean="0"/>
-              <a:t>Basics</a:t>
-            </a:r>
-            <a:r>
-              <a:rPr lang="de-DE" dirty="0"/>
-              <a:t>...</a:t>
-            </a:r>
-            <a:br>
-              <a:rPr lang="de-DE" dirty="0"/>
-            </a:br>
-            <a:r>
-              <a:rPr lang="de-DE" sz="2800" b="0" dirty="0" smtClean="0"/>
-              <a:t>Ring Learning </a:t>
-            </a:r>
-            <a:r>
-              <a:rPr lang="de-DE" sz="2800" b="0" dirty="0" err="1" smtClean="0"/>
-              <a:t>with</a:t>
-            </a:r>
-            <a:r>
-              <a:rPr lang="de-DE" sz="2800" b="0" dirty="0" smtClean="0"/>
-              <a:t> Errors Problem</a:t>
-            </a:r>
-            <a:endParaRPr lang="de-DE" dirty="0"/>
-          </a:p>
-        </p:txBody>
-      </p:sp>
-    </p:spTree>
-    <p:extLst>
-      <p:ext uri="{BB962C8B-B14F-4D97-AF65-F5344CB8AC3E}">
-        <p14:creationId xmlns:p14="http://schemas.microsoft.com/office/powerpoint/2010/main" val="1793470443"/>
-      </p:ext>
-    </p:extLst>
-  </p:cSld>
-  <p:clrMapOvr>
-    <a:masterClrMapping/>
-  </p:clrMapOvr>
-  <p:transition/>
-</p:sld>
-</file>
-
-<file path=ppt/slides/slide7.xml><?xml version="1.0" encoding="utf-8"?>
-<p:sld xmlns:a="http://schemas.openxmlformats.org/drawingml/2006/main" xmlns:r="http://schemas.openxmlformats.org/officeDocument/2006/relationships" xmlns:p="http://schemas.openxmlformats.org/presentationml/2006/main">
-  <p:cSld>
-    <p:spTree>
-      <p:nvGrpSpPr>
-        <p:cNvPr id="1" name=""/>
-        <p:cNvGrpSpPr/>
-        <p:nvPr/>
-      </p:nvGrpSpPr>
-      <p:grpSpPr>
-        <a:xfrm>
-          <a:off x="0" y="0"/>
-          <a:ext cx="0" cy="0"/>
-          <a:chOff x="0" y="0"/>
-          <a:chExt cx="0" cy="0"/>
-        </a:xfrm>
-      </p:grpSpPr>
-      <p:sp>
-        <p:nvSpPr>
-          <p:cNvPr id="2" name="Textplatzhalter 1"/>
-          <p:cNvSpPr>
-            <a:spLocks noGrp="1"/>
-          </p:cNvSpPr>
-          <p:nvPr>
-            <p:ph type="body" sz="quarter" idx="10"/>
-          </p:nvPr>
-        </p:nvSpPr>
-        <p:spPr/>
-        <p:txBody>
-          <a:bodyPr/>
-          <a:lstStyle/>
-          <a:p>
-            <a:r>
-              <a:rPr lang="en-US" dirty="0" smtClean="0"/>
-              <a:t>Conclude secret information with leaked information</a:t>
-            </a:r>
-          </a:p>
-          <a:p>
-            <a:r>
-              <a:rPr lang="en-US" dirty="0" smtClean="0"/>
-              <a:t>One type of attack: </a:t>
-            </a:r>
-            <a:r>
-              <a:rPr lang="en-US" i="1" dirty="0" smtClean="0"/>
-              <a:t>Differential Power Analysis </a:t>
-            </a:r>
-            <a:r>
-              <a:rPr lang="en-US" dirty="0" smtClean="0"/>
-              <a:t>(DPA)</a:t>
-            </a:r>
-          </a:p>
-          <a:p>
-            <a:pPr lvl="1"/>
-            <a:r>
-              <a:rPr lang="en-US" i="1" dirty="0" smtClean="0"/>
-              <a:t>Sensitive variable</a:t>
-            </a:r>
-            <a:r>
-              <a:rPr lang="en-US" dirty="0" smtClean="0"/>
-              <a:t>: Value that depends on the secret key and the plaintext</a:t>
-            </a:r>
-          </a:p>
-          <a:p>
-            <a:pPr lvl="1"/>
-            <a:r>
-              <a:rPr lang="en-US" dirty="0" smtClean="0"/>
-              <a:t>Correlate a leakage with a prediction made on a sensitive variable</a:t>
-            </a:r>
-          </a:p>
-          <a:p>
-            <a:endParaRPr lang="en-US" dirty="0" smtClean="0"/>
-          </a:p>
-          <a:p>
-            <a:endParaRPr lang="en-US" dirty="0"/>
-          </a:p>
-        </p:txBody>
-      </p:sp>
-      <p:sp>
-        <p:nvSpPr>
-          <p:cNvPr id="3" name="Titel 2"/>
-          <p:cNvSpPr>
-            <a:spLocks noGrp="1"/>
-          </p:cNvSpPr>
-          <p:nvPr>
-            <p:ph type="title"/>
-          </p:nvPr>
-        </p:nvSpPr>
-        <p:spPr/>
-        <p:txBody>
-          <a:bodyPr/>
-          <a:lstStyle/>
-          <a:p>
-            <a:r>
-              <a:rPr lang="de-DE" dirty="0" err="1"/>
-              <a:t>Some</a:t>
-            </a:r>
-            <a:r>
-              <a:rPr lang="de-DE" dirty="0"/>
-              <a:t> Basics...</a:t>
-            </a:r>
-            <a:br>
-              <a:rPr lang="de-DE" dirty="0"/>
-            </a:br>
-            <a:r>
-              <a:rPr lang="de-DE" sz="2800" b="0" dirty="0" smtClean="0"/>
-              <a:t>Side-Channel </a:t>
-            </a:r>
-            <a:r>
-              <a:rPr lang="de-DE" sz="2800" b="0" dirty="0" err="1" smtClean="0"/>
-              <a:t>Attack</a:t>
-            </a:r>
-            <a:r>
-              <a:rPr lang="de-DE" sz="2800" b="0" dirty="0" smtClean="0"/>
-              <a:t> </a:t>
-            </a:r>
-            <a:r>
-              <a:rPr lang="de-DE" sz="2800" b="0" dirty="0" err="1" smtClean="0"/>
-              <a:t>Terminology</a:t>
-            </a:r>
-            <a:r>
-              <a:rPr lang="de-DE" sz="2800" b="0" dirty="0" smtClean="0"/>
-              <a:t> (DPA)</a:t>
-            </a:r>
-            <a:endParaRPr lang="de-DE" dirty="0"/>
-          </a:p>
-        </p:txBody>
-      </p:sp>
-    </p:spTree>
-    <p:extLst>
-      <p:ext uri="{BB962C8B-B14F-4D97-AF65-F5344CB8AC3E}">
-        <p14:creationId xmlns:p14="http://schemas.microsoft.com/office/powerpoint/2010/main" val="1963317031"/>
-      </p:ext>
-    </p:extLst>
-  </p:cSld>
-  <p:clrMapOvr>
-    <a:masterClrMapping/>
-  </p:clrMapOvr>
-  <p:transition/>
-</p:sld>
-</file>
-
-<file path=ppt/slides/slide8.xml><?xml version="1.0" encoding="utf-8"?>
-<p:sld xmlns:a="http://schemas.openxmlformats.org/drawingml/2006/main" xmlns:r="http://schemas.openxmlformats.org/officeDocument/2006/relationships" xmlns:p="http://schemas.openxmlformats.org/presentationml/2006/main">
-  <p:cSld>
-    <p:spTree>
-      <p:nvGrpSpPr>
-        <p:cNvPr id="1" name=""/>
-        <p:cNvGrpSpPr/>
-        <p:nvPr/>
-      </p:nvGrpSpPr>
-      <p:grpSpPr>
-        <a:xfrm>
-          <a:off x="0" y="0"/>
-          <a:ext cx="0" cy="0"/>
-          <a:chOff x="0" y="0"/>
-          <a:chExt cx="0" cy="0"/>
-        </a:xfrm>
-      </p:grpSpPr>
-      <mc:AlternateContent xmlns:mc="http://schemas.openxmlformats.org/markup-compatibility/2006" xmlns:a14="http://schemas.microsoft.com/office/drawing/2010/main">
-        <mc:Choice Requires="a14">
-          <p:sp>
-            <p:nvSpPr>
-              <p:cNvPr id="2" name="Textplatzhalter 1"/>
-              <p:cNvSpPr>
-                <a:spLocks noGrp="1"/>
-              </p:cNvSpPr>
-              <p:nvPr>
-                <p:ph type="body" sz="quarter" idx="10"/>
-              </p:nvPr>
-            </p:nvSpPr>
-            <p:spPr/>
-            <p:txBody>
-              <a:bodyPr/>
-              <a:lstStyle/>
-              <a:p>
-                <a:r>
-                  <a:rPr lang="en-US" dirty="0" smtClean="0"/>
-                  <a:t>Published by </a:t>
-                </a:r>
-                <a:r>
-                  <a:rPr lang="de-DE" dirty="0" err="1" smtClean="0"/>
-                  <a:t>Lyubashevsky</a:t>
-                </a:r>
-                <a:r>
-                  <a:rPr lang="de-DE" dirty="0" smtClean="0"/>
-                  <a:t>, </a:t>
-                </a:r>
-                <a:r>
-                  <a:rPr lang="de-DE" dirty="0" err="1" smtClean="0"/>
-                  <a:t>Peikert</a:t>
-                </a:r>
-                <a:r>
-                  <a:rPr lang="de-DE" dirty="0" smtClean="0"/>
-                  <a:t>- </a:t>
-                </a:r>
-                <a:r>
-                  <a:rPr lang="de-DE" dirty="0" err="1" smtClean="0"/>
-                  <a:t>and</a:t>
-                </a:r>
-                <a:r>
-                  <a:rPr lang="de-DE" dirty="0" smtClean="0"/>
-                  <a:t> </a:t>
-                </a:r>
-                <a:r>
-                  <a:rPr lang="de-DE" dirty="0" err="1" smtClean="0"/>
-                  <a:t>Regev</a:t>
-                </a:r>
-                <a:r>
-                  <a:rPr lang="en-US" dirty="0" smtClean="0"/>
-                  <a:t> in 2012</a:t>
-                </a:r>
-              </a:p>
-              <a:p>
-                <a:pPr lvl="1"/>
-                <a:r>
-                  <a:rPr lang="en-US" dirty="0" smtClean="0"/>
-                  <a:t>Masking applicable to other Ring-LWE schemes as well</a:t>
-                </a:r>
-              </a:p>
-              <a:p>
-                <a:r>
-                  <a:rPr lang="en-US" dirty="0" smtClean="0"/>
-                  <a:t>All polynomials are elements of </a:t>
-                </a:r>
-                <a14:m>
-                  <m:oMath xmlns:m="http://schemas.openxmlformats.org/officeDocument/2006/math">
-                    <m:sSub>
-                      <m:sSubPr>
-                        <m:ctrlPr>
-                          <a:rPr lang="en-US" i="1">
-                            <a:latin typeface="Cambria Math" charset="0"/>
-                            <a:ea typeface="Cambria Math" charset="0"/>
-                            <a:cs typeface="Cambria Math" charset="0"/>
-                          </a:rPr>
-                        </m:ctrlPr>
-                      </m:sSubPr>
-                      <m:e>
-                        <m:r>
-                          <a:rPr lang="en-US" i="1">
-                            <a:latin typeface="Cambria Math" charset="0"/>
-                            <a:ea typeface="Cambria Math" charset="0"/>
-                            <a:cs typeface="Cambria Math" charset="0"/>
-                          </a:rPr>
-                          <m:t>𝑅</m:t>
-                        </m:r>
-                      </m:e>
-                      <m:sub>
-                        <m:r>
-                          <a:rPr lang="en-US" i="1">
-                            <a:latin typeface="Cambria Math" charset="0"/>
-                            <a:ea typeface="Cambria Math" charset="0"/>
-                            <a:cs typeface="Cambria Math" charset="0"/>
-                          </a:rPr>
-                          <m:t>𝑞</m:t>
-                        </m:r>
-                      </m:sub>
-                    </m:sSub>
-                  </m:oMath>
-                </a14:m>
                 <a:endParaRPr lang="en-US" dirty="0" smtClean="0"/>
               </a:p>
               <a:p>
@@ -8124,7 +8973,7 @@
             </p:txBody>
           </p:sp>
         </mc:Choice>
-        <mc:Fallback xmlns="">
+        <mc:Fallback>
           <p:sp>
             <p:nvSpPr>
               <p:cNvPr id="2" name="Textplatzhalter 1"/>
@@ -8207,10 +9056,17 @@
     <a:masterClrMapping/>
   </p:clrMapOvr>
   <p:transition/>
+  <p:timing>
+    <p:tnLst>
+      <p:par>
+        <p:cTn id="1" dur="indefinite" restart="never" nodeType="tmRoot"/>
+      </p:par>
+    </p:tnLst>
+  </p:timing>
 </p:sld>
 </file>
 
-<file path=ppt/slides/slide9.xml><?xml version="1.0" encoding="utf-8"?>
+<file path=ppt/slides/slide8.xml><?xml version="1.0" encoding="utf-8"?>
 <p:sld xmlns:a="http://schemas.openxmlformats.org/drawingml/2006/main" xmlns:r="http://schemas.openxmlformats.org/officeDocument/2006/relationships" xmlns:p="http://schemas.openxmlformats.org/presentationml/2006/main">
   <p:cSld>
     <p:spTree>
@@ -8544,6 +9400,845 @@
     <a:masterClrMapping/>
   </p:clrMapOvr>
   <p:transition/>
+  <p:timing>
+    <p:tnLst>
+      <p:par>
+        <p:cTn id="1" dur="indefinite" restart="never" nodeType="tmRoot"/>
+      </p:par>
+    </p:tnLst>
+  </p:timing>
+</p:sld>
+</file>
+
+<file path=ppt/slides/slide9.xml><?xml version="1.0" encoding="utf-8"?>
+<p:sld xmlns:a="http://schemas.openxmlformats.org/drawingml/2006/main" xmlns:r="http://schemas.openxmlformats.org/officeDocument/2006/relationships" xmlns:p="http://schemas.openxmlformats.org/presentationml/2006/main">
+  <p:cSld>
+    <p:spTree>
+      <p:nvGrpSpPr>
+        <p:cNvPr id="1" name=""/>
+        <p:cNvGrpSpPr/>
+        <p:nvPr/>
+      </p:nvGrpSpPr>
+      <p:grpSpPr>
+        <a:xfrm>
+          <a:off x="0" y="0"/>
+          <a:ext cx="0" cy="0"/>
+          <a:chOff x="0" y="0"/>
+          <a:chExt cx="0" cy="0"/>
+        </a:xfrm>
+      </p:grpSpPr>
+      <mc:AlternateContent xmlns:mc="http://schemas.openxmlformats.org/markup-compatibility/2006" xmlns:a14="http://schemas.microsoft.com/office/drawing/2010/main">
+        <mc:Choice Requires="a14">
+          <p:sp>
+            <p:nvSpPr>
+              <p:cNvPr id="2" name="Textplatzhalter 1"/>
+              <p:cNvSpPr>
+                <a:spLocks noGrp="1"/>
+              </p:cNvSpPr>
+              <p:nvPr>
+                <p:ph type="body" sz="quarter" idx="10"/>
+              </p:nvPr>
+            </p:nvSpPr>
+            <p:spPr/>
+            <p:txBody>
+              <a:bodyPr/>
+              <a:lstStyle/>
+              <a:p>
+                <a:r>
+                  <a:rPr lang="en-US" b="1" dirty="0" smtClean="0"/>
+                  <a:t>Input: </a:t>
+                </a:r>
+                <a14:m>
+                  <m:oMath xmlns:m="http://schemas.openxmlformats.org/officeDocument/2006/math">
+                    <m:r>
+                      <a:rPr lang="en-US" b="0" i="1" smtClean="0">
+                        <a:latin typeface="Cambria Math" charset="0"/>
+                      </a:rPr>
+                      <m:t>𝑛</m:t>
+                    </m:r>
+                  </m:oMath>
+                </a14:m>
+                <a:r>
+                  <a:rPr lang="en-US" dirty="0" smtClean="0"/>
+                  <a:t>-bit message </a:t>
+                </a:r>
+                <a14:m>
+                  <m:oMath xmlns:m="http://schemas.openxmlformats.org/officeDocument/2006/math">
+                    <m:r>
+                      <a:rPr lang="en-US" b="1" i="1" smtClean="0">
+                        <a:latin typeface="Cambria Math" charset="0"/>
+                      </a:rPr>
+                      <m:t>𝒎</m:t>
+                    </m:r>
+                  </m:oMath>
+                </a14:m>
+                <a:r>
+                  <a:rPr lang="en-US" dirty="0" smtClean="0"/>
+                  <a:t>, public key </a:t>
+                </a:r>
+                <a14:m>
+                  <m:oMath xmlns:m="http://schemas.openxmlformats.org/officeDocument/2006/math">
+                    <m:r>
+                      <a:rPr lang="en-US" b="1" i="1">
+                        <a:latin typeface="Cambria Math" charset="0"/>
+                      </a:rPr>
+                      <m:t>𝒑</m:t>
+                    </m:r>
+                  </m:oMath>
+                </a14:m>
+                <a:endParaRPr lang="en-US" b="1" dirty="0" smtClean="0"/>
+              </a:p>
+              <a:p>
+                <a:r>
+                  <a:rPr lang="en-US" dirty="0" smtClean="0"/>
+                  <a:t>Encode </a:t>
+                </a:r>
+                <a14:m>
+                  <m:oMath xmlns:m="http://schemas.openxmlformats.org/officeDocument/2006/math">
+                    <m:r>
+                      <a:rPr lang="en-US" b="1" i="1">
+                        <a:latin typeface="Cambria Math" charset="0"/>
+                      </a:rPr>
+                      <m:t>𝒎</m:t>
+                    </m:r>
+                  </m:oMath>
+                </a14:m>
+                <a:r>
+                  <a:rPr lang="en-US" dirty="0" smtClean="0"/>
+                  <a:t> as an element of </a:t>
+                </a:r>
+                <a14:m>
+                  <m:oMath xmlns:m="http://schemas.openxmlformats.org/officeDocument/2006/math">
+                    <m:sSub>
+                      <m:sSubPr>
+                        <m:ctrlPr>
+                          <a:rPr lang="en-US" i="1">
+                            <a:latin typeface="Cambria Math" charset="0"/>
+                            <a:ea typeface="Cambria Math" charset="0"/>
+                            <a:cs typeface="Cambria Math" charset="0"/>
+                          </a:rPr>
+                        </m:ctrlPr>
+                      </m:sSubPr>
+                      <m:e>
+                        <m:r>
+                          <a:rPr lang="en-US" i="1">
+                            <a:latin typeface="Cambria Math" charset="0"/>
+                            <a:ea typeface="Cambria Math" charset="0"/>
+                            <a:cs typeface="Cambria Math" charset="0"/>
+                          </a:rPr>
+                          <m:t>𝑅</m:t>
+                        </m:r>
+                      </m:e>
+                      <m:sub>
+                        <m:r>
+                          <a:rPr lang="en-US" i="1">
+                            <a:latin typeface="Cambria Math" charset="0"/>
+                            <a:ea typeface="Cambria Math" charset="0"/>
+                            <a:cs typeface="Cambria Math" charset="0"/>
+                          </a:rPr>
+                          <m:t>𝑞</m:t>
+                        </m:r>
+                      </m:sub>
+                    </m:sSub>
+                  </m:oMath>
+                </a14:m>
+                <a:r>
+                  <a:rPr lang="en-US" dirty="0" smtClean="0"/>
+                  <a:t> by multiplying each bit with </a:t>
+                </a:r>
+                <a14:m>
+                  <m:oMath xmlns:m="http://schemas.openxmlformats.org/officeDocument/2006/math">
+                    <m:f>
+                      <m:fPr>
+                        <m:ctrlPr>
+                          <a:rPr lang="en-US" i="1" smtClean="0">
+                            <a:latin typeface="Cambria Math" charset="0"/>
+                          </a:rPr>
+                        </m:ctrlPr>
+                      </m:fPr>
+                      <m:num>
+                        <m:r>
+                          <a:rPr lang="en-US" b="0" i="1" smtClean="0">
+                            <a:latin typeface="Cambria Math" charset="0"/>
+                          </a:rPr>
+                          <m:t>𝑞</m:t>
+                        </m:r>
+                      </m:num>
+                      <m:den>
+                        <m:r>
+                          <a:rPr lang="en-US" b="0" i="1" smtClean="0">
+                            <a:latin typeface="Cambria Math" charset="0"/>
+                          </a:rPr>
+                          <m:t>2</m:t>
+                        </m:r>
+                      </m:den>
+                    </m:f>
+                  </m:oMath>
+                </a14:m>
+                <a:endParaRPr lang="en-US" dirty="0" smtClean="0"/>
+              </a:p>
+              <a:p>
+                <a:pPr lvl="1"/>
+                <a:r>
+                  <a:rPr lang="en-US" dirty="0" smtClean="0"/>
+                  <a:t>Encoded message is denoted as </a:t>
+                </a:r>
+                <a14:m>
+                  <m:oMath xmlns:m="http://schemas.openxmlformats.org/officeDocument/2006/math">
+                    <m:sSub>
+                      <m:sSubPr>
+                        <m:ctrlPr>
+                          <a:rPr lang="en-US" i="1" smtClean="0">
+                            <a:latin typeface="Cambria Math" charset="0"/>
+                          </a:rPr>
+                        </m:ctrlPr>
+                      </m:sSubPr>
+                      <m:e>
+                        <m:r>
+                          <a:rPr lang="en-US" b="1" i="1">
+                            <a:latin typeface="Cambria Math" charset="0"/>
+                          </a:rPr>
+                          <m:t>𝒎</m:t>
+                        </m:r>
+                      </m:e>
+                      <m:sub>
+                        <m:r>
+                          <a:rPr lang="en-US" b="0" i="1" smtClean="0">
+                            <a:latin typeface="Cambria Math" charset="0"/>
+                          </a:rPr>
+                          <m:t>𝑒𝑛𝑐</m:t>
+                        </m:r>
+                      </m:sub>
+                    </m:sSub>
+                  </m:oMath>
+                </a14:m>
+                <a:endParaRPr lang="en-US" dirty="0" smtClean="0"/>
+              </a:p>
+              <a:p>
+                <a:r>
+                  <a:rPr lang="en-US" dirty="0" smtClean="0"/>
+                  <a:t>Sample error polynomials </a:t>
+                </a:r>
+                <a14:m>
+                  <m:oMath xmlns:m="http://schemas.openxmlformats.org/officeDocument/2006/math">
+                    <m:sSub>
+                      <m:sSubPr>
+                        <m:ctrlPr>
+                          <a:rPr lang="en-US" i="1">
+                            <a:latin typeface="Cambria Math" charset="0"/>
+                          </a:rPr>
+                        </m:ctrlPr>
+                      </m:sSubPr>
+                      <m:e>
+                        <m:r>
+                          <a:rPr lang="en-US" b="1" i="1">
+                            <a:latin typeface="Cambria Math" charset="0"/>
+                          </a:rPr>
+                          <m:t>𝒆</m:t>
+                        </m:r>
+                      </m:e>
+                      <m:sub>
+                        <m:r>
+                          <a:rPr lang="en-US" b="0" i="1" smtClean="0">
+                            <a:latin typeface="Cambria Math" charset="0"/>
+                          </a:rPr>
+                          <m:t>1</m:t>
+                        </m:r>
+                      </m:sub>
+                    </m:sSub>
+                    <m:r>
+                      <a:rPr lang="en-US" b="0" i="1" smtClean="0">
+                        <a:latin typeface="Cambria Math" charset="0"/>
+                      </a:rPr>
+                      <m:t>,</m:t>
+                    </m:r>
+                    <m:sSub>
+                      <m:sSubPr>
+                        <m:ctrlPr>
+                          <a:rPr lang="en-US" i="1">
+                            <a:latin typeface="Cambria Math" charset="0"/>
+                          </a:rPr>
+                        </m:ctrlPr>
+                      </m:sSubPr>
+                      <m:e>
+                        <m:r>
+                          <a:rPr lang="en-US" b="1" i="1">
+                            <a:latin typeface="Cambria Math" charset="0"/>
+                          </a:rPr>
+                          <m:t>𝒆</m:t>
+                        </m:r>
+                      </m:e>
+                      <m:sub>
+                        <m:r>
+                          <a:rPr lang="en-US" b="0" i="1" smtClean="0">
+                            <a:latin typeface="Cambria Math" charset="0"/>
+                          </a:rPr>
+                          <m:t>2</m:t>
+                        </m:r>
+                      </m:sub>
+                    </m:sSub>
+                    <m:r>
+                      <a:rPr lang="en-US" b="0" i="1" smtClean="0">
+                        <a:latin typeface="Cambria Math" charset="0"/>
+                      </a:rPr>
+                      <m:t>,</m:t>
+                    </m:r>
+                    <m:sSub>
+                      <m:sSubPr>
+                        <m:ctrlPr>
+                          <a:rPr lang="en-US" i="1">
+                            <a:latin typeface="Cambria Math" charset="0"/>
+                          </a:rPr>
+                        </m:ctrlPr>
+                      </m:sSubPr>
+                      <m:e>
+                        <m:r>
+                          <a:rPr lang="en-US" b="1" i="1">
+                            <a:latin typeface="Cambria Math" charset="0"/>
+                          </a:rPr>
+                          <m:t>𝒆</m:t>
+                        </m:r>
+                      </m:e>
+                      <m:sub>
+                        <m:r>
+                          <a:rPr lang="en-US" b="0" i="1" smtClean="0">
+                            <a:latin typeface="Cambria Math" charset="0"/>
+                          </a:rPr>
+                          <m:t>3</m:t>
+                        </m:r>
+                      </m:sub>
+                    </m:sSub>
+                  </m:oMath>
+                </a14:m>
+                <a:r>
+                  <a:rPr lang="en-US" dirty="0" smtClean="0"/>
+                  <a:t> according to </a:t>
+                </a:r>
+                <a14:m>
+                  <m:oMath xmlns:m="http://schemas.openxmlformats.org/officeDocument/2006/math">
+                    <m:sSubSup>
+                      <m:sSubSupPr>
+                        <m:ctrlPr>
+                          <a:rPr lang="en-US" i="1">
+                            <a:latin typeface="Cambria Math" charset="0"/>
+                            <a:ea typeface="Cambria Math" charset="0"/>
+                            <a:cs typeface="Cambria Math" charset="0"/>
+                          </a:rPr>
+                        </m:ctrlPr>
+                      </m:sSubSupPr>
+                      <m:e>
+                        <m:r>
+                          <a:rPr lang="en-US" i="1">
+                            <a:latin typeface="Cambria Math" charset="0"/>
+                            <a:ea typeface="Cambria Math" charset="0"/>
+                            <a:cs typeface="Cambria Math" charset="0"/>
+                          </a:rPr>
+                          <m:t>𝒩</m:t>
+                        </m:r>
+                      </m:e>
+                      <m:sub>
+                        <m:r>
+                          <a:rPr lang="en-US" i="1">
+                            <a:latin typeface="Cambria Math" charset="0"/>
+                            <a:ea typeface="Cambria Math" charset="0"/>
+                            <a:cs typeface="Cambria Math" charset="0"/>
+                          </a:rPr>
+                          <m:t>ℤ</m:t>
+                        </m:r>
+                      </m:sub>
+                      <m:sup>
+                        <m:r>
+                          <a:rPr lang="en-US" i="1">
+                            <a:latin typeface="Cambria Math" charset="0"/>
+                            <a:ea typeface="Cambria Math" charset="0"/>
+                            <a:cs typeface="Cambria Math" charset="0"/>
+                          </a:rPr>
+                          <m:t>𝑛</m:t>
+                        </m:r>
+                      </m:sup>
+                    </m:sSubSup>
+                    <m:d>
+                      <m:dPr>
+                        <m:ctrlPr>
+                          <a:rPr lang="en-US" i="1">
+                            <a:latin typeface="Cambria Math" charset="0"/>
+                            <a:ea typeface="Cambria Math" charset="0"/>
+                            <a:cs typeface="Cambria Math" charset="0"/>
+                          </a:rPr>
+                        </m:ctrlPr>
+                      </m:dPr>
+                      <m:e>
+                        <m:r>
+                          <a:rPr lang="en-US" i="1">
+                            <a:latin typeface="Cambria Math" charset="0"/>
+                            <a:ea typeface="Cambria Math" charset="0"/>
+                            <a:cs typeface="Cambria Math" charset="0"/>
+                          </a:rPr>
+                          <m:t>0,</m:t>
+                        </m:r>
+                        <m:sSup>
+                          <m:sSupPr>
+                            <m:ctrlPr>
+                              <a:rPr lang="en-US" i="1">
+                                <a:latin typeface="Cambria Math" charset="0"/>
+                                <a:ea typeface="Cambria Math" charset="0"/>
+                                <a:cs typeface="Cambria Math" charset="0"/>
+                              </a:rPr>
+                            </m:ctrlPr>
+                          </m:sSupPr>
+                          <m:e>
+                            <m:r>
+                              <a:rPr lang="en-US" i="1">
+                                <a:latin typeface="Cambria Math" charset="0"/>
+                                <a:ea typeface="Cambria Math" charset="0"/>
+                                <a:cs typeface="Cambria Math" charset="0"/>
+                              </a:rPr>
+                              <m:t>𝜎</m:t>
+                            </m:r>
+                          </m:e>
+                          <m:sup>
+                            <m:r>
+                              <a:rPr lang="en-US" i="1">
+                                <a:latin typeface="Cambria Math" charset="0"/>
+                                <a:ea typeface="Cambria Math" charset="0"/>
+                                <a:cs typeface="Cambria Math" charset="0"/>
+                              </a:rPr>
+                              <m:t>2</m:t>
+                            </m:r>
+                          </m:sup>
+                        </m:sSup>
+                      </m:e>
+                    </m:d>
+                  </m:oMath>
+                </a14:m>
+                <a:endParaRPr lang="en-US" dirty="0" smtClean="0"/>
+              </a:p>
+              <a:p>
+                <a:pPr lvl="1"/>
+                <a:r>
+                  <a:rPr lang="en-US" dirty="0" smtClean="0"/>
+                  <a:t>Will be used as noise</a:t>
+                </a:r>
+              </a:p>
+              <a:p>
+                <a:r>
+                  <a:rPr lang="en-US" dirty="0" smtClean="0"/>
+                  <a:t>Compute </a:t>
+                </a:r>
+                <a14:m>
+                  <m:oMath xmlns:m="http://schemas.openxmlformats.org/officeDocument/2006/math">
+                    <m:sSub>
+                      <m:sSubPr>
+                        <m:ctrlPr>
+                          <a:rPr lang="en-US" i="1" smtClean="0">
+                            <a:latin typeface="Cambria Math" charset="0"/>
+                          </a:rPr>
+                        </m:ctrlPr>
+                      </m:sSubPr>
+                      <m:e>
+                        <m:r>
+                          <a:rPr lang="en-US" b="1" i="1" smtClean="0">
+                            <a:latin typeface="Cambria Math" charset="0"/>
+                          </a:rPr>
+                          <m:t>𝒄</m:t>
+                        </m:r>
+                      </m:e>
+                      <m:sub>
+                        <m:r>
+                          <a:rPr lang="en-US" b="0" i="1" smtClean="0">
+                            <a:latin typeface="Cambria Math" charset="0"/>
+                          </a:rPr>
+                          <m:t>1</m:t>
+                        </m:r>
+                      </m:sub>
+                    </m:sSub>
+                    <m:r>
+                      <a:rPr lang="en-US" b="0" i="1" smtClean="0">
+                        <a:latin typeface="Cambria Math" charset="0"/>
+                      </a:rPr>
+                      <m:t>=</m:t>
+                    </m:r>
+                    <m:r>
+                      <a:rPr lang="en-US" b="1" i="1" smtClean="0">
+                        <a:latin typeface="Cambria Math" charset="0"/>
+                      </a:rPr>
+                      <m:t>𝒈</m:t>
+                    </m:r>
+                    <m:sSub>
+                      <m:sSubPr>
+                        <m:ctrlPr>
+                          <a:rPr lang="en-US" b="0" i="1" smtClean="0">
+                            <a:latin typeface="Cambria Math" charset="0"/>
+                          </a:rPr>
+                        </m:ctrlPr>
+                      </m:sSubPr>
+                      <m:e>
+                        <m:r>
+                          <a:rPr lang="en-US" b="1" i="1" smtClean="0">
+                            <a:latin typeface="Cambria Math" charset="0"/>
+                          </a:rPr>
+                          <m:t>𝒆</m:t>
+                        </m:r>
+                      </m:e>
+                      <m:sub>
+                        <m:r>
+                          <a:rPr lang="en-US" b="0" i="1" smtClean="0">
+                            <a:latin typeface="Cambria Math" charset="0"/>
+                          </a:rPr>
+                          <m:t>1</m:t>
+                        </m:r>
+                      </m:sub>
+                    </m:sSub>
+                    <m:r>
+                      <a:rPr lang="en-US" b="0" i="1" smtClean="0">
+                        <a:latin typeface="Cambria Math" charset="0"/>
+                      </a:rPr>
+                      <m:t>+</m:t>
+                    </m:r>
+                    <m:sSub>
+                      <m:sSubPr>
+                        <m:ctrlPr>
+                          <a:rPr lang="en-US" b="0" i="1" smtClean="0">
+                            <a:latin typeface="Cambria Math" charset="0"/>
+                          </a:rPr>
+                        </m:ctrlPr>
+                      </m:sSubPr>
+                      <m:e>
+                        <m:r>
+                          <a:rPr lang="en-US" b="1" i="1" smtClean="0">
+                            <a:latin typeface="Cambria Math" charset="0"/>
+                          </a:rPr>
+                          <m:t>𝒆</m:t>
+                        </m:r>
+                      </m:e>
+                      <m:sub>
+                        <m:r>
+                          <a:rPr lang="en-US" b="0" i="1" smtClean="0">
+                            <a:latin typeface="Cambria Math" charset="0"/>
+                          </a:rPr>
+                          <m:t>2</m:t>
+                        </m:r>
+                      </m:sub>
+                    </m:sSub>
+                  </m:oMath>
+                </a14:m>
+                <a:r>
+                  <a:rPr lang="en-US" dirty="0" smtClean="0"/>
+                  <a:t> and </a:t>
+                </a:r>
+                <a14:m>
+                  <m:oMath xmlns:m="http://schemas.openxmlformats.org/officeDocument/2006/math">
+                    <m:sSub>
+                      <m:sSubPr>
+                        <m:ctrlPr>
+                          <a:rPr lang="en-US" i="1" smtClean="0">
+                            <a:latin typeface="Cambria Math" charset="0"/>
+                          </a:rPr>
+                        </m:ctrlPr>
+                      </m:sSubPr>
+                      <m:e>
+                        <m:r>
+                          <a:rPr lang="en-US" b="1" i="1" smtClean="0">
+                            <a:latin typeface="Cambria Math" charset="0"/>
+                          </a:rPr>
+                          <m:t>𝒄</m:t>
+                        </m:r>
+                      </m:e>
+                      <m:sub>
+                        <m:r>
+                          <a:rPr lang="en-US" b="0" i="1" smtClean="0">
+                            <a:latin typeface="Cambria Math" charset="0"/>
+                          </a:rPr>
+                          <m:t>2</m:t>
+                        </m:r>
+                      </m:sub>
+                    </m:sSub>
+                    <m:r>
+                      <a:rPr lang="en-US" b="0" i="1" smtClean="0">
+                        <a:latin typeface="Cambria Math" charset="0"/>
+                      </a:rPr>
+                      <m:t>=</m:t>
+                    </m:r>
+                    <m:r>
+                      <a:rPr lang="en-US" b="1" i="1" smtClean="0">
+                        <a:latin typeface="Cambria Math" charset="0"/>
+                      </a:rPr>
+                      <m:t>𝒑</m:t>
+                    </m:r>
+                    <m:sSub>
+                      <m:sSubPr>
+                        <m:ctrlPr>
+                          <a:rPr lang="en-US" b="0" i="1" smtClean="0">
+                            <a:latin typeface="Cambria Math" charset="0"/>
+                          </a:rPr>
+                        </m:ctrlPr>
+                      </m:sSubPr>
+                      <m:e>
+                        <m:r>
+                          <a:rPr lang="en-US" b="1" i="1" smtClean="0">
+                            <a:latin typeface="Cambria Math" charset="0"/>
+                          </a:rPr>
+                          <m:t>𝒆</m:t>
+                        </m:r>
+                      </m:e>
+                      <m:sub>
+                        <m:r>
+                          <a:rPr lang="en-US" b="0" i="1" smtClean="0">
+                            <a:latin typeface="Cambria Math" charset="0"/>
+                          </a:rPr>
+                          <m:t>1</m:t>
+                        </m:r>
+                      </m:sub>
+                    </m:sSub>
+                    <m:r>
+                      <a:rPr lang="en-US" b="0" i="1" smtClean="0">
+                        <a:latin typeface="Cambria Math" charset="0"/>
+                      </a:rPr>
+                      <m:t>+</m:t>
+                    </m:r>
+                    <m:sSub>
+                      <m:sSubPr>
+                        <m:ctrlPr>
+                          <a:rPr lang="en-US" b="0" i="1" smtClean="0">
+                            <a:latin typeface="Cambria Math" charset="0"/>
+                          </a:rPr>
+                        </m:ctrlPr>
+                      </m:sSubPr>
+                      <m:e>
+                        <m:r>
+                          <a:rPr lang="en-US" b="1" i="1" smtClean="0">
+                            <a:latin typeface="Cambria Math" charset="0"/>
+                          </a:rPr>
+                          <m:t>𝒆</m:t>
+                        </m:r>
+                      </m:e>
+                      <m:sub>
+                        <m:r>
+                          <a:rPr lang="en-US" b="0" i="1" smtClean="0">
+                            <a:latin typeface="Cambria Math" charset="0"/>
+                          </a:rPr>
+                          <m:t>3</m:t>
+                        </m:r>
+                      </m:sub>
+                    </m:sSub>
+                    <m:r>
+                      <a:rPr lang="en-US" b="0" i="1" smtClean="0">
+                        <a:latin typeface="Cambria Math" charset="0"/>
+                      </a:rPr>
+                      <m:t>+</m:t>
+                    </m:r>
+                    <m:sSub>
+                      <m:sSubPr>
+                        <m:ctrlPr>
+                          <a:rPr lang="en-US" i="1">
+                            <a:latin typeface="Cambria Math" charset="0"/>
+                          </a:rPr>
+                        </m:ctrlPr>
+                      </m:sSubPr>
+                      <m:e>
+                        <m:r>
+                          <a:rPr lang="en-US" b="1" i="1">
+                            <a:latin typeface="Cambria Math" charset="0"/>
+                          </a:rPr>
+                          <m:t>𝒎</m:t>
+                        </m:r>
+                      </m:e>
+                      <m:sub>
+                        <m:r>
+                          <a:rPr lang="en-US" i="1">
+                            <a:latin typeface="Cambria Math" charset="0"/>
+                          </a:rPr>
+                          <m:t>𝑒𝑛𝑐</m:t>
+                        </m:r>
+                      </m:sub>
+                    </m:sSub>
+                  </m:oMath>
+                </a14:m>
+                <a:endParaRPr lang="en-US" dirty="0" smtClean="0"/>
+              </a:p>
+              <a:p>
+                <a:r>
+                  <a:rPr lang="en-US" b="1" dirty="0" smtClean="0"/>
+                  <a:t>Output:</a:t>
+                </a:r>
+                <a:r>
+                  <a:rPr lang="en-US" dirty="0" smtClean="0"/>
+                  <a:t> </a:t>
+                </a:r>
+                <a:r>
+                  <a:rPr lang="en-US" dirty="0" err="1" smtClean="0"/>
+                  <a:t>Ciphertext</a:t>
+                </a:r>
+                <a:r>
+                  <a:rPr lang="en-US" dirty="0" smtClean="0"/>
+                  <a:t> </a:t>
+                </a:r>
+                <a14:m>
+                  <m:oMath xmlns:m="http://schemas.openxmlformats.org/officeDocument/2006/math">
+                    <m:d>
+                      <m:dPr>
+                        <m:ctrlPr>
+                          <a:rPr lang="en-US" i="1" smtClean="0">
+                            <a:latin typeface="Cambria Math" charset="0"/>
+                          </a:rPr>
+                        </m:ctrlPr>
+                      </m:dPr>
+                      <m:e>
+                        <m:sSub>
+                          <m:sSubPr>
+                            <m:ctrlPr>
+                              <a:rPr lang="en-US" i="1">
+                                <a:latin typeface="Cambria Math" charset="0"/>
+                              </a:rPr>
+                            </m:ctrlPr>
+                          </m:sSubPr>
+                          <m:e>
+                            <m:r>
+                              <a:rPr lang="en-US" b="1" i="1">
+                                <a:latin typeface="Cambria Math" charset="0"/>
+                              </a:rPr>
+                              <m:t>𝒄</m:t>
+                            </m:r>
+                          </m:e>
+                          <m:sub>
+                            <m:r>
+                              <a:rPr lang="en-US" i="1">
+                                <a:latin typeface="Cambria Math" charset="0"/>
+                              </a:rPr>
+                              <m:t>1</m:t>
+                            </m:r>
+                          </m:sub>
+                        </m:sSub>
+                        <m:r>
+                          <a:rPr lang="en-US" b="0" i="1" smtClean="0">
+                            <a:latin typeface="Cambria Math" charset="0"/>
+                          </a:rPr>
+                          <m:t>,</m:t>
+                        </m:r>
+                        <m:sSub>
+                          <m:sSubPr>
+                            <m:ctrlPr>
+                              <a:rPr lang="en-US" i="1">
+                                <a:latin typeface="Cambria Math" charset="0"/>
+                              </a:rPr>
+                            </m:ctrlPr>
+                          </m:sSubPr>
+                          <m:e>
+                            <m:r>
+                              <a:rPr lang="en-US" b="1" i="1">
+                                <a:latin typeface="Cambria Math" charset="0"/>
+                              </a:rPr>
+                              <m:t>𝒄</m:t>
+                            </m:r>
+                          </m:e>
+                          <m:sub>
+                            <m:r>
+                              <a:rPr lang="en-US" i="1">
+                                <a:latin typeface="Cambria Math" charset="0"/>
+                              </a:rPr>
+                              <m:t>2</m:t>
+                            </m:r>
+                          </m:sub>
+                        </m:sSub>
+                      </m:e>
+                    </m:d>
+                  </m:oMath>
+                </a14:m>
+                <a:endParaRPr lang="en-US" b="1" dirty="0"/>
+              </a:p>
+            </p:txBody>
+          </p:sp>
+        </mc:Choice>
+        <mc:Fallback xmlns="">
+          <p:sp>
+            <p:nvSpPr>
+              <p:cNvPr id="2" name="Textplatzhalter 1"/>
+              <p:cNvSpPr>
+                <a:spLocks noGrp="1" noRot="1" noChangeAspect="1" noMove="1" noResize="1" noEditPoints="1" noAdjustHandles="1" noChangeArrowheads="1" noChangeShapeType="1" noTextEdit="1"/>
+              </p:cNvSpPr>
+              <p:nvPr>
+                <p:ph type="body" sz="quarter" idx="10"/>
+              </p:nvPr>
+            </p:nvSpPr>
+            <p:spPr>
+              <a:blipFill rotWithShape="0">
+                <a:blip r:embed="rId2"/>
+                <a:stretch>
+                  <a:fillRect l="-944" t="-779"/>
+                </a:stretch>
+              </a:blipFill>
+            </p:spPr>
+            <p:txBody>
+              <a:bodyPr/>
+              <a:lstStyle/>
+              <a:p>
+                <a:r>
+                  <a:rPr lang="de-DE">
+                    <a:noFill/>
+                  </a:rPr>
+                  <a:t> </a:t>
+                </a:r>
+              </a:p>
+            </p:txBody>
+          </p:sp>
+        </mc:Fallback>
+      </mc:AlternateContent>
+      <p:sp>
+        <p:nvSpPr>
+          <p:cNvPr id="3" name="Titel 2"/>
+          <p:cNvSpPr>
+            <a:spLocks noGrp="1"/>
+          </p:cNvSpPr>
+          <p:nvPr>
+            <p:ph type="title"/>
+          </p:nvPr>
+        </p:nvSpPr>
+        <p:spPr/>
+        <p:txBody>
+          <a:bodyPr/>
+          <a:lstStyle/>
+          <a:p>
+            <a:r>
+              <a:rPr lang="de-DE" dirty="0"/>
+              <a:t>Ring-LWE Encryption </a:t>
+            </a:r>
+            <a:r>
+              <a:rPr lang="de-DE" dirty="0" err="1"/>
+              <a:t>Scheme</a:t>
+            </a:r>
+            <a:r>
+              <a:rPr lang="de-DE" dirty="0"/>
+              <a:t/>
+            </a:r>
+            <a:br>
+              <a:rPr lang="de-DE" dirty="0"/>
+            </a:br>
+            <a:r>
+              <a:rPr lang="de-DE" sz="2800" b="0" dirty="0" smtClean="0"/>
+              <a:t>Encryption</a:t>
+            </a:r>
+            <a:endParaRPr lang="de-DE" dirty="0"/>
+          </a:p>
+        </p:txBody>
+      </p:sp>
+    </p:spTree>
+    <p:extLst>
+      <p:ext uri="{BB962C8B-B14F-4D97-AF65-F5344CB8AC3E}">
+        <p14:creationId xmlns:p14="http://schemas.microsoft.com/office/powerpoint/2010/main" val="1107379474"/>
+      </p:ext>
+    </p:extLst>
+  </p:cSld>
+  <p:clrMapOvr>
+    <a:masterClrMapping/>
+  </p:clrMapOvr>
+  <p:transition/>
+  <p:timing>
+    <p:tnLst>
+      <p:par>
+        <p:cTn id="1" dur="indefinite" restart="never" nodeType="tmRoot"/>
+      </p:par>
+    </p:tnLst>
+  </p:timing>
 </p:sld>
 </file>
 
@@ -9460,4 +11155,265 @@
   <a:objectDefaults/>
   <a:extraClrSchemeLst/>
 </a:theme>
+</file>
+
+<file path=ppt/theme/theme4.xml><?xml version="1.0" encoding="utf-8"?>
+<a:theme xmlns:a="http://schemas.openxmlformats.org/drawingml/2006/main" name="Office-Design">
+  <a:themeElements>
+    <a:clrScheme name="Office">
+      <a:dk1>
+        <a:sysClr val="windowText" lastClr="000000"/>
+      </a:dk1>
+      <a:lt1>
+        <a:sysClr val="window" lastClr="FFFFFF"/>
+      </a:lt1>
+      <a:dk2>
+        <a:srgbClr val="44546A"/>
+      </a:dk2>
+      <a:lt2>
+        <a:srgbClr val="E7E6E6"/>
+      </a:lt2>
+      <a:accent1>
+        <a:srgbClr val="5B9BD5"/>
+      </a:accent1>
+      <a:accent2>
+        <a:srgbClr val="ED7D31"/>
+      </a:accent2>
+      <a:accent3>
+        <a:srgbClr val="A5A5A5"/>
+      </a:accent3>
+      <a:accent4>
+        <a:srgbClr val="FFC000"/>
+      </a:accent4>
+      <a:accent5>
+        <a:srgbClr val="4472C4"/>
+      </a:accent5>
+      <a:accent6>
+        <a:srgbClr val="70AD47"/>
+      </a:accent6>
+      <a:hlink>
+        <a:srgbClr val="0563C1"/>
+      </a:hlink>
+      <a:folHlink>
+        <a:srgbClr val="954F72"/>
+      </a:folHlink>
+    </a:clrScheme>
+    <a:fontScheme name="Office">
+      <a:majorFont>
+        <a:latin typeface="Calibri Light" panose="020F0302020204030204"/>
+        <a:ea typeface=""/>
+        <a:cs typeface=""/>
+        <a:font script="Jpan" typeface="Yu Gothic Light"/>
+        <a:font script="Hang" typeface="맑은 고딕"/>
+        <a:font script="Hans" typeface="DengXian Light"/>
+        <a:font script="Hant" typeface="新細明體"/>
+        <a:font script="Arab" typeface="Times New Roman"/>
+        <a:font script="Hebr" typeface="Times New Roman"/>
+        <a:font script="Thai" typeface="Angsana New"/>
+        <a:font script="Ethi" typeface="Nyala"/>
+        <a:font script="Beng" typeface="Vrinda"/>
+        <a:font script="Gujr" typeface="Shruti"/>
+        <a:font script="Khmr" typeface="MoolBoran"/>
+        <a:font script="Knda" typeface="Tunga"/>
+        <a:font script="Guru" typeface="Raavi"/>
+        <a:font script="Cans" typeface="Euphemia"/>
+        <a:font script="Cher" typeface="Plantagenet Cherokee"/>
+        <a:font script="Yiii" typeface="Microsoft Yi Baiti"/>
+        <a:font script="Tibt" typeface="Microsoft Himalaya"/>
+        <a:font script="Thaa" typeface="MV Boli"/>
+        <a:font script="Deva" typeface="Mangal"/>
+        <a:font script="Telu" typeface="Gautami"/>
+        <a:font script="Taml" typeface="Latha"/>
+        <a:font script="Syrc" typeface="Estrangelo Edessa"/>
+        <a:font script="Orya" typeface="Kalinga"/>
+        <a:font script="Mlym" typeface="Kartika"/>
+        <a:font script="Laoo" typeface="DokChampa"/>
+        <a:font script="Sinh" typeface="Iskoola Pota"/>
+        <a:font script="Mong" typeface="Mongolian Baiti"/>
+        <a:font script="Viet" typeface="Times New Roman"/>
+        <a:font script="Uigh" typeface="Microsoft Uighur"/>
+        <a:font script="Geor" typeface="Sylfaen"/>
+      </a:majorFont>
+      <a:minorFont>
+        <a:latin typeface="Calibri" panose="020F0502020204030204"/>
+        <a:ea typeface=""/>
+        <a:cs typeface=""/>
+        <a:font script="Jpan" typeface="Yu Gothic"/>
+        <a:font script="Hang" typeface="맑은 고딕"/>
+        <a:font script="Hans" typeface="DengXian"/>
+        <a:font script="Hant" typeface="新細明體"/>
+        <a:font script="Arab" typeface="Arial"/>
+        <a:font script="Hebr" typeface="Arial"/>
+        <a:font script="Thai" typeface="Cordia New"/>
+        <a:font script="Ethi" typeface="Nyala"/>
+        <a:font script="Beng" typeface="Vrinda"/>
+        <a:font script="Gujr" typeface="Shruti"/>
+        <a:font script="Khmr" typeface="DaunPenh"/>
+        <a:font script="Knda" typeface="Tunga"/>
+        <a:font script="Guru" typeface="Raavi"/>
+        <a:font script="Cans" typeface="Euphemia"/>
+        <a:font script="Cher" typeface="Plantagenet Cherokee"/>
+        <a:font script="Yiii" typeface="Microsoft Yi Baiti"/>
+        <a:font script="Tibt" typeface="Microsoft Himalaya"/>
+        <a:font script="Thaa" typeface="MV Boli"/>
+        <a:font script="Deva" typeface="Mangal"/>
+        <a:font script="Telu" typeface="Gautami"/>
+        <a:font script="Taml" typeface="Latha"/>
+        <a:font script="Syrc" typeface="Estrangelo Edessa"/>
+        <a:font script="Orya" typeface="Kalinga"/>
+        <a:font script="Mlym" typeface="Kartika"/>
+        <a:font script="Laoo" typeface="DokChampa"/>
+        <a:font script="Sinh" typeface="Iskoola Pota"/>
+        <a:font script="Mong" typeface="Mongolian Baiti"/>
+        <a:font script="Viet" typeface="Arial"/>
+        <a:font script="Uigh" typeface="Microsoft Uighur"/>
+        <a:font script="Geor" typeface="Sylfaen"/>
+      </a:minorFont>
+    </a:fontScheme>
+    <a:fmtScheme name="Office">
+      <a:fillStyleLst>
+        <a:solidFill>
+          <a:schemeClr val="phClr"/>
+        </a:solidFill>
+        <a:gradFill rotWithShape="1">
+          <a:gsLst>
+            <a:gs pos="0">
+              <a:schemeClr val="phClr">
+                <a:lumMod val="110000"/>
+                <a:satMod val="105000"/>
+                <a:tint val="67000"/>
+              </a:schemeClr>
+            </a:gs>
+            <a:gs pos="50000">
+              <a:schemeClr val="phClr">
+                <a:lumMod val="105000"/>
+                <a:satMod val="103000"/>
+                <a:tint val="73000"/>
+              </a:schemeClr>
+            </a:gs>
+            <a:gs pos="100000">
+              <a:schemeClr val="phClr">
+                <a:lumMod val="105000"/>
+                <a:satMod val="109000"/>
+                <a:tint val="81000"/>
+              </a:schemeClr>
+            </a:gs>
+          </a:gsLst>
+          <a:lin ang="5400000" scaled="0"/>
+        </a:gradFill>
+        <a:gradFill rotWithShape="1">
+          <a:gsLst>
+            <a:gs pos="0">
+              <a:schemeClr val="phClr">
+                <a:satMod val="103000"/>
+                <a:lumMod val="102000"/>
+                <a:tint val="94000"/>
+              </a:schemeClr>
+            </a:gs>
+            <a:gs pos="50000">
+              <a:schemeClr val="phClr">
+                <a:satMod val="110000"/>
+                <a:lumMod val="100000"/>
+                <a:shade val="100000"/>
+              </a:schemeClr>
+            </a:gs>
+            <a:gs pos="100000">
+              <a:schemeClr val="phClr">
+                <a:lumMod val="99000"/>
+                <a:satMod val="120000"/>
+                <a:shade val="78000"/>
+              </a:schemeClr>
+            </a:gs>
+          </a:gsLst>
+          <a:lin ang="5400000" scaled="0"/>
+        </a:gradFill>
+      </a:fillStyleLst>
+      <a:lnStyleLst>
+        <a:ln w="6350" cap="flat" cmpd="sng" algn="ctr">
+          <a:solidFill>
+            <a:schemeClr val="phClr"/>
+          </a:solidFill>
+          <a:prstDash val="solid"/>
+          <a:miter lim="800000"/>
+        </a:ln>
+        <a:ln w="12700" cap="flat" cmpd="sng" algn="ctr">
+          <a:solidFill>
+            <a:schemeClr val="phClr"/>
+          </a:solidFill>
+          <a:prstDash val="solid"/>
+          <a:miter lim="800000"/>
+        </a:ln>
+        <a:ln w="19050" cap="flat" cmpd="sng" algn="ctr">
+          <a:solidFill>
+            <a:schemeClr val="phClr"/>
+          </a:solidFill>
+          <a:prstDash val="solid"/>
+          <a:miter lim="800000"/>
+        </a:ln>
+      </a:lnStyleLst>
+      <a:effectStyleLst>
+        <a:effectStyle>
+          <a:effectLst/>
+        </a:effectStyle>
+        <a:effectStyle>
+          <a:effectLst/>
+        </a:effectStyle>
+        <a:effectStyle>
+          <a:effectLst>
+            <a:outerShdw blurRad="57150" dist="19050" dir="5400000" algn="ctr" rotWithShape="0">
+              <a:srgbClr val="000000">
+                <a:alpha val="63000"/>
+              </a:srgbClr>
+            </a:outerShdw>
+          </a:effectLst>
+        </a:effectStyle>
+      </a:effectStyleLst>
+      <a:bgFillStyleLst>
+        <a:solidFill>
+          <a:schemeClr val="phClr"/>
+        </a:solidFill>
+        <a:solidFill>
+          <a:schemeClr val="phClr">
+            <a:tint val="95000"/>
+            <a:satMod val="170000"/>
+          </a:schemeClr>
+        </a:solidFill>
+        <a:gradFill rotWithShape="1">
+          <a:gsLst>
+            <a:gs pos="0">
+              <a:schemeClr val="phClr">
+                <a:tint val="93000"/>
+                <a:satMod val="150000"/>
+                <a:shade val="98000"/>
+                <a:lumMod val="102000"/>
+              </a:schemeClr>
+            </a:gs>
+            <a:gs pos="50000">
+              <a:schemeClr val="phClr">
+                <a:tint val="98000"/>
+                <a:satMod val="130000"/>
+                <a:shade val="90000"/>
+                <a:lumMod val="103000"/>
+              </a:schemeClr>
+            </a:gs>
+            <a:gs pos="100000">
+              <a:schemeClr val="phClr">
+                <a:shade val="63000"/>
+                <a:satMod val="120000"/>
+              </a:schemeClr>
+            </a:gs>
+          </a:gsLst>
+          <a:lin ang="5400000" scaled="0"/>
+        </a:gradFill>
+      </a:bgFillStyleLst>
+    </a:fmtScheme>
+  </a:themeElements>
+  <a:objectDefaults/>
+  <a:extraClrSchemeLst/>
+  <a:extLst>
+    <a:ext uri="{05A4C25C-085E-4340-85A3-A5531E510DB2}">
+      <thm15:themeFamily xmlns:thm15="http://schemas.microsoft.com/office/thememl/2012/main" name="Office Theme" id="{62F939B6-93AF-4DB8-9C6B-D6C7DFDC589F}" vid="{4A3C46E8-61CC-4603-A589-7422A47A8E4A}"/>
+    </a:ext>
+  </a:extLst>
+</a:theme>
 </file>
--- a/presentation/EMSEC_Blockseminar_Template_Corporate_WS1314.pptx
+++ b/presentation/EMSEC_Blockseminar_Template_Corporate_WS1314.pptx
@@ -6,10 +6,10 @@
     <p:sldMasterId id="2147483661" r:id="rId2"/>
   </p:sldMasterIdLst>
   <p:notesMasterIdLst>
-    <p:notesMasterId r:id="rId17"/>
+    <p:notesMasterId r:id="rId24"/>
   </p:notesMasterIdLst>
   <p:handoutMasterIdLst>
-    <p:handoutMasterId r:id="rId18"/>
+    <p:handoutMasterId r:id="rId25"/>
   </p:handoutMasterIdLst>
   <p:sldIdLst>
     <p:sldId id="256" r:id="rId3"/>
@@ -25,7 +25,14 @@
     <p:sldId id="320" r:id="rId13"/>
     <p:sldId id="322" r:id="rId14"/>
     <p:sldId id="323" r:id="rId15"/>
-    <p:sldId id="311" r:id="rId16"/>
+    <p:sldId id="324" r:id="rId16"/>
+    <p:sldId id="325" r:id="rId17"/>
+    <p:sldId id="326" r:id="rId18"/>
+    <p:sldId id="327" r:id="rId19"/>
+    <p:sldId id="328" r:id="rId20"/>
+    <p:sldId id="329" r:id="rId21"/>
+    <p:sldId id="330" r:id="rId22"/>
+    <p:sldId id="311" r:id="rId23"/>
   </p:sldIdLst>
   <p:sldSz cx="10080625" cy="7561263"/>
   <p:notesSz cx="6858000" cy="9144000"/>
@@ -5676,7 +5683,7 @@
             </a:r>
             <a:r>
               <a:rPr lang="de-DE" sz="2800" b="0" dirty="0" smtClean="0"/>
-              <a:t> Decoder</a:t>
+              <a:t> Decoder I</a:t>
             </a:r>
             <a:endParaRPr lang="de-DE" dirty="0"/>
           </a:p>
@@ -6617,7 +6624,7 @@
             </a:r>
             <a:r>
               <a:rPr lang="de-DE" sz="2800" b="0" dirty="0" smtClean="0"/>
-              <a:t> Decoder</a:t>
+              <a:t> Decoder II</a:t>
             </a:r>
             <a:endParaRPr lang="de-DE" dirty="0"/>
           </a:p>
@@ -6668,6 +6675,1450 @@
 </file>
 
 <file path=ppt/slides/slide14.xml><?xml version="1.0" encoding="utf-8"?>
+<p:sld xmlns:a="http://schemas.openxmlformats.org/drawingml/2006/main" xmlns:r="http://schemas.openxmlformats.org/officeDocument/2006/relationships" xmlns:p="http://schemas.openxmlformats.org/presentationml/2006/main">
+  <p:cSld>
+    <p:spTree>
+      <p:nvGrpSpPr>
+        <p:cNvPr id="1" name=""/>
+        <p:cNvGrpSpPr/>
+        <p:nvPr/>
+      </p:nvGrpSpPr>
+      <p:grpSpPr>
+        <a:xfrm>
+          <a:off x="0" y="0"/>
+          <a:ext cx="0" cy="0"/>
+          <a:chOff x="0" y="0"/>
+          <a:chExt cx="0" cy="0"/>
+        </a:xfrm>
+      </p:grpSpPr>
+      <p:sp>
+        <p:nvSpPr>
+          <p:cNvPr id="2" name="Textplatzhalter 1"/>
+          <p:cNvSpPr>
+            <a:spLocks noGrp="1"/>
+          </p:cNvSpPr>
+          <p:nvPr>
+            <p:ph type="body" sz="quarter" idx="10"/>
+          </p:nvPr>
+        </p:nvSpPr>
+        <p:spPr/>
+        <p:txBody>
+          <a:bodyPr/>
+          <a:lstStyle/>
+          <a:p>
+            <a:r>
+              <a:rPr lang="de-DE" dirty="0" err="1" smtClean="0"/>
+              <a:t>Implement</a:t>
+            </a:r>
+            <a:r>
+              <a:rPr lang="de-DE" dirty="0" smtClean="0"/>
+              <a:t> </a:t>
+            </a:r>
+            <a:r>
+              <a:rPr lang="de-DE" dirty="0" err="1" smtClean="0"/>
+              <a:t>said</a:t>
+            </a:r>
+            <a:r>
+              <a:rPr lang="de-DE" dirty="0" smtClean="0"/>
+              <a:t> </a:t>
+            </a:r>
+            <a:r>
+              <a:rPr lang="de-DE" dirty="0" err="1" smtClean="0"/>
+              <a:t>rules</a:t>
+            </a:r>
+            <a:r>
+              <a:rPr lang="de-DE" dirty="0" smtClean="0"/>
+              <a:t> in a </a:t>
+            </a:r>
+            <a:r>
+              <a:rPr lang="de-DE" dirty="0" err="1" smtClean="0"/>
+              <a:t>masked</a:t>
+            </a:r>
+            <a:r>
+              <a:rPr lang="de-DE" dirty="0" smtClean="0"/>
+              <a:t> </a:t>
+            </a:r>
+            <a:r>
+              <a:rPr lang="de-DE" dirty="0" err="1" smtClean="0"/>
+              <a:t>table</a:t>
+            </a:r>
+            <a:endParaRPr lang="de-DE" dirty="0"/>
+          </a:p>
+        </p:txBody>
+      </p:sp>
+      <p:sp>
+        <p:nvSpPr>
+          <p:cNvPr id="3" name="Titel 2"/>
+          <p:cNvSpPr>
+            <a:spLocks noGrp="1"/>
+          </p:cNvSpPr>
+          <p:nvPr>
+            <p:ph type="title"/>
+          </p:nvPr>
+        </p:nvSpPr>
+        <p:spPr/>
+        <p:txBody>
+          <a:bodyPr/>
+          <a:lstStyle/>
+          <a:p>
+            <a:r>
+              <a:rPr lang="de-DE" dirty="0" err="1"/>
+              <a:t>Masking</a:t>
+            </a:r>
+            <a:r>
+              <a:rPr lang="de-DE" dirty="0"/>
+              <a:t> </a:t>
+            </a:r>
+            <a:r>
+              <a:rPr lang="de-DE" dirty="0" err="1"/>
+              <a:t>Using</a:t>
+            </a:r>
+            <a:r>
+              <a:rPr lang="de-DE" dirty="0"/>
+              <a:t> a </a:t>
+            </a:r>
+            <a:r>
+              <a:rPr lang="de-DE" dirty="0" err="1"/>
+              <a:t>Masked</a:t>
+            </a:r>
+            <a:r>
+              <a:rPr lang="de-DE" dirty="0"/>
+              <a:t> Decoder</a:t>
+            </a:r>
+            <a:br>
+              <a:rPr lang="de-DE" dirty="0"/>
+            </a:br>
+            <a:r>
+              <a:rPr lang="de-DE" sz="2800" b="0" dirty="0" err="1"/>
+              <a:t>Masked</a:t>
+            </a:r>
+            <a:r>
+              <a:rPr lang="de-DE" sz="2800" b="0" dirty="0"/>
+              <a:t> </a:t>
+            </a:r>
+            <a:r>
+              <a:rPr lang="de-DE" sz="2800" b="0" dirty="0" smtClean="0"/>
+              <a:t>Table Lookup</a:t>
+            </a:r>
+            <a:endParaRPr lang="de-DE" dirty="0"/>
+          </a:p>
+        </p:txBody>
+      </p:sp>
+      <p:pic>
+        <p:nvPicPr>
+          <p:cNvPr id="4" name="Bild 3"/>
+          <p:cNvPicPr>
+            <a:picLocks noChangeAspect="1"/>
+          </p:cNvPicPr>
+          <p:nvPr/>
+        </p:nvPicPr>
+        <p:blipFill>
+          <a:blip r:embed="rId2">
+            <a:extLst>
+              <a:ext uri="{28A0092B-C50C-407E-A947-70E740481C1C}">
+                <a14:useLocalDpi xmlns:a14="http://schemas.microsoft.com/office/drawing/2010/main" val="0"/>
+              </a:ext>
+            </a:extLst>
+          </a:blip>
+          <a:stretch>
+            <a:fillRect/>
+          </a:stretch>
+        </p:blipFill>
+        <p:spPr>
+          <a:xfrm>
+            <a:off x="474662" y="1910724"/>
+            <a:ext cx="9131300" cy="4546600"/>
+          </a:xfrm>
+          <a:prstGeom prst="rect">
+            <a:avLst/>
+          </a:prstGeom>
+        </p:spPr>
+      </p:pic>
+    </p:spTree>
+    <p:extLst>
+      <p:ext uri="{BB962C8B-B14F-4D97-AF65-F5344CB8AC3E}">
+        <p14:creationId xmlns:p14="http://schemas.microsoft.com/office/powerpoint/2010/main" val="1928924595"/>
+      </p:ext>
+    </p:extLst>
+  </p:cSld>
+  <p:clrMapOvr>
+    <a:masterClrMapping/>
+  </p:clrMapOvr>
+  <p:transition/>
+</p:sld>
+</file>
+
+<file path=ppt/slides/slide15.xml><?xml version="1.0" encoding="utf-8"?>
+<p:sld xmlns:a="http://schemas.openxmlformats.org/drawingml/2006/main" xmlns:r="http://schemas.openxmlformats.org/officeDocument/2006/relationships" xmlns:p="http://schemas.openxmlformats.org/presentationml/2006/main">
+  <p:cSld>
+    <p:spTree>
+      <p:nvGrpSpPr>
+        <p:cNvPr id="1" name=""/>
+        <p:cNvGrpSpPr/>
+        <p:nvPr/>
+      </p:nvGrpSpPr>
+      <p:grpSpPr>
+        <a:xfrm>
+          <a:off x="0" y="0"/>
+          <a:ext cx="0" cy="0"/>
+          <a:chOff x="0" y="0"/>
+          <a:chExt cx="0" cy="0"/>
+        </a:xfrm>
+      </p:grpSpPr>
+      <mc:AlternateContent xmlns:mc="http://schemas.openxmlformats.org/markup-compatibility/2006">
+        <mc:Choice xmlns:a14="http://schemas.microsoft.com/office/drawing/2010/main" Requires="a14">
+          <p:sp>
+            <p:nvSpPr>
+              <p:cNvPr id="2" name="Textplatzhalter 1"/>
+              <p:cNvSpPr>
+                <a:spLocks noGrp="1"/>
+              </p:cNvSpPr>
+              <p:nvPr>
+                <p:ph type="body" sz="quarter" idx="10"/>
+              </p:nvPr>
+            </p:nvSpPr>
+            <p:spPr/>
+            <p:txBody>
+              <a:bodyPr/>
+              <a:lstStyle/>
+              <a:p>
+                <a:r>
+                  <a:rPr lang="en-US" dirty="0" smtClean="0"/>
+                  <a:t>First-order DPA with masking turned off</a:t>
+                </a:r>
+              </a:p>
+              <a:p>
+                <a:endParaRPr lang="en-US" dirty="0"/>
+              </a:p>
+              <a:p>
+                <a:endParaRPr lang="en-US" dirty="0" smtClean="0"/>
+              </a:p>
+              <a:p>
+                <a:endParaRPr lang="en-US" dirty="0"/>
+              </a:p>
+              <a:p>
+                <a:endParaRPr lang="en-US" dirty="0" smtClean="0"/>
+              </a:p>
+              <a:p>
+                <a:endParaRPr lang="en-US" dirty="0"/>
+              </a:p>
+              <a:p>
+                <a:endParaRPr lang="en-US" dirty="0" smtClean="0"/>
+              </a:p>
+              <a:p>
+                <a:endParaRPr lang="en-US" dirty="0"/>
+              </a:p>
+              <a:p>
+                <a:endParaRPr lang="en-US" dirty="0" smtClean="0"/>
+              </a:p>
+              <a:p>
+                <a:endParaRPr lang="en-US" dirty="0"/>
+              </a:p>
+              <a:p>
+                <a14:m>
+                  <m:oMath xmlns:m="http://schemas.openxmlformats.org/officeDocument/2006/math">
+                    <m:r>
+                      <a:rPr lang="en-US" b="0" i="1" smtClean="0">
+                        <a:latin typeface="Cambria Math" charset="0"/>
+                      </a:rPr>
+                      <m:t>𝑎</m:t>
+                    </m:r>
+                    <m:r>
+                      <a:rPr lang="en-US" b="0" i="1" smtClean="0">
+                        <a:latin typeface="Cambria Math" charset="0"/>
+                      </a:rPr>
+                      <m:t>′</m:t>
+                    </m:r>
+                  </m:oMath>
+                </a14:m>
+                <a:r>
+                  <a:rPr lang="en-US" dirty="0" smtClean="0"/>
+                  <a:t> (left) and </a:t>
+                </a:r>
+                <a14:m>
+                  <m:oMath xmlns:m="http://schemas.openxmlformats.org/officeDocument/2006/math">
+                    <m:r>
+                      <a:rPr lang="en-US" i="1">
+                        <a:latin typeface="Cambria Math" charset="0"/>
+                      </a:rPr>
+                      <m:t>𝑎</m:t>
+                    </m:r>
+                    <m:r>
+                      <a:rPr lang="en-US" i="1">
+                        <a:latin typeface="Cambria Math" charset="0"/>
+                      </a:rPr>
+                      <m:t>′′</m:t>
+                    </m:r>
+                  </m:oMath>
+                </a14:m>
+                <a:r>
+                  <a:rPr lang="en-US" dirty="0" smtClean="0"/>
+                  <a:t> (right) can be seen in red</a:t>
+                </a:r>
+              </a:p>
+              <a:p>
+                <a:r>
+                  <a:rPr lang="en-US" dirty="0" smtClean="0"/>
+                  <a:t>Attack is successful</a:t>
+                </a:r>
+                <a:endParaRPr lang="en-US" dirty="0"/>
+              </a:p>
+            </p:txBody>
+          </p:sp>
+        </mc:Choice>
+        <mc:Fallback>
+          <p:sp>
+            <p:nvSpPr>
+              <p:cNvPr id="2" name="Textplatzhalter 1"/>
+              <p:cNvSpPr>
+                <a:spLocks noGrp="1" noRot="1" noChangeAspect="1" noMove="1" noResize="1" noEditPoints="1" noAdjustHandles="1" noChangeArrowheads="1" noChangeShapeType="1" noTextEdit="1"/>
+              </p:cNvSpPr>
+              <p:nvPr>
+                <p:ph type="body" sz="quarter" idx="10"/>
+              </p:nvPr>
+            </p:nvSpPr>
+            <p:spPr>
+              <a:blipFill rotWithShape="0">
+                <a:blip r:embed="rId2"/>
+                <a:stretch>
+                  <a:fillRect l="-944" t="-779"/>
+                </a:stretch>
+              </a:blipFill>
+            </p:spPr>
+            <p:txBody>
+              <a:bodyPr/>
+              <a:lstStyle/>
+              <a:p>
+                <a:r>
+                  <a:rPr lang="de-DE">
+                    <a:noFill/>
+                  </a:rPr>
+                  <a:t> </a:t>
+                </a:r>
+              </a:p>
+            </p:txBody>
+          </p:sp>
+        </mc:Fallback>
+      </mc:AlternateContent>
+      <p:sp>
+        <p:nvSpPr>
+          <p:cNvPr id="3" name="Titel 2"/>
+          <p:cNvSpPr>
+            <a:spLocks noGrp="1"/>
+          </p:cNvSpPr>
+          <p:nvPr>
+            <p:ph type="title"/>
+          </p:nvPr>
+        </p:nvSpPr>
+        <p:spPr/>
+        <p:txBody>
+          <a:bodyPr/>
+          <a:lstStyle/>
+          <a:p>
+            <a:r>
+              <a:rPr lang="de-DE" dirty="0" err="1"/>
+              <a:t>Masking</a:t>
+            </a:r>
+            <a:r>
+              <a:rPr lang="de-DE" dirty="0"/>
+              <a:t> </a:t>
+            </a:r>
+            <a:r>
+              <a:rPr lang="de-DE" dirty="0" err="1"/>
+              <a:t>Using</a:t>
+            </a:r>
+            <a:r>
+              <a:rPr lang="de-DE" dirty="0"/>
+              <a:t> a </a:t>
+            </a:r>
+            <a:r>
+              <a:rPr lang="de-DE" dirty="0" err="1"/>
+              <a:t>Masked</a:t>
+            </a:r>
+            <a:r>
+              <a:rPr lang="de-DE" dirty="0"/>
+              <a:t> Decoder</a:t>
+            </a:r>
+            <a:br>
+              <a:rPr lang="de-DE" dirty="0"/>
+            </a:br>
+            <a:r>
+              <a:rPr lang="de-DE" sz="2800" b="0" dirty="0" smtClean="0"/>
+              <a:t>Evaluation I</a:t>
+            </a:r>
+            <a:endParaRPr lang="de-DE" dirty="0"/>
+          </a:p>
+        </p:txBody>
+      </p:sp>
+      <p:pic>
+        <p:nvPicPr>
+          <p:cNvPr id="4" name="Bild 3"/>
+          <p:cNvPicPr>
+            <a:picLocks noChangeAspect="1"/>
+          </p:cNvPicPr>
+          <p:nvPr/>
+        </p:nvPicPr>
+        <p:blipFill>
+          <a:blip r:embed="rId3">
+            <a:extLst>
+              <a:ext uri="{28A0092B-C50C-407E-A947-70E740481C1C}">
+                <a14:useLocalDpi xmlns:a14="http://schemas.microsoft.com/office/drawing/2010/main" val="0"/>
+              </a:ext>
+            </a:extLst>
+          </a:blip>
+          <a:stretch>
+            <a:fillRect/>
+          </a:stretch>
+        </p:blipFill>
+        <p:spPr>
+          <a:xfrm>
+            <a:off x="1226259" y="2001055"/>
+            <a:ext cx="7628106" cy="3459587"/>
+          </a:xfrm>
+          <a:prstGeom prst="rect">
+            <a:avLst/>
+          </a:prstGeom>
+        </p:spPr>
+      </p:pic>
+    </p:spTree>
+    <p:extLst>
+      <p:ext uri="{BB962C8B-B14F-4D97-AF65-F5344CB8AC3E}">
+        <p14:creationId xmlns:p14="http://schemas.microsoft.com/office/powerpoint/2010/main" val="225836810"/>
+      </p:ext>
+    </p:extLst>
+  </p:cSld>
+  <p:clrMapOvr>
+    <a:masterClrMapping/>
+  </p:clrMapOvr>
+  <p:transition/>
+</p:sld>
+</file>
+
+<file path=ppt/slides/slide16.xml><?xml version="1.0" encoding="utf-8"?>
+<p:sld xmlns:a="http://schemas.openxmlformats.org/drawingml/2006/main" xmlns:r="http://schemas.openxmlformats.org/officeDocument/2006/relationships" xmlns:p="http://schemas.openxmlformats.org/presentationml/2006/main">
+  <p:cSld>
+    <p:spTree>
+      <p:nvGrpSpPr>
+        <p:cNvPr id="1" name=""/>
+        <p:cNvGrpSpPr/>
+        <p:nvPr/>
+      </p:nvGrpSpPr>
+      <p:grpSpPr>
+        <a:xfrm>
+          <a:off x="0" y="0"/>
+          <a:ext cx="0" cy="0"/>
+          <a:chOff x="0" y="0"/>
+          <a:chExt cx="0" cy="0"/>
+        </a:xfrm>
+      </p:grpSpPr>
+      <mc:AlternateContent xmlns:mc="http://schemas.openxmlformats.org/markup-compatibility/2006">
+        <mc:Choice xmlns:a14="http://schemas.microsoft.com/office/drawing/2010/main" Requires="a14">
+          <p:sp>
+            <p:nvSpPr>
+              <p:cNvPr id="2" name="Textplatzhalter 1"/>
+              <p:cNvSpPr>
+                <a:spLocks noGrp="1"/>
+              </p:cNvSpPr>
+              <p:nvPr>
+                <p:ph type="body" sz="quarter" idx="10"/>
+              </p:nvPr>
+            </p:nvSpPr>
+            <p:spPr>
+              <a:xfrm>
+                <a:off x="358775" y="1310326"/>
+                <a:ext cx="9039750" cy="5477825"/>
+              </a:xfrm>
+            </p:spPr>
+            <p:txBody>
+              <a:bodyPr/>
+              <a:lstStyle/>
+              <a:p>
+                <a:r>
+                  <a:rPr lang="en-US" dirty="0" smtClean="0"/>
+                  <a:t>First-order DPA with masking turned on</a:t>
+                </a:r>
+              </a:p>
+              <a:p>
+                <a:endParaRPr lang="en-US" dirty="0"/>
+              </a:p>
+              <a:p>
+                <a:endParaRPr lang="en-US" dirty="0" smtClean="0"/>
+              </a:p>
+              <a:p>
+                <a:endParaRPr lang="en-US" dirty="0"/>
+              </a:p>
+              <a:p>
+                <a:endParaRPr lang="en-US" dirty="0" smtClean="0"/>
+              </a:p>
+              <a:p>
+                <a:endParaRPr lang="en-US" dirty="0"/>
+              </a:p>
+              <a:p>
+                <a:endParaRPr lang="en-US" dirty="0" smtClean="0"/>
+              </a:p>
+              <a:p>
+                <a:endParaRPr lang="en-US" dirty="0"/>
+              </a:p>
+              <a:p>
+                <a:endParaRPr lang="en-US" dirty="0" smtClean="0"/>
+              </a:p>
+              <a:p>
+                <a:endParaRPr lang="en-US" dirty="0"/>
+              </a:p>
+              <a:p>
+                <a14:m>
+                  <m:oMath xmlns:m="http://schemas.openxmlformats.org/officeDocument/2006/math">
+                    <m:r>
+                      <a:rPr lang="en-US" b="0" i="1" smtClean="0">
+                        <a:latin typeface="Cambria Math" charset="0"/>
+                      </a:rPr>
+                      <m:t>𝑎</m:t>
+                    </m:r>
+                    <m:r>
+                      <a:rPr lang="en-US" b="0" i="1" smtClean="0">
+                        <a:latin typeface="Cambria Math" charset="0"/>
+                      </a:rPr>
+                      <m:t>′</m:t>
+                    </m:r>
+                  </m:oMath>
+                </a14:m>
+                <a:r>
+                  <a:rPr lang="en-US" dirty="0" smtClean="0"/>
+                  <a:t> (left) and </a:t>
+                </a:r>
+                <a14:m>
+                  <m:oMath xmlns:m="http://schemas.openxmlformats.org/officeDocument/2006/math">
+                    <m:r>
+                      <a:rPr lang="en-US" i="1">
+                        <a:latin typeface="Cambria Math" charset="0"/>
+                      </a:rPr>
+                      <m:t>𝑎</m:t>
+                    </m:r>
+                    <m:r>
+                      <a:rPr lang="en-US" i="1">
+                        <a:latin typeface="Cambria Math" charset="0"/>
+                      </a:rPr>
+                      <m:t>′′</m:t>
+                    </m:r>
+                  </m:oMath>
+                </a14:m>
+                <a:r>
+                  <a:rPr lang="en-US" dirty="0" smtClean="0"/>
+                  <a:t> (right) can be seen in red</a:t>
+                </a:r>
+              </a:p>
+              <a:p>
+                <a:r>
+                  <a:rPr lang="en-US" dirty="0" smtClean="0"/>
+                  <a:t>Attack is </a:t>
+                </a:r>
+                <a:r>
+                  <a:rPr lang="en-US" b="1" dirty="0" smtClean="0"/>
+                  <a:t>not </a:t>
+                </a:r>
+                <a:r>
+                  <a:rPr lang="en-US" dirty="0" smtClean="0"/>
+                  <a:t>successful</a:t>
+                </a:r>
+                <a:endParaRPr lang="en-US" dirty="0"/>
+              </a:p>
+            </p:txBody>
+          </p:sp>
+        </mc:Choice>
+        <mc:Fallback>
+          <p:sp>
+            <p:nvSpPr>
+              <p:cNvPr id="2" name="Textplatzhalter 1"/>
+              <p:cNvSpPr>
+                <a:spLocks noGrp="1" noRot="1" noChangeAspect="1" noMove="1" noResize="1" noEditPoints="1" noAdjustHandles="1" noChangeArrowheads="1" noChangeShapeType="1" noTextEdit="1"/>
+              </p:cNvSpPr>
+              <p:nvPr>
+                <p:ph type="body" sz="quarter" idx="10"/>
+              </p:nvPr>
+            </p:nvSpPr>
+            <p:spPr>
+              <a:xfrm>
+                <a:off x="358775" y="1310326"/>
+                <a:ext cx="9039750" cy="5477825"/>
+              </a:xfrm>
+              <a:blipFill rotWithShape="0">
+                <a:blip r:embed="rId2"/>
+                <a:stretch>
+                  <a:fillRect l="-944" t="-779"/>
+                </a:stretch>
+              </a:blipFill>
+            </p:spPr>
+            <p:txBody>
+              <a:bodyPr/>
+              <a:lstStyle/>
+              <a:p>
+                <a:r>
+                  <a:rPr lang="de-DE">
+                    <a:noFill/>
+                  </a:rPr>
+                  <a:t> </a:t>
+                </a:r>
+              </a:p>
+            </p:txBody>
+          </p:sp>
+        </mc:Fallback>
+      </mc:AlternateContent>
+      <p:sp>
+        <p:nvSpPr>
+          <p:cNvPr id="3" name="Titel 2"/>
+          <p:cNvSpPr>
+            <a:spLocks noGrp="1"/>
+          </p:cNvSpPr>
+          <p:nvPr>
+            <p:ph type="title"/>
+          </p:nvPr>
+        </p:nvSpPr>
+        <p:spPr/>
+        <p:txBody>
+          <a:bodyPr/>
+          <a:lstStyle/>
+          <a:p>
+            <a:r>
+              <a:rPr lang="de-DE" dirty="0" err="1"/>
+              <a:t>Masking</a:t>
+            </a:r>
+            <a:r>
+              <a:rPr lang="de-DE" dirty="0"/>
+              <a:t> </a:t>
+            </a:r>
+            <a:r>
+              <a:rPr lang="de-DE" dirty="0" err="1"/>
+              <a:t>Using</a:t>
+            </a:r>
+            <a:r>
+              <a:rPr lang="de-DE" dirty="0"/>
+              <a:t> a </a:t>
+            </a:r>
+            <a:r>
+              <a:rPr lang="de-DE" dirty="0" err="1"/>
+              <a:t>Masked</a:t>
+            </a:r>
+            <a:r>
+              <a:rPr lang="de-DE" dirty="0"/>
+              <a:t> Decoder</a:t>
+            </a:r>
+            <a:br>
+              <a:rPr lang="de-DE" dirty="0"/>
+            </a:br>
+            <a:r>
+              <a:rPr lang="de-DE" sz="2800" b="0" dirty="0" smtClean="0"/>
+              <a:t>Evaluation II</a:t>
+            </a:r>
+            <a:endParaRPr lang="de-DE" dirty="0"/>
+          </a:p>
+        </p:txBody>
+      </p:sp>
+      <p:pic>
+        <p:nvPicPr>
+          <p:cNvPr id="5" name="Bild 4"/>
+          <p:cNvPicPr>
+            <a:picLocks noChangeAspect="1"/>
+          </p:cNvPicPr>
+          <p:nvPr/>
+        </p:nvPicPr>
+        <p:blipFill>
+          <a:blip r:embed="rId3">
+            <a:extLst>
+              <a:ext uri="{28A0092B-C50C-407E-A947-70E740481C1C}">
+                <a14:useLocalDpi xmlns:a14="http://schemas.microsoft.com/office/drawing/2010/main" val="0"/>
+              </a:ext>
+            </a:extLst>
+          </a:blip>
+          <a:stretch>
+            <a:fillRect/>
+          </a:stretch>
+        </p:blipFill>
+        <p:spPr>
+          <a:xfrm>
+            <a:off x="1294005" y="1962596"/>
+            <a:ext cx="7492614" cy="3459600"/>
+          </a:xfrm>
+          <a:prstGeom prst="rect">
+            <a:avLst/>
+          </a:prstGeom>
+        </p:spPr>
+      </p:pic>
+    </p:spTree>
+    <p:extLst>
+      <p:ext uri="{BB962C8B-B14F-4D97-AF65-F5344CB8AC3E}">
+        <p14:creationId xmlns:p14="http://schemas.microsoft.com/office/powerpoint/2010/main" val="631081688"/>
+      </p:ext>
+    </p:extLst>
+  </p:cSld>
+  <p:clrMapOvr>
+    <a:masterClrMapping/>
+  </p:clrMapOvr>
+  <p:transition/>
+</p:sld>
+</file>
+
+<file path=ppt/slides/slide17.xml><?xml version="1.0" encoding="utf-8"?>
+<p:sld xmlns:a="http://schemas.openxmlformats.org/drawingml/2006/main" xmlns:r="http://schemas.openxmlformats.org/officeDocument/2006/relationships" xmlns:p="http://schemas.openxmlformats.org/presentationml/2006/main">
+  <p:cSld>
+    <p:spTree>
+      <p:nvGrpSpPr>
+        <p:cNvPr id="1" name=""/>
+        <p:cNvGrpSpPr/>
+        <p:nvPr/>
+      </p:nvGrpSpPr>
+      <p:grpSpPr>
+        <a:xfrm>
+          <a:off x="0" y="0"/>
+          <a:ext cx="0" cy="0"/>
+          <a:chOff x="0" y="0"/>
+          <a:chExt cx="0" cy="0"/>
+        </a:xfrm>
+      </p:grpSpPr>
+      <mc:AlternateContent xmlns:mc="http://schemas.openxmlformats.org/markup-compatibility/2006">
+        <mc:Choice xmlns:a14="http://schemas.microsoft.com/office/drawing/2010/main" Requires="a14">
+          <p:sp>
+            <p:nvSpPr>
+              <p:cNvPr id="2" name="Textplatzhalter 1"/>
+              <p:cNvSpPr>
+                <a:spLocks noGrp="1"/>
+              </p:cNvSpPr>
+              <p:nvPr>
+                <p:ph type="body" sz="quarter" idx="10"/>
+              </p:nvPr>
+            </p:nvSpPr>
+            <p:spPr>
+              <a:xfrm>
+                <a:off x="358775" y="1310326"/>
+                <a:ext cx="9039750" cy="5477825"/>
+              </a:xfrm>
+            </p:spPr>
+            <p:txBody>
+              <a:bodyPr/>
+              <a:lstStyle/>
+              <a:p>
+                <a:r>
+                  <a:rPr lang="en-US" dirty="0" smtClean="0"/>
+                  <a:t>1st-order DPA (left) and 2nd-order DPA (right),  masking on</a:t>
+                </a:r>
+              </a:p>
+              <a:p>
+                <a:endParaRPr lang="en-US" dirty="0"/>
+              </a:p>
+              <a:p>
+                <a:endParaRPr lang="en-US" dirty="0" smtClean="0"/>
+              </a:p>
+              <a:p>
+                <a:endParaRPr lang="en-US" dirty="0"/>
+              </a:p>
+              <a:p>
+                <a:endParaRPr lang="en-US" dirty="0" smtClean="0"/>
+              </a:p>
+              <a:p>
+                <a:endParaRPr lang="en-US" dirty="0"/>
+              </a:p>
+              <a:p>
+                <a:endParaRPr lang="en-US" dirty="0" smtClean="0"/>
+              </a:p>
+              <a:p>
+                <a:endParaRPr lang="en-US" dirty="0"/>
+              </a:p>
+              <a:p>
+                <a:endParaRPr lang="en-US" dirty="0" smtClean="0"/>
+              </a:p>
+              <a:p>
+                <a:endParaRPr lang="en-US" dirty="0"/>
+              </a:p>
+              <a:p>
+                <a14:m>
+                  <m:oMath xmlns:m="http://schemas.openxmlformats.org/officeDocument/2006/math">
+                    <m:r>
+                      <a:rPr lang="en-US" b="0" i="1" smtClean="0">
+                        <a:latin typeface="Cambria Math" charset="0"/>
+                      </a:rPr>
+                      <m:t>𝑎</m:t>
+                    </m:r>
+                    <m:r>
+                      <a:rPr lang="en-US" b="0" i="1" smtClean="0">
+                        <a:latin typeface="Cambria Math" charset="0"/>
+                      </a:rPr>
+                      <m:t>′</m:t>
+                    </m:r>
+                  </m:oMath>
+                </a14:m>
+                <a:r>
+                  <a:rPr lang="en-US" dirty="0" smtClean="0"/>
+                  <a:t> can be seen in red</a:t>
+                </a:r>
+              </a:p>
+              <a:p>
+                <a:r>
+                  <a:rPr lang="en-US" dirty="0" smtClean="0"/>
+                  <a:t>Second-order DPA is successful, while first-order DPA is not</a:t>
+                </a:r>
+              </a:p>
+              <a:p>
+                <a:pPr lvl="1"/>
+                <a:r>
+                  <a:rPr lang="en-US" dirty="0" smtClean="0"/>
+                  <a:t>Assures that the setting is correct</a:t>
+                </a:r>
+              </a:p>
+              <a:p>
+                <a:pPr lvl="1"/>
+                <a:endParaRPr lang="en-US" dirty="0"/>
+              </a:p>
+            </p:txBody>
+          </p:sp>
+        </mc:Choice>
+        <mc:Fallback>
+          <p:sp>
+            <p:nvSpPr>
+              <p:cNvPr id="2" name="Textplatzhalter 1"/>
+              <p:cNvSpPr>
+                <a:spLocks noGrp="1" noRot="1" noChangeAspect="1" noMove="1" noResize="1" noEditPoints="1" noAdjustHandles="1" noChangeArrowheads="1" noChangeShapeType="1" noTextEdit="1"/>
+              </p:cNvSpPr>
+              <p:nvPr>
+                <p:ph type="body" sz="quarter" idx="10"/>
+              </p:nvPr>
+            </p:nvSpPr>
+            <p:spPr>
+              <a:xfrm>
+                <a:off x="358775" y="1310326"/>
+                <a:ext cx="9039750" cy="5477825"/>
+              </a:xfrm>
+              <a:blipFill rotWithShape="0">
+                <a:blip r:embed="rId2"/>
+                <a:stretch>
+                  <a:fillRect l="-944" t="-779" b="-5228"/>
+                </a:stretch>
+              </a:blipFill>
+            </p:spPr>
+            <p:txBody>
+              <a:bodyPr/>
+              <a:lstStyle/>
+              <a:p>
+                <a:r>
+                  <a:rPr lang="de-DE">
+                    <a:noFill/>
+                  </a:rPr>
+                  <a:t> </a:t>
+                </a:r>
+              </a:p>
+            </p:txBody>
+          </p:sp>
+        </mc:Fallback>
+      </mc:AlternateContent>
+      <p:sp>
+        <p:nvSpPr>
+          <p:cNvPr id="3" name="Titel 2"/>
+          <p:cNvSpPr>
+            <a:spLocks noGrp="1"/>
+          </p:cNvSpPr>
+          <p:nvPr>
+            <p:ph type="title"/>
+          </p:nvPr>
+        </p:nvSpPr>
+        <p:spPr>
+          <a:xfrm>
+            <a:off x="122548" y="-101598"/>
+            <a:ext cx="9059552" cy="1008667"/>
+          </a:xfrm>
+        </p:spPr>
+        <p:txBody>
+          <a:bodyPr/>
+          <a:lstStyle/>
+          <a:p>
+            <a:r>
+              <a:rPr lang="de-DE" dirty="0" err="1"/>
+              <a:t>Masking</a:t>
+            </a:r>
+            <a:r>
+              <a:rPr lang="de-DE" dirty="0"/>
+              <a:t> </a:t>
+            </a:r>
+            <a:r>
+              <a:rPr lang="de-DE" dirty="0" err="1"/>
+              <a:t>Using</a:t>
+            </a:r>
+            <a:r>
+              <a:rPr lang="de-DE" dirty="0"/>
+              <a:t> a </a:t>
+            </a:r>
+            <a:r>
+              <a:rPr lang="de-DE" dirty="0" err="1"/>
+              <a:t>Masked</a:t>
+            </a:r>
+            <a:r>
+              <a:rPr lang="de-DE" dirty="0"/>
+              <a:t> Decoder</a:t>
+            </a:r>
+            <a:br>
+              <a:rPr lang="de-DE" dirty="0"/>
+            </a:br>
+            <a:r>
+              <a:rPr lang="de-DE" sz="2800" b="0" dirty="0" smtClean="0"/>
+              <a:t>Evaluation III</a:t>
+            </a:r>
+            <a:endParaRPr lang="de-DE" dirty="0"/>
+          </a:p>
+        </p:txBody>
+      </p:sp>
+      <p:pic>
+        <p:nvPicPr>
+          <p:cNvPr id="4" name="Bild 3"/>
+          <p:cNvPicPr>
+            <a:picLocks noChangeAspect="1"/>
+          </p:cNvPicPr>
+          <p:nvPr/>
+        </p:nvPicPr>
+        <p:blipFill>
+          <a:blip r:embed="rId3">
+            <a:extLst>
+              <a:ext uri="{28A0092B-C50C-407E-A947-70E740481C1C}">
+                <a14:useLocalDpi xmlns:a14="http://schemas.microsoft.com/office/drawing/2010/main" val="0"/>
+              </a:ext>
+            </a:extLst>
+          </a:blip>
+          <a:stretch>
+            <a:fillRect/>
+          </a:stretch>
+        </p:blipFill>
+        <p:spPr>
+          <a:xfrm>
+            <a:off x="1514926" y="1993900"/>
+            <a:ext cx="7050773" cy="3459600"/>
+          </a:xfrm>
+          <a:prstGeom prst="rect">
+            <a:avLst/>
+          </a:prstGeom>
+        </p:spPr>
+      </p:pic>
+    </p:spTree>
+    <p:extLst>
+      <p:ext uri="{BB962C8B-B14F-4D97-AF65-F5344CB8AC3E}">
+        <p14:creationId xmlns:p14="http://schemas.microsoft.com/office/powerpoint/2010/main" val="463234341"/>
+      </p:ext>
+    </p:extLst>
+  </p:cSld>
+  <p:clrMapOvr>
+    <a:masterClrMapping/>
+  </p:clrMapOvr>
+  <p:transition/>
+</p:sld>
+</file>
+
+<file path=ppt/slides/slide18.xml><?xml version="1.0" encoding="utf-8"?>
+<p:sld xmlns:a="http://schemas.openxmlformats.org/drawingml/2006/main" xmlns:r="http://schemas.openxmlformats.org/officeDocument/2006/relationships" xmlns:p="http://schemas.openxmlformats.org/presentationml/2006/main">
+  <p:cSld>
+    <p:spTree>
+      <p:nvGrpSpPr>
+        <p:cNvPr id="1" name=""/>
+        <p:cNvGrpSpPr/>
+        <p:nvPr/>
+      </p:nvGrpSpPr>
+      <p:grpSpPr>
+        <a:xfrm>
+          <a:off x="0" y="0"/>
+          <a:ext cx="0" cy="0"/>
+          <a:chOff x="0" y="0"/>
+          <a:chExt cx="0" cy="0"/>
+        </a:xfrm>
+      </p:grpSpPr>
+      <p:sp>
+        <p:nvSpPr>
+          <p:cNvPr id="2" name="Textplatzhalter 1"/>
+          <p:cNvSpPr>
+            <a:spLocks noGrp="1"/>
+          </p:cNvSpPr>
+          <p:nvPr>
+            <p:ph type="body" sz="quarter" idx="10"/>
+          </p:nvPr>
+        </p:nvSpPr>
+        <p:spPr/>
+        <p:txBody>
+          <a:bodyPr/>
+          <a:lstStyle/>
+          <a:p>
+            <a:r>
+              <a:rPr lang="en-US" dirty="0" smtClean="0"/>
+              <a:t>blub</a:t>
+            </a:r>
+            <a:endParaRPr lang="en-US" dirty="0"/>
+          </a:p>
+        </p:txBody>
+      </p:sp>
+      <p:sp>
+        <p:nvSpPr>
+          <p:cNvPr id="3" name="Titel 2"/>
+          <p:cNvSpPr>
+            <a:spLocks noGrp="1"/>
+          </p:cNvSpPr>
+          <p:nvPr>
+            <p:ph type="title"/>
+          </p:nvPr>
+        </p:nvSpPr>
+        <p:spPr/>
+        <p:txBody>
+          <a:bodyPr/>
+          <a:lstStyle/>
+          <a:p>
+            <a:r>
+              <a:rPr lang="en-US" dirty="0"/>
+              <a:t>Additively Homomorphic Masking</a:t>
+            </a:r>
+            <a:br>
+              <a:rPr lang="en-US" dirty="0"/>
+            </a:br>
+            <a:r>
+              <a:rPr lang="de-DE" sz="2800" b="0" dirty="0" err="1" smtClean="0"/>
+              <a:t>Overview</a:t>
+            </a:r>
+            <a:endParaRPr lang="de-DE" sz="2800" dirty="0"/>
+          </a:p>
+        </p:txBody>
+      </p:sp>
+    </p:spTree>
+    <p:extLst>
+      <p:ext uri="{BB962C8B-B14F-4D97-AF65-F5344CB8AC3E}">
+        <p14:creationId xmlns:p14="http://schemas.microsoft.com/office/powerpoint/2010/main" val="805472181"/>
+      </p:ext>
+    </p:extLst>
+  </p:cSld>
+  <p:clrMapOvr>
+    <a:masterClrMapping/>
+  </p:clrMapOvr>
+  <p:transition/>
+</p:sld>
+</file>
+
+<file path=ppt/slides/slide19.xml><?xml version="1.0" encoding="utf-8"?>
+<p:sld xmlns:a="http://schemas.openxmlformats.org/drawingml/2006/main" xmlns:r="http://schemas.openxmlformats.org/officeDocument/2006/relationships" xmlns:p="http://schemas.openxmlformats.org/presentationml/2006/main">
+  <p:cSld>
+    <p:spTree>
+      <p:nvGrpSpPr>
+        <p:cNvPr id="1" name=""/>
+        <p:cNvGrpSpPr/>
+        <p:nvPr/>
+      </p:nvGrpSpPr>
+      <p:grpSpPr>
+        <a:xfrm>
+          <a:off x="0" y="0"/>
+          <a:ext cx="0" cy="0"/>
+          <a:chOff x="0" y="0"/>
+          <a:chExt cx="0" cy="0"/>
+        </a:xfrm>
+      </p:grpSpPr>
+      <p:sp>
+        <p:nvSpPr>
+          <p:cNvPr id="2" name="Textplatzhalter 1"/>
+          <p:cNvSpPr>
+            <a:spLocks noGrp="1"/>
+          </p:cNvSpPr>
+          <p:nvPr>
+            <p:ph type="body" sz="quarter" idx="10"/>
+          </p:nvPr>
+        </p:nvSpPr>
+        <p:spPr/>
+        <p:txBody>
+          <a:bodyPr/>
+          <a:lstStyle/>
+          <a:p>
+            <a:r>
+              <a:rPr lang="en-US" dirty="0" err="1" smtClean="0"/>
+              <a:t>Bitte</a:t>
+            </a:r>
+            <a:r>
+              <a:rPr lang="en-US" dirty="0" smtClean="0"/>
+              <a:t> “Structure of presentation” in </a:t>
+            </a:r>
+            <a:r>
+              <a:rPr lang="en-US" dirty="0" err="1" smtClean="0"/>
+              <a:t>Folie</a:t>
+            </a:r>
+            <a:r>
+              <a:rPr lang="en-US" dirty="0" smtClean="0"/>
+              <a:t> 2 an </a:t>
+            </a:r>
+            <a:r>
+              <a:rPr lang="en-US" dirty="0" err="1" smtClean="0"/>
+              <a:t>deinen</a:t>
+            </a:r>
+            <a:r>
+              <a:rPr lang="en-US" dirty="0" smtClean="0"/>
+              <a:t> </a:t>
+            </a:r>
+            <a:r>
+              <a:rPr lang="en-US" dirty="0" err="1" smtClean="0"/>
+              <a:t>Aufbau</a:t>
+            </a:r>
+            <a:r>
+              <a:rPr lang="en-US" dirty="0" smtClean="0"/>
+              <a:t> </a:t>
+            </a:r>
+            <a:r>
+              <a:rPr lang="en-US" dirty="0" err="1" smtClean="0"/>
+              <a:t>anpassen</a:t>
+            </a:r>
+            <a:r>
+              <a:rPr lang="en-US" dirty="0" smtClean="0"/>
+              <a:t>, </a:t>
+            </a:r>
+            <a:r>
+              <a:rPr lang="en-US" dirty="0" err="1" smtClean="0"/>
+              <a:t>alles</a:t>
+            </a:r>
+            <a:r>
+              <a:rPr lang="en-US" dirty="0" smtClean="0"/>
+              <a:t> was da </a:t>
+            </a:r>
+            <a:r>
+              <a:rPr lang="en-US" dirty="0" err="1" smtClean="0"/>
+              <a:t>aufgelistet</a:t>
+            </a:r>
+            <a:r>
+              <a:rPr lang="en-US" dirty="0" smtClean="0"/>
+              <a:t> </a:t>
+            </a:r>
+            <a:r>
+              <a:rPr lang="en-US" dirty="0" err="1" smtClean="0"/>
+              <a:t>ist</a:t>
+            </a:r>
+            <a:r>
+              <a:rPr lang="en-US" dirty="0" smtClean="0"/>
+              <a:t> </a:t>
+            </a:r>
+            <a:r>
+              <a:rPr lang="en-US" dirty="0" err="1" smtClean="0"/>
+              <a:t>kommt</a:t>
+            </a:r>
+            <a:r>
+              <a:rPr lang="en-US" dirty="0" smtClean="0"/>
+              <a:t> </a:t>
+            </a:r>
+            <a:r>
+              <a:rPr lang="en-US" dirty="0" err="1" smtClean="0"/>
+              <a:t>irgendwo</a:t>
+            </a:r>
+            <a:r>
+              <a:rPr lang="en-US" dirty="0" smtClean="0"/>
+              <a:t> </a:t>
+            </a:r>
+            <a:r>
+              <a:rPr lang="en-US" dirty="0" err="1" smtClean="0"/>
+              <a:t>als</a:t>
+            </a:r>
+            <a:r>
+              <a:rPr lang="en-US" dirty="0" smtClean="0"/>
+              <a:t> </a:t>
+            </a:r>
+            <a:r>
+              <a:rPr lang="en-US" dirty="0" err="1" smtClean="0"/>
+              <a:t>Überschrift</a:t>
+            </a:r>
+            <a:r>
+              <a:rPr lang="en-US" dirty="0" smtClean="0"/>
+              <a:t> </a:t>
+            </a:r>
+            <a:r>
+              <a:rPr lang="en-US" dirty="0" err="1" smtClean="0"/>
+              <a:t>einer</a:t>
+            </a:r>
+            <a:r>
+              <a:rPr lang="en-US" dirty="0" smtClean="0"/>
+              <a:t> </a:t>
+            </a:r>
+            <a:r>
+              <a:rPr lang="en-US" dirty="0" err="1" smtClean="0"/>
+              <a:t>Folie</a:t>
+            </a:r>
+            <a:r>
+              <a:rPr lang="en-US" dirty="0" smtClean="0"/>
+              <a:t> </a:t>
+            </a:r>
+            <a:r>
+              <a:rPr lang="en-US" dirty="0" err="1" smtClean="0"/>
+              <a:t>vor</a:t>
+            </a:r>
+            <a:endParaRPr lang="en-US" dirty="0"/>
+          </a:p>
+        </p:txBody>
+      </p:sp>
+      <p:sp>
+        <p:nvSpPr>
+          <p:cNvPr id="3" name="Titel 2"/>
+          <p:cNvSpPr>
+            <a:spLocks noGrp="1"/>
+          </p:cNvSpPr>
+          <p:nvPr>
+            <p:ph type="title"/>
+          </p:nvPr>
+        </p:nvSpPr>
+        <p:spPr/>
+        <p:txBody>
+          <a:bodyPr/>
+          <a:lstStyle/>
+          <a:p>
+            <a:r>
+              <a:rPr lang="en-US" dirty="0" smtClean="0"/>
+              <a:t>BLISS</a:t>
+            </a:r>
+            <a:r>
+              <a:rPr lang="en-US" dirty="0"/>
+              <a:t/>
+            </a:r>
+            <a:br>
+              <a:rPr lang="en-US" dirty="0"/>
+            </a:br>
+            <a:r>
+              <a:rPr lang="de-DE" sz="2800" b="0" dirty="0" smtClean="0"/>
+              <a:t>Unterüberschrift</a:t>
+            </a:r>
+            <a:endParaRPr lang="de-DE" sz="2800" dirty="0"/>
+          </a:p>
+        </p:txBody>
+      </p:sp>
+    </p:spTree>
+    <p:extLst>
+      <p:ext uri="{BB962C8B-B14F-4D97-AF65-F5344CB8AC3E}">
+        <p14:creationId xmlns:p14="http://schemas.microsoft.com/office/powerpoint/2010/main" val="1426647251"/>
+      </p:ext>
+    </p:extLst>
+  </p:cSld>
+  <p:clrMapOvr>
+    <a:masterClrMapping/>
+  </p:clrMapOvr>
+  <p:transition/>
+</p:sld>
+</file>
+
+<file path=ppt/slides/slide2.xml><?xml version="1.0" encoding="utf-8"?>
+<p:sld xmlns:a="http://schemas.openxmlformats.org/drawingml/2006/main" xmlns:r="http://schemas.openxmlformats.org/officeDocument/2006/relationships" xmlns:p="http://schemas.openxmlformats.org/presentationml/2006/main">
+  <p:cSld>
+    <p:bg>
+      <p:bgPr>
+        <a:solidFill>
+          <a:srgbClr val="E7E7E7"/>
+        </a:solidFill>
+        <a:effectLst/>
+      </p:bgPr>
+    </p:bg>
+    <p:spTree>
+      <p:nvGrpSpPr>
+        <p:cNvPr id="1" name=""/>
+        <p:cNvGrpSpPr/>
+        <p:nvPr/>
+      </p:nvGrpSpPr>
+      <p:grpSpPr>
+        <a:xfrm>
+          <a:off x="0" y="0"/>
+          <a:ext cx="0" cy="0"/>
+          <a:chOff x="0" y="0"/>
+          <a:chExt cx="0" cy="0"/>
+        </a:xfrm>
+      </p:grpSpPr>
+      <p:sp>
+        <p:nvSpPr>
+          <p:cNvPr id="2" name="Textplatzhalter 1"/>
+          <p:cNvSpPr>
+            <a:spLocks noGrp="1"/>
+          </p:cNvSpPr>
+          <p:nvPr>
+            <p:ph type="body" sz="quarter" idx="10"/>
+          </p:nvPr>
+        </p:nvSpPr>
+        <p:spPr/>
+        <p:txBody>
+          <a:bodyPr/>
+          <a:lstStyle/>
+          <a:p>
+            <a:r>
+              <a:rPr lang="en-US" dirty="0" smtClean="0"/>
+              <a:t>Current public-key crypto vulnerable to quantum computing</a:t>
+            </a:r>
+          </a:p>
+          <a:p>
+            <a:pPr lvl="1"/>
+            <a:r>
+              <a:rPr lang="en-US" dirty="0" smtClean="0"/>
+              <a:t>Shor’s algorithm for prime factorization and discrete logarithms</a:t>
+            </a:r>
+          </a:p>
+          <a:p>
+            <a:r>
+              <a:rPr lang="en-US" dirty="0" smtClean="0"/>
+              <a:t>Quantum computers might become feasible in near future</a:t>
+            </a:r>
+          </a:p>
+          <a:p>
+            <a:r>
+              <a:rPr lang="en-US" dirty="0" smtClean="0"/>
+              <a:t>Todays digital infrastructure is based on public-key crypto</a:t>
+            </a:r>
+          </a:p>
+          <a:p>
+            <a:r>
+              <a:rPr lang="en-US" dirty="0" smtClean="0"/>
+              <a:t>Urgent need for post-quantum crypto</a:t>
+            </a:r>
+          </a:p>
+          <a:p>
+            <a:r>
+              <a:rPr lang="en-US" dirty="0" smtClean="0"/>
+              <a:t>Lattice-based crypto is one possible solution</a:t>
+            </a:r>
+          </a:p>
+          <a:p>
+            <a:pPr lvl="1"/>
+            <a:r>
+              <a:rPr lang="en-US" dirty="0" smtClean="0"/>
+              <a:t>Currently most promising one, as it is pretty efficient</a:t>
+            </a:r>
+          </a:p>
+          <a:p>
+            <a:r>
+              <a:rPr lang="en-US" dirty="0" smtClean="0"/>
+              <a:t>Side-Channel attack resistance is important for future implementations</a:t>
+            </a:r>
+          </a:p>
+          <a:p>
+            <a:pPr lvl="1"/>
+            <a:endParaRPr lang="en-US" dirty="0" smtClean="0"/>
+          </a:p>
+        </p:txBody>
+      </p:sp>
+      <p:sp>
+        <p:nvSpPr>
+          <p:cNvPr id="3" name="Titel 2"/>
+          <p:cNvSpPr>
+            <a:spLocks noGrp="1"/>
+          </p:cNvSpPr>
+          <p:nvPr>
+            <p:ph type="title"/>
+          </p:nvPr>
+        </p:nvSpPr>
+        <p:spPr/>
+        <p:txBody>
+          <a:bodyPr/>
+          <a:lstStyle/>
+          <a:p>
+            <a:r>
+              <a:rPr lang="de-DE" dirty="0" smtClean="0"/>
+              <a:t>WHAT?!?</a:t>
+            </a:r>
+            <a:endParaRPr lang="de-DE" dirty="0"/>
+          </a:p>
+        </p:txBody>
+      </p:sp>
+    </p:spTree>
+    <p:extLst>
+      <p:ext uri="{BB962C8B-B14F-4D97-AF65-F5344CB8AC3E}">
+        <p14:creationId xmlns:p14="http://schemas.microsoft.com/office/powerpoint/2010/main" val="1241315664"/>
+      </p:ext>
+    </p:extLst>
+  </p:cSld>
+  <p:clrMapOvr>
+    <a:masterClrMapping/>
+  </p:clrMapOvr>
+  <p:transition/>
+  <p:timing>
+    <p:tnLst>
+      <p:par>
+        <p:cTn id="1" dur="indefinite" restart="never" nodeType="tmRoot"/>
+      </p:par>
+    </p:tnLst>
+  </p:timing>
+</p:sld>
+</file>
+
+<file path=ppt/slides/slide20.xml><?xml version="1.0" encoding="utf-8"?>
+<p:sld xmlns:a="http://schemas.openxmlformats.org/drawingml/2006/main" xmlns:r="http://schemas.openxmlformats.org/officeDocument/2006/relationships" xmlns:p="http://schemas.openxmlformats.org/presentationml/2006/main">
+  <p:cSld>
+    <p:spTree>
+      <p:nvGrpSpPr>
+        <p:cNvPr id="1" name=""/>
+        <p:cNvGrpSpPr/>
+        <p:nvPr/>
+      </p:nvGrpSpPr>
+      <p:grpSpPr>
+        <a:xfrm>
+          <a:off x="0" y="0"/>
+          <a:ext cx="0" cy="0"/>
+          <a:chOff x="0" y="0"/>
+          <a:chExt cx="0" cy="0"/>
+        </a:xfrm>
+      </p:grpSpPr>
+      <p:sp>
+        <p:nvSpPr>
+          <p:cNvPr id="2" name="Textplatzhalter 1"/>
+          <p:cNvSpPr>
+            <a:spLocks noGrp="1"/>
+          </p:cNvSpPr>
+          <p:nvPr>
+            <p:ph type="body" sz="quarter" idx="10"/>
+          </p:nvPr>
+        </p:nvSpPr>
+        <p:spPr/>
+        <p:txBody>
+          <a:bodyPr/>
+          <a:lstStyle/>
+          <a:p>
+            <a:r>
+              <a:rPr lang="en-US" smtClean="0"/>
+              <a:t>bla</a:t>
+            </a:r>
+            <a:endParaRPr lang="en-US" dirty="0"/>
+          </a:p>
+        </p:txBody>
+      </p:sp>
+      <p:sp>
+        <p:nvSpPr>
+          <p:cNvPr id="3" name="Titel 2"/>
+          <p:cNvSpPr>
+            <a:spLocks noGrp="1"/>
+          </p:cNvSpPr>
+          <p:nvPr>
+            <p:ph type="title"/>
+          </p:nvPr>
+        </p:nvSpPr>
+        <p:spPr/>
+        <p:txBody>
+          <a:bodyPr/>
+          <a:lstStyle/>
+          <a:p>
+            <a:r>
+              <a:rPr lang="en-US" dirty="0" smtClean="0"/>
+              <a:t>Blinding Countermeasures</a:t>
+            </a:r>
+            <a:r>
+              <a:rPr lang="en-US" dirty="0"/>
+              <a:t/>
+            </a:r>
+            <a:br>
+              <a:rPr lang="en-US" dirty="0"/>
+            </a:br>
+            <a:r>
+              <a:rPr lang="de-DE" sz="2800" b="0" dirty="0" smtClean="0"/>
+              <a:t>Unterüberschrift</a:t>
+            </a:r>
+            <a:endParaRPr lang="de-DE" sz="2800" dirty="0"/>
+          </a:p>
+        </p:txBody>
+      </p:sp>
+    </p:spTree>
+    <p:extLst>
+      <p:ext uri="{BB962C8B-B14F-4D97-AF65-F5344CB8AC3E}">
+        <p14:creationId xmlns:p14="http://schemas.microsoft.com/office/powerpoint/2010/main" val="1842756839"/>
+      </p:ext>
+    </p:extLst>
+  </p:cSld>
+  <p:clrMapOvr>
+    <a:masterClrMapping/>
+  </p:clrMapOvr>
+  <p:transition/>
+</p:sld>
+</file>
+
+<file path=ppt/slides/slide21.xml><?xml version="1.0" encoding="utf-8"?>
 <p:sld xmlns:a="http://schemas.openxmlformats.org/drawingml/2006/main" xmlns:r="http://schemas.openxmlformats.org/officeDocument/2006/relationships" xmlns:p="http://schemas.openxmlformats.org/presentationml/2006/main">
   <p:cSld>
     <p:bg>
@@ -7451,145 +8902,6 @@
 </p:sld>
 </file>
 
-<file path=ppt/slides/slide2.xml><?xml version="1.0" encoding="utf-8"?>
-<p:sld xmlns:a="http://schemas.openxmlformats.org/drawingml/2006/main" xmlns:r="http://schemas.openxmlformats.org/officeDocument/2006/relationships" xmlns:p="http://schemas.openxmlformats.org/presentationml/2006/main">
-  <p:cSld>
-    <p:bg>
-      <p:bgPr>
-        <a:solidFill>
-          <a:srgbClr val="E7E7E7"/>
-        </a:solidFill>
-        <a:effectLst/>
-      </p:bgPr>
-    </p:bg>
-    <p:spTree>
-      <p:nvGrpSpPr>
-        <p:cNvPr id="1" name=""/>
-        <p:cNvGrpSpPr/>
-        <p:nvPr/>
-      </p:nvGrpSpPr>
-      <p:grpSpPr>
-        <a:xfrm>
-          <a:off x="0" y="0"/>
-          <a:ext cx="0" cy="0"/>
-          <a:chOff x="0" y="0"/>
-          <a:chExt cx="0" cy="0"/>
-        </a:xfrm>
-      </p:grpSpPr>
-      <p:sp>
-        <p:nvSpPr>
-          <p:cNvPr id="2" name="Textplatzhalter 1"/>
-          <p:cNvSpPr>
-            <a:spLocks noGrp="1"/>
-          </p:cNvSpPr>
-          <p:nvPr>
-            <p:ph type="body" sz="quarter" idx="10"/>
-          </p:nvPr>
-        </p:nvSpPr>
-        <p:spPr/>
-        <p:txBody>
-          <a:bodyPr/>
-          <a:lstStyle/>
-          <a:p>
-            <a:r>
-              <a:rPr lang="en-US" dirty="0" smtClean="0"/>
-              <a:t>Current public-key crypto vulnerable to quantum computing</a:t>
-            </a:r>
-          </a:p>
-          <a:p>
-            <a:pPr lvl="1"/>
-            <a:r>
-              <a:rPr lang="en-US" dirty="0" smtClean="0"/>
-              <a:t>Shor’s algorithm for prime factorization and discrete logarithms</a:t>
-            </a:r>
-          </a:p>
-          <a:p>
-            <a:r>
-              <a:rPr lang="en-US" dirty="0" smtClean="0"/>
-              <a:t>Quantum computers might become feasible in near future</a:t>
-            </a:r>
-          </a:p>
-          <a:p>
-            <a:r>
-              <a:rPr lang="en-US" dirty="0" smtClean="0"/>
-              <a:t>Todays digital infrastructure is based on public-key crypto</a:t>
-            </a:r>
-          </a:p>
-          <a:p>
-            <a:r>
-              <a:rPr lang="en-US" dirty="0" smtClean="0"/>
-              <a:t>Urgent need for post-quantum crypto</a:t>
-            </a:r>
-          </a:p>
-          <a:p>
-            <a:r>
-              <a:rPr lang="en-US" dirty="0" smtClean="0"/>
-              <a:t>Lattice-based crypto is one possible solution</a:t>
-            </a:r>
-          </a:p>
-          <a:p>
-            <a:pPr lvl="1"/>
-            <a:r>
-              <a:rPr lang="en-US" dirty="0" smtClean="0"/>
-              <a:t>Currently most promising one, as it is pretty efficient</a:t>
-            </a:r>
-          </a:p>
-          <a:p>
-            <a:r>
-              <a:rPr lang="en-US" dirty="0" smtClean="0"/>
-              <a:t>Side-Channel attack resistance is important for future implementations</a:t>
-            </a:r>
-          </a:p>
-          <a:p>
-            <a:pPr lvl="1"/>
-            <a:endParaRPr lang="en-US" dirty="0" smtClean="0"/>
-          </a:p>
-        </p:txBody>
-      </p:sp>
-      <p:sp>
-        <p:nvSpPr>
-          <p:cNvPr id="3" name="Titel 2"/>
-          <p:cNvSpPr>
-            <a:spLocks noGrp="1"/>
-          </p:cNvSpPr>
-          <p:nvPr>
-            <p:ph type="title"/>
-          </p:nvPr>
-        </p:nvSpPr>
-        <p:spPr/>
-        <p:txBody>
-          <a:bodyPr/>
-          <a:lstStyle/>
-          <a:p>
-            <a:r>
-              <a:rPr lang="de-DE" dirty="0" smtClean="0"/>
-              <a:t>WHAT?!?</a:t>
-            </a:r>
-            <a:endParaRPr lang="de-DE" dirty="0"/>
-          </a:p>
-        </p:txBody>
-      </p:sp>
-    </p:spTree>
-    <p:extLst>
-      <p:ext uri="{BB962C8B-B14F-4D97-AF65-F5344CB8AC3E}">
-        <p14:creationId xmlns:p14="http://schemas.microsoft.com/office/powerpoint/2010/main" val="1241315664"/>
-      </p:ext>
-    </p:extLst>
-  </p:cSld>
-  <p:clrMapOvr>
-    <a:masterClrMapping/>
-  </p:clrMapOvr>
-  <p:transition/>
-  <p:timing>
-    <p:tnLst>
-      <p:par>
-        <p:cTn id="1" dur="indefinite" restart="never" nodeType="tmRoot"/>
-      </p:par>
-    </p:tnLst>
-  </p:timing>
-</p:sld>
-</file>
-
 <file path=ppt/slides/slide3.xml><?xml version="1.0" encoding="utf-8"?>
 <p:sld xmlns:a="http://schemas.openxmlformats.org/drawingml/2006/main" xmlns:r="http://schemas.openxmlformats.org/officeDocument/2006/relationships" xmlns:p="http://schemas.openxmlformats.org/presentationml/2006/main">
   <p:cSld>
@@ -8129,7 +9441,22 @@
               <a:p>
                 <a:r>
                   <a:rPr lang="en-US" dirty="0" smtClean="0"/>
-                  <a:t>Ring-LWE problem is considered hard to solve</a:t>
+                  <a:t>Ring-LWE problem is </a:t>
+                </a:r>
+                <a:r>
+                  <a:rPr lang="en-US" dirty="0" smtClean="0"/>
+                  <a:t>a lattice-based problem</a:t>
+                </a:r>
+              </a:p>
+              <a:p>
+                <a:pPr lvl="1"/>
+                <a:r>
+                  <a:rPr lang="en-US" dirty="0" smtClean="0"/>
+                  <a:t>considered </a:t>
+                </a:r>
+                <a:r>
+                  <a:rPr lang="en-US" dirty="0" smtClean="0"/>
+                  <a:t>hard to solve</a:t>
                 </a:r>
                 <a:endParaRPr lang="en-US" dirty="0"/>
               </a:p>
@@ -8151,7 +9478,7 @@
               <a:blipFill rotWithShape="0">
                 <a:blip r:embed="rId2"/>
                 <a:stretch>
-                  <a:fillRect l="-944"/>
+                  <a:fillRect l="-944" b="-5451"/>
                 </a:stretch>
               </a:blipFill>
             </p:spPr>
@@ -8379,66 +9706,314 @@
           <a:chExt cx="0" cy="0"/>
         </a:xfrm>
       </p:grpSpPr>
-      <p:sp>
-        <p:nvSpPr>
-          <p:cNvPr id="2" name="Textplatzhalter 1"/>
-          <p:cNvSpPr>
-            <a:spLocks noGrp="1"/>
-          </p:cNvSpPr>
-          <p:nvPr>
-            <p:ph type="body" sz="quarter" idx="10"/>
-          </p:nvPr>
-        </p:nvSpPr>
-        <p:spPr/>
-        <p:txBody>
-          <a:bodyPr/>
-          <a:lstStyle/>
-          <a:p>
-            <a:r>
-              <a:rPr lang="en-US" dirty="0" smtClean="0"/>
-              <a:t>Conclude secret information with leaked information</a:t>
-            </a:r>
-          </a:p>
-          <a:p>
-            <a:r>
-              <a:rPr lang="en-US" dirty="0" smtClean="0"/>
-              <a:t>One type of attack: </a:t>
-            </a:r>
-            <a:r>
-              <a:rPr lang="en-US" i="1" dirty="0" smtClean="0"/>
-              <a:t>Differential Power Analysis </a:t>
-            </a:r>
-            <a:r>
-              <a:rPr lang="en-US" dirty="0" smtClean="0"/>
-              <a:t>(DPA)</a:t>
-            </a:r>
-          </a:p>
-          <a:p>
-            <a:pPr lvl="1"/>
-            <a:r>
-              <a:rPr lang="en-US" i="1" dirty="0" smtClean="0"/>
-              <a:t>Sensitive variable</a:t>
-            </a:r>
-            <a:r>
-              <a:rPr lang="en-US" dirty="0" smtClean="0"/>
-              <a:t>: Value that depends on the secret key and the plaintext</a:t>
-            </a:r>
-          </a:p>
-          <a:p>
-            <a:pPr lvl="1"/>
-            <a:r>
-              <a:rPr lang="en-US" dirty="0" smtClean="0"/>
-              <a:t>Correlate a leakage with a prediction made on a sensitive variable</a:t>
-            </a:r>
-          </a:p>
-          <a:p>
-            <a:endParaRPr lang="en-US" dirty="0" smtClean="0"/>
-          </a:p>
-          <a:p>
-            <a:endParaRPr lang="en-US" dirty="0"/>
-          </a:p>
-        </p:txBody>
-      </p:sp>
+      <mc:AlternateContent xmlns:mc="http://schemas.openxmlformats.org/markup-compatibility/2006">
+        <mc:Choice xmlns:a14="http://schemas.microsoft.com/office/drawing/2010/main" Requires="a14">
+          <p:sp>
+            <p:nvSpPr>
+              <p:cNvPr id="2" name="Textplatzhalter 1"/>
+              <p:cNvSpPr>
+                <a:spLocks noGrp="1"/>
+              </p:cNvSpPr>
+              <p:nvPr>
+                <p:ph type="body" sz="quarter" idx="10"/>
+              </p:nvPr>
+            </p:nvSpPr>
+            <p:spPr/>
+            <p:txBody>
+              <a:bodyPr/>
+              <a:lstStyle/>
+              <a:p>
+                <a:r>
+                  <a:rPr lang="en-US" dirty="0" smtClean="0"/>
+                  <a:t>Conclude secret information with leaked information</a:t>
+                </a:r>
+              </a:p>
+              <a:p>
+                <a:r>
+                  <a:rPr lang="en-US" dirty="0" smtClean="0"/>
+                  <a:t>One type of attack: </a:t>
+                </a:r>
+                <a:r>
+                  <a:rPr lang="en-US" i="1" dirty="0" smtClean="0"/>
+                  <a:t>Differential Power Analysis </a:t>
+                </a:r>
+                <a:r>
+                  <a:rPr lang="en-US" dirty="0" smtClean="0"/>
+                  <a:t>(DPA)</a:t>
+                </a:r>
+              </a:p>
+              <a:p>
+                <a:pPr lvl="1"/>
+                <a:r>
+                  <a:rPr lang="en-US" i="1" dirty="0" smtClean="0"/>
+                  <a:t>Sensitive variable</a:t>
+                </a:r>
+                <a:r>
+                  <a:rPr lang="en-US" dirty="0" smtClean="0"/>
+                  <a:t>: Value that depends on the secret key and the plaintext</a:t>
+                </a:r>
+              </a:p>
+              <a:p>
+                <a:pPr lvl="1"/>
+                <a:r>
+                  <a:rPr lang="en-US" dirty="0" smtClean="0"/>
+                  <a:t>Correlate a leakage with a prediction made on a sensitive </a:t>
+                </a:r>
+                <a:r>
+                  <a:rPr lang="en-US" dirty="0" smtClean="0"/>
+                  <a:t>variable</a:t>
+                </a:r>
+              </a:p>
+              <a:p>
+                <a:r>
+                  <a:rPr lang="en-US" dirty="0" smtClean="0"/>
+                  <a:t>Countermeasure: Masking</a:t>
+                </a:r>
+              </a:p>
+              <a:p>
+                <a:pPr lvl="1"/>
+                <a14:m>
+                  <m:oMath xmlns:m="http://schemas.openxmlformats.org/officeDocument/2006/math">
+                    <m:r>
+                      <a:rPr lang="de-DE" b="0" i="1" smtClean="0">
+                        <a:latin typeface="Cambria Math" charset="0"/>
+                      </a:rPr>
+                      <m:t>(</m:t>
+                    </m:r>
+                    <m:r>
+                      <a:rPr lang="de-DE" b="0" i="1" smtClean="0">
+                        <a:latin typeface="Cambria Math" charset="0"/>
+                      </a:rPr>
+                      <m:t>𝑑</m:t>
+                    </m:r>
+                    <m:r>
+                      <a:rPr lang="de-DE" b="0" i="1" smtClean="0">
+                        <a:latin typeface="Cambria Math" charset="0"/>
+                      </a:rPr>
+                      <m:t>−1)</m:t>
+                    </m:r>
+                  </m:oMath>
+                </a14:m>
+                <a:r>
+                  <a:rPr lang="en-US" dirty="0" smtClean="0"/>
+                  <a:t>-</a:t>
+                </a:r>
+                <a:r>
+                  <a:rPr lang="en-US" dirty="0" err="1" smtClean="0"/>
+                  <a:t>th</a:t>
+                </a:r>
+                <a:r>
+                  <a:rPr lang="en-US" dirty="0" smtClean="0"/>
+                  <a:t> order masking: Split a </a:t>
+                </a:r>
+                <a:r>
+                  <a:rPr lang="en-US" i="1" dirty="0" smtClean="0"/>
+                  <a:t>sensitive variable </a:t>
+                </a:r>
+                <a:r>
+                  <a:rPr lang="en-US" dirty="0" smtClean="0"/>
+                  <a:t>into </a:t>
+                </a:r>
+                <a14:m>
+                  <m:oMath xmlns:m="http://schemas.openxmlformats.org/officeDocument/2006/math">
+                    <m:r>
+                      <a:rPr lang="de-DE" b="0" i="1" smtClean="0">
+                        <a:latin typeface="Cambria Math" charset="0"/>
+                      </a:rPr>
+                      <m:t>𝑑</m:t>
+                    </m:r>
+                  </m:oMath>
+                </a14:m>
+                <a:r>
+                  <a:rPr lang="en-US" i="1" dirty="0" smtClean="0"/>
+                  <a:t> </a:t>
+                </a:r>
+                <a:r>
+                  <a:rPr lang="en-US" dirty="0" smtClean="0"/>
+                  <a:t>indep</a:t>
+                </a:r>
+                <a:r>
+                  <a:rPr lang="en-US" dirty="0" smtClean="0"/>
+                  <a:t>endent</a:t>
+                </a:r>
+                <a:r>
+                  <a:rPr lang="en-US" dirty="0" smtClean="0"/>
+                  <a:t> shares</a:t>
+                </a:r>
+                <a:endParaRPr lang="en-US" dirty="0" smtClean="0"/>
+              </a:p>
+              <a:p>
+                <a:r>
+                  <a:rPr lang="en-US" dirty="0" smtClean="0"/>
+                  <a:t>Defeat masking: </a:t>
+                </a:r>
+                <a:r>
+                  <a:rPr lang="en-US" i="1" dirty="0" smtClean="0"/>
+                  <a:t>Higher-Order </a:t>
+                </a:r>
+                <a:r>
+                  <a:rPr lang="en-US" i="1" dirty="0"/>
+                  <a:t>DPA </a:t>
+                </a:r>
+                <a:r>
+                  <a:rPr lang="en-US" dirty="0"/>
+                  <a:t>(HO-DPA)</a:t>
+                </a:r>
+              </a:p>
+              <a:p>
+                <a:pPr lvl="1"/>
+                <a:r>
+                  <a:rPr lang="en-US" dirty="0"/>
+                  <a:t>Usage of </a:t>
+                </a:r>
+                <a14:m>
+                  <m:oMath xmlns:m="http://schemas.openxmlformats.org/officeDocument/2006/math">
+                    <m:r>
+                      <a:rPr lang="de-DE" i="1">
+                        <a:latin typeface="Cambria Math" charset="0"/>
+                      </a:rPr>
+                      <m:t>𝑑</m:t>
+                    </m:r>
+                  </m:oMath>
+                </a14:m>
+                <a:r>
+                  <a:rPr lang="en-US" dirty="0"/>
+                  <a:t> </a:t>
+                </a:r>
+                <a:r>
+                  <a:rPr lang="en-US" dirty="0" smtClean="0"/>
+                  <a:t>leakages corresponding to </a:t>
+                </a:r>
+                <a14:m>
+                  <m:oMath xmlns:m="http://schemas.openxmlformats.org/officeDocument/2006/math">
+                    <m:r>
+                      <a:rPr lang="de-DE" b="0" i="1" smtClean="0">
+                        <a:latin typeface="Cambria Math" charset="0"/>
+                      </a:rPr>
+                      <m:t>𝑑</m:t>
+                    </m:r>
+                  </m:oMath>
+                </a14:m>
+                <a:r>
+                  <a:rPr lang="en-US" dirty="0" smtClean="0"/>
+                  <a:t> shares of a sensitive variable</a:t>
+                </a:r>
+              </a:p>
+              <a:p>
+                <a:pPr lvl="1"/>
+                <a14:m>
+                  <m:oMath xmlns:m="http://schemas.openxmlformats.org/officeDocument/2006/math">
+                    <m:r>
+                      <a:rPr lang="de-DE" b="0" i="1" smtClean="0">
+                        <a:latin typeface="Cambria Math" charset="0"/>
+                      </a:rPr>
+                      <m:t>𝑑</m:t>
+                    </m:r>
+                  </m:oMath>
+                </a14:m>
+                <a:r>
+                  <a:rPr lang="en-US" dirty="0" smtClean="0"/>
+                  <a:t>-</a:t>
+                </a:r>
+                <a:r>
+                  <a:rPr lang="en-US" dirty="0" err="1" smtClean="0"/>
+                  <a:t>th</a:t>
+                </a:r>
+                <a:r>
+                  <a:rPr lang="en-US" dirty="0" smtClean="0"/>
+                  <a:t> order DPA defeats </a:t>
+                </a:r>
+                <a14:m>
+                  <m:oMath xmlns:m="http://schemas.openxmlformats.org/officeDocument/2006/math">
+                    <m:d>
+                      <m:dPr>
+                        <m:ctrlPr>
+                          <a:rPr lang="de-DE" b="0" i="1" smtClean="0">
+                            <a:latin typeface="Cambria Math" charset="0"/>
+                          </a:rPr>
+                        </m:ctrlPr>
+                      </m:dPr>
+                      <m:e>
+                        <m:r>
+                          <a:rPr lang="de-DE" b="0" i="1" smtClean="0">
+                            <a:latin typeface="Cambria Math" charset="0"/>
+                          </a:rPr>
+                          <m:t>𝑑</m:t>
+                        </m:r>
+                        <m:r>
+                          <a:rPr lang="de-DE" b="0" i="1" smtClean="0">
+                            <a:latin typeface="Cambria Math" charset="0"/>
+                          </a:rPr>
+                          <m:t>−1</m:t>
+                        </m:r>
+                      </m:e>
+                    </m:d>
+                  </m:oMath>
+                </a14:m>
+                <a:r>
+                  <a:rPr lang="en-US" dirty="0" smtClean="0"/>
+                  <a:t>-</a:t>
+                </a:r>
+                <a:r>
+                  <a:rPr lang="en-US" dirty="0" err="1" smtClean="0"/>
+                  <a:t>th</a:t>
+                </a:r>
+                <a:r>
+                  <a:rPr lang="en-US" dirty="0" smtClean="0"/>
+                  <a:t> order masking</a:t>
+                </a:r>
+              </a:p>
+              <a:p>
+                <a:pPr lvl="1"/>
+                <a:r>
+                  <a:rPr lang="en-US" dirty="0" smtClean="0"/>
+                  <a:t>HO-DPA difficult due to increasing noise effects</a:t>
+                </a:r>
+                <a:endParaRPr lang="en-US" dirty="0"/>
+              </a:p>
+              <a:p>
+                <a:endParaRPr lang="en-US" dirty="0" smtClean="0"/>
+              </a:p>
+              <a:p>
+                <a:endParaRPr lang="en-US" dirty="0"/>
+              </a:p>
+            </p:txBody>
+          </p:sp>
+        </mc:Choice>
+        <mc:Fallback>
+          <p:sp>
+            <p:nvSpPr>
+              <p:cNvPr id="2" name="Textplatzhalter 1"/>
+              <p:cNvSpPr>
+                <a:spLocks noGrp="1" noRot="1" noChangeAspect="1" noMove="1" noResize="1" noEditPoints="1" noAdjustHandles="1" noChangeArrowheads="1" noChangeShapeType="1" noTextEdit="1"/>
+              </p:cNvSpPr>
+              <p:nvPr>
+                <p:ph type="body" sz="quarter" idx="10"/>
+              </p:nvPr>
+            </p:nvSpPr>
+            <p:spPr>
+              <a:blipFill rotWithShape="0">
+                <a:blip r:embed="rId2"/>
+                <a:stretch>
+                  <a:fillRect l="-944" t="-779"/>
+                </a:stretch>
+              </a:blipFill>
+            </p:spPr>
+            <p:txBody>
+              <a:bodyPr/>
+              <a:lstStyle/>
+              <a:p>
+                <a:r>
+                  <a:rPr lang="de-DE">
+                    <a:noFill/>
+                  </a:rPr>
+                  <a:t> </a:t>
+                </a:r>
+              </a:p>
+            </p:txBody>
+          </p:sp>
+        </mc:Fallback>
+      </mc:AlternateContent>
       <p:sp>
         <p:nvSpPr>
           <p:cNvPr id="3" name="Titel 2"/>
